--- a/docs/Lectures/Week05/Week05_MultipleRegression.pptx
+++ b/docs/Lectures/Week05/Week05_MultipleRegression.pptx
@@ -6,14 +6,28 @@
     <p:sldMasterId id="2147483686" r:id="rId2"/>
   </p:sldMasterIdLst>
   <p:notesMasterIdLst>
-    <p:notesMasterId r:id="rId8"/>
+    <p:notesMasterId r:id="rId22"/>
   </p:notesMasterIdLst>
   <p:sldIdLst>
     <p:sldId id="256" r:id="rId3"/>
     <p:sldId id="323" r:id="rId4"/>
     <p:sldId id="903" r:id="rId5"/>
-    <p:sldId id="265" r:id="rId6"/>
-    <p:sldId id="902" r:id="rId7"/>
+    <p:sldId id="905" r:id="rId6"/>
+    <p:sldId id="909" r:id="rId7"/>
+    <p:sldId id="906" r:id="rId8"/>
+    <p:sldId id="918" r:id="rId9"/>
+    <p:sldId id="910" r:id="rId10"/>
+    <p:sldId id="908" r:id="rId11"/>
+    <p:sldId id="907" r:id="rId12"/>
+    <p:sldId id="911" r:id="rId13"/>
+    <p:sldId id="912" r:id="rId14"/>
+    <p:sldId id="913" r:id="rId15"/>
+    <p:sldId id="914" r:id="rId16"/>
+    <p:sldId id="915" r:id="rId17"/>
+    <p:sldId id="916" r:id="rId18"/>
+    <p:sldId id="917" r:id="rId19"/>
+    <p:sldId id="919" r:id="rId20"/>
+    <p:sldId id="265" r:id="rId21"/>
   </p:sldIdLst>
   <p:sldSz cx="12192000" cy="6858000"/>
   <p:notesSz cx="6858000" cy="9144000"/>
@@ -202,7 +216,7 @@
           <a:p>
             <a:fld id="{B696F2DA-24C0-4B85-B3DC-FA6F4BB684E2}" type="datetimeFigureOut">
               <a:rPr lang="en-US" smtClean="0"/>
-              <a:t>2/7/2025</a:t>
+              <a:t>2/12/2025</a:t>
             </a:fld>
             <a:endParaRPr lang="en-US"/>
           </a:p>
@@ -707,7 +721,7 @@
           <a:p>
             <a:fld id="{ED291B17-9318-49DB-B28B-6E5994AE9581}" type="datetime1">
               <a:rPr lang="en-US" smtClean="0"/>
-              <a:t>2/7/2025</a:t>
+              <a:t>2/12/2025</a:t>
             </a:fld>
             <a:endParaRPr lang="en-US" dirty="0"/>
           </a:p>
@@ -910,7 +924,7 @@
           <a:p>
             <a:fld id="{2CED4963-E985-44C4-B8C4-FDD613B7C2F8}" type="datetime1">
               <a:rPr lang="en-US" smtClean="0"/>
-              <a:t>2/7/2025</a:t>
+              <a:t>2/12/2025</a:t>
             </a:fld>
             <a:endParaRPr lang="en-US" dirty="0"/>
           </a:p>
@@ -1272,7 +1286,7 @@
           <a:p>
             <a:fld id="{ED291B17-9318-49DB-B28B-6E5994AE9581}" type="datetime1">
               <a:rPr lang="en-US" smtClean="0"/>
-              <a:t>2/7/2025</a:t>
+              <a:t>2/12/2025</a:t>
             </a:fld>
             <a:endParaRPr lang="en-US" dirty="0"/>
           </a:p>
@@ -1582,7 +1596,7 @@
           <a:p>
             <a:fld id="{ED291B17-9318-49DB-B28B-6E5994AE9581}" type="datetime1">
               <a:rPr lang="en-US" smtClean="0"/>
-              <a:t>2/7/2025</a:t>
+              <a:t>2/12/2025</a:t>
             </a:fld>
             <a:endParaRPr lang="en-US" dirty="0"/>
           </a:p>
@@ -1779,7 +1793,7 @@
           <a:p>
             <a:fld id="{78DD82B9-B8EE-4375-B6FF-88FA6ABB15D9}" type="datetime1">
               <a:rPr lang="en-US" smtClean="0"/>
-              <a:t>2/7/2025</a:t>
+              <a:t>2/12/2025</a:t>
             </a:fld>
             <a:endParaRPr lang="en-US" dirty="0"/>
           </a:p>
@@ -2090,7 +2104,7 @@
           <a:p>
             <a:fld id="{B2497495-0637-405E-AE64-5CC7506D51F5}" type="datetime1">
               <a:rPr lang="en-US" smtClean="0"/>
-              <a:t>2/7/2025</a:t>
+              <a:t>2/12/2025</a:t>
             </a:fld>
             <a:endParaRPr lang="en-US" dirty="0"/>
           </a:p>
@@ -2343,7 +2357,7 @@
           <a:p>
             <a:fld id="{7BFFD690-9426-415D-8B65-26881E07B2D4}" type="datetime1">
               <a:rPr lang="en-US" smtClean="0"/>
-              <a:t>2/7/2025</a:t>
+              <a:t>2/12/2025</a:t>
             </a:fld>
             <a:endParaRPr lang="en-US" dirty="0"/>
           </a:p>
@@ -2765,7 +2779,7 @@
           <a:p>
             <a:fld id="{04C4989A-474C-40DE-95B9-011C28B71673}" type="datetime1">
               <a:rPr lang="en-US" smtClean="0"/>
-              <a:t>2/7/2025</a:t>
+              <a:t>2/12/2025</a:t>
             </a:fld>
             <a:endParaRPr lang="en-US" dirty="0"/>
           </a:p>
@@ -2888,7 +2902,7 @@
           <a:p>
             <a:fld id="{5DB4ED54-5B5E-4A04-93D3-5772E3CE3818}" type="datetime1">
               <a:rPr lang="en-US" smtClean="0"/>
-              <a:t>2/7/2025</a:t>
+              <a:t>2/12/2025</a:t>
             </a:fld>
             <a:endParaRPr lang="en-US" dirty="0"/>
           </a:p>
@@ -2983,7 +2997,7 @@
           <a:p>
             <a:fld id="{4EDE50D6-574B-40AF-946F-D52A04ADE379}" type="datetime1">
               <a:rPr lang="en-US" smtClean="0"/>
-              <a:t>2/7/2025</a:t>
+              <a:t>2/12/2025</a:t>
             </a:fld>
             <a:endParaRPr lang="en-US" dirty="0"/>
           </a:p>
@@ -3359,7 +3373,7 @@
           <a:p>
             <a:fld id="{D82884F1-FFEA-405F-9602-3DCA865EDA4E}" type="datetime1">
               <a:rPr lang="en-US" smtClean="0"/>
-              <a:t>2/7/2025</a:t>
+              <a:t>2/12/2025</a:t>
             </a:fld>
             <a:endParaRPr lang="en-US" dirty="0"/>
           </a:p>
@@ -3566,7 +3580,7 @@
           <a:p>
             <a:fld id="{78DD82B9-B8EE-4375-B6FF-88FA6ABB15D9}" type="datetime1">
               <a:rPr lang="en-US" smtClean="0"/>
-              <a:t>2/7/2025</a:t>
+              <a:t>2/12/2025</a:t>
             </a:fld>
             <a:endParaRPr lang="en-US" dirty="0"/>
           </a:p>
@@ -3848,7 +3862,7 @@
           <a:p>
             <a:fld id="{7E18DB4A-8810-4A10-AD5C-D5E2C667F5B3}" type="datetime1">
               <a:rPr lang="en-US" smtClean="0"/>
-              <a:t>2/7/2025</a:t>
+              <a:t>2/12/2025</a:t>
             </a:fld>
             <a:endParaRPr lang="en-US" dirty="0"/>
           </a:p>
@@ -4040,7 +4054,7 @@
           <a:p>
             <a:fld id="{2CED4963-E985-44C4-B8C4-FDD613B7C2F8}" type="datetime1">
               <a:rPr lang="en-US" smtClean="0"/>
-              <a:t>2/7/2025</a:t>
+              <a:t>2/12/2025</a:t>
             </a:fld>
             <a:endParaRPr lang="en-US" dirty="0"/>
           </a:p>
@@ -4401,7 +4415,7 @@
           <a:p>
             <a:fld id="{ED291B17-9318-49DB-B28B-6E5994AE9581}" type="datetime1">
               <a:rPr lang="en-US" smtClean="0"/>
-              <a:t>2/7/2025</a:t>
+              <a:t>2/12/2025</a:t>
             </a:fld>
             <a:endParaRPr lang="en-US" dirty="0"/>
           </a:p>
@@ -4877,7 +4891,7 @@
           <a:p>
             <a:fld id="{B2497495-0637-405E-AE64-5CC7506D51F5}" type="datetime1">
               <a:rPr lang="en-US" smtClean="0"/>
-              <a:t>2/7/2025</a:t>
+              <a:t>2/12/2025</a:t>
             </a:fld>
             <a:endParaRPr lang="en-US" dirty="0"/>
           </a:p>
@@ -5128,7 +5142,7 @@
           <a:p>
             <a:fld id="{7BFFD690-9426-415D-8B65-26881E07B2D4}" type="datetime1">
               <a:rPr lang="en-US" smtClean="0"/>
-              <a:t>2/7/2025</a:t>
+              <a:t>2/12/2025</a:t>
             </a:fld>
             <a:endParaRPr lang="en-US" dirty="0"/>
           </a:p>
@@ -5548,7 +5562,7 @@
           <a:p>
             <a:fld id="{04C4989A-474C-40DE-95B9-011C28B71673}" type="datetime1">
               <a:rPr lang="en-US" smtClean="0"/>
-              <a:t>2/7/2025</a:t>
+              <a:t>2/12/2025</a:t>
             </a:fld>
             <a:endParaRPr lang="en-US" dirty="0"/>
           </a:p>
@@ -5671,7 +5685,7 @@
           <a:p>
             <a:fld id="{5DB4ED54-5B5E-4A04-93D3-5772E3CE3818}" type="datetime1">
               <a:rPr lang="en-US" smtClean="0"/>
-              <a:t>2/7/2025</a:t>
+              <a:t>2/12/2025</a:t>
             </a:fld>
             <a:endParaRPr lang="en-US" dirty="0"/>
           </a:p>
@@ -5766,7 +5780,7 @@
           <a:p>
             <a:fld id="{4EDE50D6-574B-40AF-946F-D52A04ADE379}" type="datetime1">
               <a:rPr lang="en-US" smtClean="0"/>
-              <a:t>2/7/2025</a:t>
+              <a:t>2/12/2025</a:t>
             </a:fld>
             <a:endParaRPr lang="en-US" dirty="0"/>
           </a:p>
@@ -6142,7 +6156,7 @@
           <a:p>
             <a:fld id="{D82884F1-FFEA-405F-9602-3DCA865EDA4E}" type="datetime1">
               <a:rPr lang="en-US" smtClean="0"/>
-              <a:t>2/7/2025</a:t>
+              <a:t>2/12/2025</a:t>
             </a:fld>
             <a:endParaRPr lang="en-US" dirty="0"/>
           </a:p>
@@ -6435,7 +6449,7 @@
           <a:p>
             <a:fld id="{7E18DB4A-8810-4A10-AD5C-D5E2C667F5B3}" type="datetime1">
               <a:rPr lang="en-US" smtClean="0"/>
-              <a:t>2/7/2025</a:t>
+              <a:t>2/12/2025</a:t>
             </a:fld>
             <a:endParaRPr lang="en-US" dirty="0"/>
           </a:p>
@@ -6650,7 +6664,7 @@
           <a:p>
             <a:fld id="{ED291B17-9318-49DB-B28B-6E5994AE9581}" type="datetime1">
               <a:rPr lang="en-US" smtClean="0"/>
-              <a:t>2/7/2025</a:t>
+              <a:t>2/12/2025</a:t>
             </a:fld>
             <a:endParaRPr lang="en-US" dirty="0"/>
           </a:p>
@@ -7429,7 +7443,7 @@
           <a:p>
             <a:fld id="{ED291B17-9318-49DB-B28B-6E5994AE9581}" type="datetime1">
               <a:rPr lang="en-US" smtClean="0"/>
-              <a:t>2/7/2025</a:t>
+              <a:t>2/12/2025</a:t>
             </a:fld>
             <a:endParaRPr lang="en-US" dirty="0"/>
           </a:p>
@@ -8453,6 +8467,4502 @@
 </p:sld>
 </file>
 
+<file path=ppt/slides/slide10.xml><?xml version="1.0" encoding="utf-8"?>
+<p:sld xmlns:a="http://schemas.openxmlformats.org/drawingml/2006/main" xmlns:r="http://schemas.openxmlformats.org/officeDocument/2006/relationships" xmlns:p="http://schemas.openxmlformats.org/presentationml/2006/main">
+  <p:cSld>
+    <p:spTree>
+      <p:nvGrpSpPr>
+        <p:cNvPr id="1" name=""/>
+        <p:cNvGrpSpPr/>
+        <p:nvPr/>
+      </p:nvGrpSpPr>
+      <p:grpSpPr>
+        <a:xfrm>
+          <a:off x="0" y="0"/>
+          <a:ext cx="0" cy="0"/>
+          <a:chOff x="0" y="0"/>
+          <a:chExt cx="0" cy="0"/>
+        </a:xfrm>
+      </p:grpSpPr>
+      <mc:AlternateContent xmlns:mc="http://schemas.openxmlformats.org/markup-compatibility/2006">
+        <mc:Choice xmlns:a14="http://schemas.microsoft.com/office/drawing/2010/main" Requires="a14">
+          <p:sp>
+            <p:nvSpPr>
+              <p:cNvPr id="3" name="Content Placeholder 2">
+                <a:extLst>
+                  <a:ext uri="{FF2B5EF4-FFF2-40B4-BE49-F238E27FC236}">
+                    <a16:creationId xmlns:a16="http://schemas.microsoft.com/office/drawing/2014/main" id="{7D64B1A7-466A-6232-EFB1-DBB053EF8D45}"/>
+                  </a:ext>
+                </a:extLst>
+              </p:cNvPr>
+              <p:cNvSpPr>
+                <a:spLocks noGrp="1"/>
+              </p:cNvSpPr>
+              <p:nvPr>
+                <p:ph idx="1"/>
+              </p:nvPr>
+            </p:nvSpPr>
+            <p:spPr>
+              <a:xfrm>
+                <a:off x="428793" y="2146900"/>
+                <a:ext cx="5036826" cy="3634486"/>
+              </a:xfrm>
+            </p:spPr>
+            <p:txBody>
+              <a:bodyPr/>
+              <a:lstStyle/>
+              <a:p>
+                <a:pPr marL="342900" indent="-342900">
+                  <a:buFont typeface="+mj-lt"/>
+                  <a:buAutoNum type="arabicPeriod"/>
+                </a:pPr>
+                <a:r>
+                  <a:rPr lang="en-US" i="1" dirty="0"/>
+                  <a:t>Income_ver </a:t>
+                </a:r>
+                <a:r>
+                  <a:rPr lang="en-US" dirty="0"/>
+                  <a:t>take a value of </a:t>
+                </a:r>
+                <a14:m>
+                  <m:oMath xmlns:m="http://schemas.openxmlformats.org/officeDocument/2006/math">
+                    <m:r>
+                      <a:rPr lang="en-US" b="0" i="1" smtClean="0">
+                        <a:latin typeface="Cambria Math" panose="02040503050406030204" pitchFamily="18" charset="0"/>
+                      </a:rPr>
+                      <m:t>𝑠𝑜𝑢𝑟𝑐𝑒𝑉𝑒𝑟𝑖</m:t>
+                    </m:r>
+                  </m:oMath>
+                </a14:m>
+                <a:endParaRPr lang="en-US" dirty="0"/>
+              </a:p>
+              <a:p>
+                <a:pPr marL="342900" indent="-342900">
+                  <a:buFont typeface="+mj-lt"/>
+                  <a:buAutoNum type="arabicPeriod"/>
+                </a:pPr>
+                <a:endParaRPr lang="en-US" dirty="0"/>
+              </a:p>
+              <a:p>
+                <a:pPr marL="342900" indent="-342900">
+                  <a:buFont typeface="+mj-lt"/>
+                  <a:buAutoNum type="arabicPeriod"/>
+                </a:pPr>
+                <a:r>
+                  <a:rPr lang="en-US" i="1" dirty="0"/>
+                  <a:t>Income_ver </a:t>
+                </a:r>
+                <a:r>
+                  <a:rPr lang="en-US" dirty="0"/>
+                  <a:t>take a value of </a:t>
+                </a:r>
+                <a14:m>
+                  <m:oMath xmlns:m="http://schemas.openxmlformats.org/officeDocument/2006/math">
+                    <m:r>
+                      <a:rPr lang="en-US" b="0" i="1" smtClean="0">
+                        <a:latin typeface="Cambria Math" panose="02040503050406030204" pitchFamily="18" charset="0"/>
+                      </a:rPr>
+                      <m:t>𝑉𝑒𝑟𝑖𝑓𝑖𝑒𝑑</m:t>
+                    </m:r>
+                  </m:oMath>
+                </a14:m>
+                <a:endParaRPr lang="en-US" dirty="0"/>
+              </a:p>
+              <a:p>
+                <a:pPr marL="342900" indent="-342900">
+                  <a:buFont typeface="+mj-lt"/>
+                  <a:buAutoNum type="arabicPeriod"/>
+                </a:pPr>
+                <a:endParaRPr lang="en-US" dirty="0"/>
+              </a:p>
+              <a:p>
+                <a:pPr marL="342900" indent="-342900">
+                  <a:buFont typeface="+mj-lt"/>
+                  <a:buAutoNum type="arabicPeriod"/>
+                </a:pPr>
+                <a:r>
+                  <a:rPr lang="en-US" i="1" dirty="0"/>
+                  <a:t>Income_ver </a:t>
+                </a:r>
+                <a:r>
+                  <a:rPr lang="en-US" dirty="0"/>
+                  <a:t>take a value of </a:t>
+                </a:r>
+                <a14:m>
+                  <m:oMath xmlns:m="http://schemas.openxmlformats.org/officeDocument/2006/math">
+                    <m:r>
+                      <m:rPr>
+                        <m:sty m:val="p"/>
+                      </m:rPr>
+                      <a:rPr lang="en-US">
+                        <a:latin typeface="Cambria Math" panose="02040503050406030204" pitchFamily="18" charset="0"/>
+                      </a:rPr>
+                      <m:t>N</m:t>
+                    </m:r>
+                    <m:r>
+                      <m:rPr>
+                        <m:sty m:val="p"/>
+                      </m:rPr>
+                      <a:rPr lang="en-US" b="0" i="0" smtClean="0">
+                        <a:latin typeface="Cambria Math" panose="02040503050406030204" pitchFamily="18" charset="0"/>
+                      </a:rPr>
+                      <m:t>on</m:t>
+                    </m:r>
+                    <m:r>
+                      <a:rPr lang="en-US" b="0" i="1" smtClean="0">
+                        <a:latin typeface="Cambria Math" panose="02040503050406030204" pitchFamily="18" charset="0"/>
+                      </a:rPr>
+                      <m:t>𝑉𝑒𝑟𝑖𝑓𝑖𝑒𝑑</m:t>
+                    </m:r>
+                  </m:oMath>
+                </a14:m>
+                <a:endParaRPr lang="en-US" dirty="0"/>
+              </a:p>
+              <a:p>
+                <a:endParaRPr lang="en-US" dirty="0"/>
+              </a:p>
+            </p:txBody>
+          </p:sp>
+        </mc:Choice>
+        <mc:Fallback>
+          <p:sp>
+            <p:nvSpPr>
+              <p:cNvPr id="3" name="Content Placeholder 2">
+                <a:extLst>
+                  <a:ext uri="{FF2B5EF4-FFF2-40B4-BE49-F238E27FC236}">
+                    <a16:creationId xmlns:a16="http://schemas.microsoft.com/office/drawing/2014/main" id="{7D64B1A7-466A-6232-EFB1-DBB053EF8D45}"/>
+                  </a:ext>
+                </a:extLst>
+              </p:cNvPr>
+              <p:cNvSpPr>
+                <a:spLocks noGrp="1" noRot="1" noChangeAspect="1" noMove="1" noResize="1" noEditPoints="1" noAdjustHandles="1" noChangeArrowheads="1" noChangeShapeType="1" noTextEdit="1"/>
+              </p:cNvSpPr>
+              <p:nvPr>
+                <p:ph idx="1"/>
+              </p:nvPr>
+            </p:nvSpPr>
+            <p:spPr>
+              <a:xfrm>
+                <a:off x="428793" y="2146900"/>
+                <a:ext cx="5036826" cy="3634486"/>
+              </a:xfrm>
+              <a:blipFill>
+                <a:blip r:embed="rId2"/>
+                <a:stretch>
+                  <a:fillRect l="-726"/>
+                </a:stretch>
+              </a:blipFill>
+            </p:spPr>
+            <p:txBody>
+              <a:bodyPr/>
+              <a:lstStyle/>
+              <a:p>
+                <a:r>
+                  <a:rPr lang="en-US">
+                    <a:noFill/>
+                  </a:rPr>
+                  <a:t> </a:t>
+                </a:r>
+              </a:p>
+            </p:txBody>
+          </p:sp>
+        </mc:Fallback>
+      </mc:AlternateContent>
+      <p:sp>
+        <p:nvSpPr>
+          <p:cNvPr id="4" name="Title 1">
+            <a:extLst>
+              <a:ext uri="{FF2B5EF4-FFF2-40B4-BE49-F238E27FC236}">
+                <a16:creationId xmlns:a16="http://schemas.microsoft.com/office/drawing/2014/main" id="{A6994B0F-5342-B8A6-7DC9-4C0AE99A9EB3}"/>
+              </a:ext>
+            </a:extLst>
+          </p:cNvPr>
+          <p:cNvSpPr txBox="1">
+            <a:spLocks/>
+          </p:cNvSpPr>
+          <p:nvPr/>
+        </p:nvSpPr>
+        <p:spPr>
+          <a:xfrm>
+            <a:off x="581192" y="702156"/>
+            <a:ext cx="11029616" cy="565535"/>
+          </a:xfrm>
+          <a:prstGeom prst="rect">
+            <a:avLst/>
+          </a:prstGeom>
+        </p:spPr>
+        <p:txBody>
+          <a:bodyPr vert="horz" lIns="91440" tIns="45720" rIns="91440" bIns="45720" rtlCol="0" anchor="b">
+            <a:normAutofit/>
+          </a:bodyPr>
+          <a:lstStyle>
+            <a:lvl1pPr algn="l" defTabSz="457200" rtl="0" eaLnBrk="1" latinLnBrk="0" hangingPunct="1">
+              <a:lnSpc>
+                <a:spcPct val="100000"/>
+              </a:lnSpc>
+              <a:spcBef>
+                <a:spcPct val="0"/>
+              </a:spcBef>
+              <a:buNone/>
+              <a:defRPr sz="2800" b="0" kern="1200" cap="all">
+                <a:solidFill>
+                  <a:schemeClr val="tx1">
+                    <a:lumMod val="75000"/>
+                    <a:lumOff val="25000"/>
+                  </a:schemeClr>
+                </a:solidFill>
+                <a:latin typeface="+mj-lt"/>
+                <a:ea typeface="+mj-ea"/>
+                <a:cs typeface="+mj-cs"/>
+              </a:defRPr>
+            </a:lvl1pPr>
+            <a:lvl2pPr eaLnBrk="1" hangingPunct="1">
+              <a:defRPr>
+                <a:solidFill>
+                  <a:schemeClr val="tx2"/>
+                </a:solidFill>
+              </a:defRPr>
+            </a:lvl2pPr>
+            <a:lvl3pPr eaLnBrk="1" hangingPunct="1">
+              <a:defRPr>
+                <a:solidFill>
+                  <a:schemeClr val="tx2"/>
+                </a:solidFill>
+              </a:defRPr>
+            </a:lvl3pPr>
+            <a:lvl4pPr eaLnBrk="1" hangingPunct="1">
+              <a:defRPr>
+                <a:solidFill>
+                  <a:schemeClr val="tx2"/>
+                </a:solidFill>
+              </a:defRPr>
+            </a:lvl4pPr>
+            <a:lvl5pPr eaLnBrk="1" hangingPunct="1">
+              <a:defRPr>
+                <a:solidFill>
+                  <a:schemeClr val="tx2"/>
+                </a:solidFill>
+              </a:defRPr>
+            </a:lvl5pPr>
+            <a:lvl6pPr eaLnBrk="1" hangingPunct="1">
+              <a:defRPr>
+                <a:solidFill>
+                  <a:schemeClr val="tx2"/>
+                </a:solidFill>
+              </a:defRPr>
+            </a:lvl6pPr>
+            <a:lvl7pPr eaLnBrk="1" hangingPunct="1">
+              <a:defRPr>
+                <a:solidFill>
+                  <a:schemeClr val="tx2"/>
+                </a:solidFill>
+              </a:defRPr>
+            </a:lvl7pPr>
+            <a:lvl8pPr eaLnBrk="1" hangingPunct="1">
+              <a:defRPr>
+                <a:solidFill>
+                  <a:schemeClr val="tx2"/>
+                </a:solidFill>
+              </a:defRPr>
+            </a:lvl8pPr>
+            <a:lvl9pPr eaLnBrk="1" hangingPunct="1">
+              <a:defRPr>
+                <a:solidFill>
+                  <a:schemeClr val="tx2"/>
+                </a:solidFill>
+              </a:defRPr>
+            </a:lvl9pPr>
+          </a:lstStyle>
+          <a:p>
+            <a:r>
+              <a:rPr lang="en-US"/>
+              <a:t>regression model</a:t>
+            </a:r>
+            <a:endParaRPr lang="en-US" dirty="0"/>
+          </a:p>
+        </p:txBody>
+      </p:sp>
+      <mc:AlternateContent xmlns:mc="http://schemas.openxmlformats.org/markup-compatibility/2006">
+        <mc:Choice xmlns:a14="http://schemas.microsoft.com/office/drawing/2010/main" Requires="a14">
+          <p:sp>
+            <p:nvSpPr>
+              <p:cNvPr id="5" name="TextBox 4">
+                <a:extLst>
+                  <a:ext uri="{FF2B5EF4-FFF2-40B4-BE49-F238E27FC236}">
+                    <a16:creationId xmlns:a16="http://schemas.microsoft.com/office/drawing/2014/main" id="{284AF16B-78E6-035E-5C19-E2D1CFA47DEA}"/>
+                  </a:ext>
+                </a:extLst>
+              </p:cNvPr>
+              <p:cNvSpPr txBox="1"/>
+              <p:nvPr/>
+            </p:nvSpPr>
+            <p:spPr>
+              <a:xfrm>
+                <a:off x="2847109" y="1752112"/>
+                <a:ext cx="6809509" cy="394788"/>
+              </a:xfrm>
+              <a:prstGeom prst="rect">
+                <a:avLst/>
+              </a:prstGeom>
+              <a:noFill/>
+            </p:spPr>
+            <p:txBody>
+              <a:bodyPr wrap="square" rtlCol="0">
+                <a:spAutoFit/>
+              </a:bodyPr>
+              <a:lstStyle/>
+              <a:p>
+                <a14:m>
+                  <m:oMathPara xmlns:m="http://schemas.openxmlformats.org/officeDocument/2006/math">
+                    <m:oMathParaPr>
+                      <m:jc m:val="centerGroup"/>
+                    </m:oMathParaPr>
+                    <m:oMath xmlns:m="http://schemas.openxmlformats.org/officeDocument/2006/math">
+                      <m:acc>
+                        <m:accPr>
+                          <m:chr m:val="̂"/>
+                          <m:ctrlPr>
+                            <a:rPr lang="en-US" b="0" i="1" smtClean="0">
+                              <a:latin typeface="Cambria Math" panose="02040503050406030204" pitchFamily="18" charset="0"/>
+                            </a:rPr>
+                          </m:ctrlPr>
+                        </m:accPr>
+                        <m:e>
+                          <m:r>
+                            <a:rPr lang="en-US" b="0" i="1" smtClean="0">
+                              <a:latin typeface="Cambria Math" panose="02040503050406030204" pitchFamily="18" charset="0"/>
+                            </a:rPr>
+                            <m:t>𝑟𝑎𝑡𝑒</m:t>
+                          </m:r>
+                        </m:e>
+                      </m:acc>
+                      <m:r>
+                        <a:rPr lang="en-US" b="0" i="1" smtClean="0">
+                          <a:latin typeface="Cambria Math" panose="02040503050406030204" pitchFamily="18" charset="0"/>
+                        </a:rPr>
+                        <m:t>=11.075+1.44∗</m:t>
+                      </m:r>
+                      <m:r>
+                        <a:rPr lang="en-US" b="0" i="1" smtClean="0">
+                          <a:latin typeface="Cambria Math" panose="02040503050406030204" pitchFamily="18" charset="0"/>
+                        </a:rPr>
+                        <m:t>𝑖𝑛𝑐𝑜𝑚</m:t>
+                      </m:r>
+                      <m:sSub>
+                        <m:sSubPr>
+                          <m:ctrlPr>
+                            <a:rPr lang="en-US" b="0" i="1" smtClean="0">
+                              <a:latin typeface="Cambria Math" panose="02040503050406030204" pitchFamily="18" charset="0"/>
+                            </a:rPr>
+                          </m:ctrlPr>
+                        </m:sSubPr>
+                        <m:e>
+                          <m:r>
+                            <a:rPr lang="en-US" b="0" i="1" smtClean="0">
+                              <a:latin typeface="Cambria Math" panose="02040503050406030204" pitchFamily="18" charset="0"/>
+                            </a:rPr>
+                            <m:t>𝑒</m:t>
+                          </m:r>
+                        </m:e>
+                        <m:sub>
+                          <m:r>
+                            <a:rPr lang="en-US" b="0" i="1" smtClean="0">
+                              <a:latin typeface="Cambria Math" panose="02040503050406030204" pitchFamily="18" charset="0"/>
+                            </a:rPr>
+                            <m:t>𝑠𝑜𝑢𝑟𝑐𝑒𝑉𝑒𝑟</m:t>
+                          </m:r>
+                        </m:sub>
+                      </m:sSub>
+                      <m:r>
+                        <a:rPr lang="en-US" b="0" i="1" smtClean="0">
+                          <a:latin typeface="Cambria Math" panose="02040503050406030204" pitchFamily="18" charset="0"/>
+                        </a:rPr>
+                        <m:t>+2.282∗</m:t>
+                      </m:r>
+                      <m:r>
+                        <a:rPr lang="en-US" b="0" i="1" smtClean="0">
+                          <a:latin typeface="Cambria Math" panose="02040503050406030204" pitchFamily="18" charset="0"/>
+                        </a:rPr>
+                        <m:t>𝑖𝑛𝑐𝑜𝑚</m:t>
+                      </m:r>
+                      <m:sSub>
+                        <m:sSubPr>
+                          <m:ctrlPr>
+                            <a:rPr lang="en-US" b="0" i="1" smtClean="0">
+                              <a:latin typeface="Cambria Math" panose="02040503050406030204" pitchFamily="18" charset="0"/>
+                            </a:rPr>
+                          </m:ctrlPr>
+                        </m:sSubPr>
+                        <m:e>
+                          <m:r>
+                            <a:rPr lang="en-US" b="0" i="1" smtClean="0">
+                              <a:latin typeface="Cambria Math" panose="02040503050406030204" pitchFamily="18" charset="0"/>
+                            </a:rPr>
+                            <m:t>𝑒</m:t>
+                          </m:r>
+                        </m:e>
+                        <m:sub>
+                          <m:r>
+                            <a:rPr lang="en-US" b="0" i="1" smtClean="0">
+                              <a:latin typeface="Cambria Math" panose="02040503050406030204" pitchFamily="18" charset="0"/>
+                            </a:rPr>
+                            <m:t>𝑣𝑒𝑟𝑖𝑓𝑖𝑒𝑑</m:t>
+                          </m:r>
+                          <m:r>
+                            <a:rPr lang="en-US" b="0" i="1" smtClean="0">
+                              <a:latin typeface="Cambria Math" panose="02040503050406030204" pitchFamily="18" charset="0"/>
+                            </a:rPr>
+                            <m:t> </m:t>
+                          </m:r>
+                        </m:sub>
+                      </m:sSub>
+                    </m:oMath>
+                  </m:oMathPara>
+                </a14:m>
+                <a:endParaRPr lang="en-US" dirty="0"/>
+              </a:p>
+            </p:txBody>
+          </p:sp>
+        </mc:Choice>
+        <mc:Fallback>
+          <p:sp>
+            <p:nvSpPr>
+              <p:cNvPr id="5" name="TextBox 4">
+                <a:extLst>
+                  <a:ext uri="{FF2B5EF4-FFF2-40B4-BE49-F238E27FC236}">
+                    <a16:creationId xmlns:a16="http://schemas.microsoft.com/office/drawing/2014/main" id="{284AF16B-78E6-035E-5C19-E2D1CFA47DEA}"/>
+                  </a:ext>
+                </a:extLst>
+              </p:cNvPr>
+              <p:cNvSpPr txBox="1">
+                <a:spLocks noRot="1" noChangeAspect="1" noMove="1" noResize="1" noEditPoints="1" noAdjustHandles="1" noChangeArrowheads="1" noChangeShapeType="1" noTextEdit="1"/>
+              </p:cNvSpPr>
+              <p:nvPr/>
+            </p:nvSpPr>
+            <p:spPr>
+              <a:xfrm>
+                <a:off x="2847109" y="1752112"/>
+                <a:ext cx="6809509" cy="394788"/>
+              </a:xfrm>
+              <a:prstGeom prst="rect">
+                <a:avLst/>
+              </a:prstGeom>
+              <a:blipFill>
+                <a:blip r:embed="rId3"/>
+                <a:stretch>
+                  <a:fillRect t="-10769" b="-9231"/>
+                </a:stretch>
+              </a:blipFill>
+            </p:spPr>
+            <p:txBody>
+              <a:bodyPr/>
+              <a:lstStyle/>
+              <a:p>
+                <a:r>
+                  <a:rPr lang="en-US">
+                    <a:noFill/>
+                  </a:rPr>
+                  <a:t> </a:t>
+                </a:r>
+              </a:p>
+            </p:txBody>
+          </p:sp>
+        </mc:Fallback>
+      </mc:AlternateContent>
+      <mc:AlternateContent xmlns:mc="http://schemas.openxmlformats.org/markup-compatibility/2006">
+        <mc:Choice xmlns:a14="http://schemas.microsoft.com/office/drawing/2010/main" Requires="a14">
+          <p:sp>
+            <p:nvSpPr>
+              <p:cNvPr id="6" name="TextBox 5">
+                <a:extLst>
+                  <a:ext uri="{FF2B5EF4-FFF2-40B4-BE49-F238E27FC236}">
+                    <a16:creationId xmlns:a16="http://schemas.microsoft.com/office/drawing/2014/main" id="{E062E73B-DD12-2C96-F3CF-1F3017A7C962}"/>
+                  </a:ext>
+                </a:extLst>
+              </p:cNvPr>
+              <p:cNvSpPr txBox="1"/>
+              <p:nvPr/>
+            </p:nvSpPr>
+            <p:spPr>
+              <a:xfrm>
+                <a:off x="6622474" y="2783820"/>
+                <a:ext cx="4502726" cy="2360646"/>
+              </a:xfrm>
+              <a:prstGeom prst="rect">
+                <a:avLst/>
+              </a:prstGeom>
+              <a:noFill/>
+            </p:spPr>
+            <p:txBody>
+              <a:bodyPr wrap="square" rtlCol="0">
+                <a:spAutoFit/>
+              </a:bodyPr>
+              <a:lstStyle/>
+              <a:p>
+                <a:pPr marL="342900" indent="-342900">
+                  <a:spcBef>
+                    <a:spcPct val="20000"/>
+                  </a:spcBef>
+                  <a:spcAft>
+                    <a:spcPts val="600"/>
+                  </a:spcAft>
+                  <a:buClr>
+                    <a:schemeClr val="accent1"/>
+                  </a:buClr>
+                  <a:buSzPct val="92000"/>
+                  <a:buFont typeface="+mj-lt"/>
+                  <a:buAutoNum type="alphaUcPeriod"/>
+                </a:pPr>
+                <a14:m>
+                  <m:oMath xmlns:m="http://schemas.openxmlformats.org/officeDocument/2006/math">
+                    <m:acc>
+                      <m:accPr>
+                        <m:chr m:val="̂"/>
+                        <m:ctrlPr>
+                          <a:rPr lang="en-US" i="1" smtClean="0">
+                            <a:solidFill>
+                              <a:schemeClr val="tx1">
+                                <a:lumMod val="75000"/>
+                                <a:lumOff val="25000"/>
+                              </a:schemeClr>
+                            </a:solidFill>
+                            <a:latin typeface="Cambria Math" panose="02040503050406030204" pitchFamily="18" charset="0"/>
+                          </a:rPr>
+                        </m:ctrlPr>
+                      </m:accPr>
+                      <m:e>
+                        <m:r>
+                          <a:rPr lang="en-US" i="1">
+                            <a:solidFill>
+                              <a:schemeClr val="tx1">
+                                <a:lumMod val="75000"/>
+                                <a:lumOff val="25000"/>
+                              </a:schemeClr>
+                            </a:solidFill>
+                            <a:latin typeface="Cambria Math" panose="02040503050406030204" pitchFamily="18" charset="0"/>
+                          </a:rPr>
+                          <m:t>𝑟𝑎𝑡𝑒</m:t>
+                        </m:r>
+                      </m:e>
+                    </m:acc>
+                    <m:r>
+                      <a:rPr lang="en-US" i="1">
+                        <a:solidFill>
+                          <a:schemeClr val="tx1">
+                            <a:lumMod val="75000"/>
+                            <a:lumOff val="25000"/>
+                          </a:schemeClr>
+                        </a:solidFill>
+                        <a:latin typeface="Cambria Math" panose="02040503050406030204" pitchFamily="18" charset="0"/>
+                      </a:rPr>
+                      <m:t>=11.075+1.44∗0+2.282∗0</m:t>
+                    </m:r>
+                  </m:oMath>
+                </a14:m>
+                <a:endParaRPr lang="en-US" i="1" dirty="0">
+                  <a:solidFill>
+                    <a:schemeClr val="tx1">
+                      <a:lumMod val="75000"/>
+                      <a:lumOff val="25000"/>
+                    </a:schemeClr>
+                  </a:solidFill>
+                </a:endParaRPr>
+              </a:p>
+              <a:p>
+                <a:pPr marL="342900" indent="-342900">
+                  <a:spcBef>
+                    <a:spcPct val="20000"/>
+                  </a:spcBef>
+                  <a:spcAft>
+                    <a:spcPts val="600"/>
+                  </a:spcAft>
+                  <a:buClr>
+                    <a:schemeClr val="accent1"/>
+                  </a:buClr>
+                  <a:buSzPct val="92000"/>
+                  <a:buFont typeface="+mj-lt"/>
+                  <a:buAutoNum type="alphaUcPeriod"/>
+                </a:pPr>
+                <a:endParaRPr lang="en-US" i="1" dirty="0">
+                  <a:solidFill>
+                    <a:schemeClr val="tx1">
+                      <a:lumMod val="75000"/>
+                      <a:lumOff val="25000"/>
+                    </a:schemeClr>
+                  </a:solidFill>
+                </a:endParaRPr>
+              </a:p>
+              <a:p>
+                <a:pPr marL="342900" indent="-342900">
+                  <a:spcBef>
+                    <a:spcPct val="20000"/>
+                  </a:spcBef>
+                  <a:spcAft>
+                    <a:spcPts val="600"/>
+                  </a:spcAft>
+                  <a:buClr>
+                    <a:schemeClr val="accent1"/>
+                  </a:buClr>
+                  <a:buSzPct val="92000"/>
+                  <a:buFont typeface="+mj-lt"/>
+                  <a:buAutoNum type="alphaUcPeriod"/>
+                </a:pPr>
+                <a14:m>
+                  <m:oMath xmlns:m="http://schemas.openxmlformats.org/officeDocument/2006/math">
+                    <m:acc>
+                      <m:accPr>
+                        <m:chr m:val="̂"/>
+                        <m:ctrlPr>
+                          <a:rPr lang="en-US" i="1">
+                            <a:solidFill>
+                              <a:schemeClr val="tx1">
+                                <a:lumMod val="75000"/>
+                                <a:lumOff val="25000"/>
+                              </a:schemeClr>
+                            </a:solidFill>
+                          </a:rPr>
+                        </m:ctrlPr>
+                      </m:accPr>
+                      <m:e>
+                        <m:r>
+                          <a:rPr lang="en-US" i="1">
+                            <a:solidFill>
+                              <a:schemeClr val="tx1">
+                                <a:lumMod val="75000"/>
+                                <a:lumOff val="25000"/>
+                              </a:schemeClr>
+                            </a:solidFill>
+                          </a:rPr>
+                          <m:t>𝑟𝑎𝑡𝑒</m:t>
+                        </m:r>
+                      </m:e>
+                    </m:acc>
+                    <m:r>
+                      <a:rPr lang="en-US" i="1">
+                        <a:solidFill>
+                          <a:schemeClr val="tx1">
+                            <a:lumMod val="75000"/>
+                            <a:lumOff val="25000"/>
+                          </a:schemeClr>
+                        </a:solidFill>
+                      </a:rPr>
+                      <m:t>=11.075+1.44∗1+2.282</m:t>
+                    </m:r>
+                    <m:r>
+                      <a:rPr lang="en-US" b="0" i="1" smtClean="0">
+                        <a:solidFill>
+                          <a:schemeClr val="tx1">
+                            <a:lumMod val="75000"/>
+                            <a:lumOff val="25000"/>
+                          </a:schemeClr>
+                        </a:solidFill>
+                        <a:latin typeface="Cambria Math" panose="02040503050406030204" pitchFamily="18" charset="0"/>
+                      </a:rPr>
+                      <m:t>∗0</m:t>
+                    </m:r>
+                  </m:oMath>
+                </a14:m>
+                <a:endParaRPr lang="en-US" i="1" dirty="0">
+                  <a:solidFill>
+                    <a:schemeClr val="tx1">
+                      <a:lumMod val="75000"/>
+                      <a:lumOff val="25000"/>
+                    </a:schemeClr>
+                  </a:solidFill>
+                </a:endParaRPr>
+              </a:p>
+              <a:p>
+                <a:pPr marL="342900" indent="-342900">
+                  <a:spcBef>
+                    <a:spcPct val="20000"/>
+                  </a:spcBef>
+                  <a:spcAft>
+                    <a:spcPts val="600"/>
+                  </a:spcAft>
+                  <a:buClr>
+                    <a:schemeClr val="accent1"/>
+                  </a:buClr>
+                  <a:buSzPct val="92000"/>
+                  <a:buFont typeface="+mj-lt"/>
+                  <a:buAutoNum type="alphaUcPeriod"/>
+                </a:pPr>
+                <a:endParaRPr lang="en-US" i="1" dirty="0">
+                  <a:solidFill>
+                    <a:schemeClr val="tx1">
+                      <a:lumMod val="75000"/>
+                      <a:lumOff val="25000"/>
+                    </a:schemeClr>
+                  </a:solidFill>
+                </a:endParaRPr>
+              </a:p>
+              <a:p>
+                <a:pPr marL="342900" indent="-342900">
+                  <a:spcBef>
+                    <a:spcPct val="20000"/>
+                  </a:spcBef>
+                  <a:spcAft>
+                    <a:spcPts val="600"/>
+                  </a:spcAft>
+                  <a:buClr>
+                    <a:schemeClr val="accent1"/>
+                  </a:buClr>
+                  <a:buSzPct val="92000"/>
+                  <a:buFont typeface="+mj-lt"/>
+                  <a:buAutoNum type="alphaUcPeriod"/>
+                </a:pPr>
+                <a14:m>
+                  <m:oMath xmlns:m="http://schemas.openxmlformats.org/officeDocument/2006/math">
+                    <m:acc>
+                      <m:accPr>
+                        <m:chr m:val="̂"/>
+                        <m:ctrlPr>
+                          <a:rPr lang="en-US" i="1">
+                            <a:solidFill>
+                              <a:schemeClr val="tx1">
+                                <a:lumMod val="75000"/>
+                                <a:lumOff val="25000"/>
+                              </a:schemeClr>
+                            </a:solidFill>
+                          </a:rPr>
+                        </m:ctrlPr>
+                      </m:accPr>
+                      <m:e>
+                        <m:r>
+                          <a:rPr lang="en-US" i="1">
+                            <a:solidFill>
+                              <a:schemeClr val="tx1">
+                                <a:lumMod val="75000"/>
+                                <a:lumOff val="25000"/>
+                              </a:schemeClr>
+                            </a:solidFill>
+                          </a:rPr>
+                          <m:t>𝑟𝑎𝑡𝑒</m:t>
+                        </m:r>
+                      </m:e>
+                    </m:acc>
+                    <m:r>
+                      <a:rPr lang="en-US" i="1">
+                        <a:solidFill>
+                          <a:schemeClr val="tx1">
+                            <a:lumMod val="75000"/>
+                            <a:lumOff val="25000"/>
+                          </a:schemeClr>
+                        </a:solidFill>
+                      </a:rPr>
+                      <m:t>=11.075+1.44∗0+2.282∗1</m:t>
+                    </m:r>
+                  </m:oMath>
+                </a14:m>
+                <a:endParaRPr lang="en-US" i="1" dirty="0">
+                  <a:solidFill>
+                    <a:schemeClr val="tx1">
+                      <a:lumMod val="75000"/>
+                      <a:lumOff val="25000"/>
+                    </a:schemeClr>
+                  </a:solidFill>
+                </a:endParaRPr>
+              </a:p>
+              <a:p>
+                <a:endParaRPr lang="en-US" b="0" i="1" dirty="0">
+                  <a:latin typeface="Cambria Math" panose="02040503050406030204" pitchFamily="18" charset="0"/>
+                </a:endParaRPr>
+              </a:p>
+            </p:txBody>
+          </p:sp>
+        </mc:Choice>
+        <mc:Fallback>
+          <p:sp>
+            <p:nvSpPr>
+              <p:cNvPr id="6" name="TextBox 5">
+                <a:extLst>
+                  <a:ext uri="{FF2B5EF4-FFF2-40B4-BE49-F238E27FC236}">
+                    <a16:creationId xmlns:a16="http://schemas.microsoft.com/office/drawing/2014/main" id="{E062E73B-DD12-2C96-F3CF-1F3017A7C962}"/>
+                  </a:ext>
+                </a:extLst>
+              </p:cNvPr>
+              <p:cNvSpPr txBox="1">
+                <a:spLocks noRot="1" noChangeAspect="1" noMove="1" noResize="1" noEditPoints="1" noAdjustHandles="1" noChangeArrowheads="1" noChangeShapeType="1" noTextEdit="1"/>
+              </p:cNvSpPr>
+              <p:nvPr/>
+            </p:nvSpPr>
+            <p:spPr>
+              <a:xfrm>
+                <a:off x="6622474" y="2783820"/>
+                <a:ext cx="4502726" cy="2360646"/>
+              </a:xfrm>
+              <a:prstGeom prst="rect">
+                <a:avLst/>
+              </a:prstGeom>
+              <a:blipFill>
+                <a:blip r:embed="rId4"/>
+                <a:stretch>
+                  <a:fillRect l="-812" t="-2067"/>
+                </a:stretch>
+              </a:blipFill>
+            </p:spPr>
+            <p:txBody>
+              <a:bodyPr/>
+              <a:lstStyle/>
+              <a:p>
+                <a:r>
+                  <a:rPr lang="en-US">
+                    <a:noFill/>
+                  </a:rPr>
+                  <a:t> </a:t>
+                </a:r>
+              </a:p>
+            </p:txBody>
+          </p:sp>
+        </mc:Fallback>
+      </mc:AlternateContent>
+      <p:sp>
+        <p:nvSpPr>
+          <p:cNvPr id="7" name="TextBox 6">
+            <a:extLst>
+              <a:ext uri="{FF2B5EF4-FFF2-40B4-BE49-F238E27FC236}">
+                <a16:creationId xmlns:a16="http://schemas.microsoft.com/office/drawing/2014/main" id="{EFFC9B2B-1E08-3F8D-C9B6-E1D575C1B673}"/>
+              </a:ext>
+            </a:extLst>
+          </p:cNvPr>
+          <p:cNvSpPr txBox="1"/>
+          <p:nvPr/>
+        </p:nvSpPr>
+        <p:spPr>
+          <a:xfrm>
+            <a:off x="1385453" y="5093492"/>
+            <a:ext cx="9732819" cy="1477328"/>
+          </a:xfrm>
+          <a:prstGeom prst="rect">
+            <a:avLst/>
+          </a:prstGeom>
+          <a:noFill/>
+        </p:spPr>
+        <p:txBody>
+          <a:bodyPr wrap="square" rtlCol="0">
+            <a:spAutoFit/>
+          </a:bodyPr>
+          <a:lstStyle/>
+          <a:p>
+            <a:r>
+              <a:rPr lang="en-US" dirty="0"/>
+              <a:t>Which income verification approach has the highest interest rate? </a:t>
+            </a:r>
+          </a:p>
+          <a:p>
+            <a:pPr marL="800100" lvl="1" indent="-342900">
+              <a:buFont typeface="+mj-lt"/>
+              <a:buAutoNum type="arabicPeriod"/>
+            </a:pPr>
+            <a:r>
+              <a:rPr lang="en-US" dirty="0"/>
+              <a:t>Source verification</a:t>
+            </a:r>
+          </a:p>
+          <a:p>
+            <a:pPr marL="800100" lvl="1" indent="-342900">
+              <a:buFont typeface="+mj-lt"/>
+              <a:buAutoNum type="arabicPeriod"/>
+            </a:pPr>
+            <a:r>
+              <a:rPr lang="en-US" dirty="0"/>
+              <a:t>Verification</a:t>
+            </a:r>
+          </a:p>
+          <a:p>
+            <a:pPr marL="800100" lvl="1" indent="-342900">
+              <a:buFont typeface="+mj-lt"/>
+              <a:buAutoNum type="arabicPeriod"/>
+            </a:pPr>
+            <a:r>
+              <a:rPr lang="en-US" dirty="0"/>
+              <a:t>Not verification</a:t>
+            </a:r>
+          </a:p>
+          <a:p>
+            <a:pPr marL="800100" lvl="1" indent="-342900">
+              <a:buFont typeface="+mj-lt"/>
+              <a:buAutoNum type="arabicPeriod"/>
+            </a:pPr>
+            <a:r>
+              <a:rPr lang="en-US" dirty="0"/>
+              <a:t>Can not tell</a:t>
+            </a:r>
+          </a:p>
+        </p:txBody>
+      </p:sp>
+    </p:spTree>
+    <p:extLst>
+      <p:ext uri="{BB962C8B-B14F-4D97-AF65-F5344CB8AC3E}">
+        <p14:creationId xmlns:p14="http://schemas.microsoft.com/office/powerpoint/2010/main" val="2911441401"/>
+      </p:ext>
+    </p:extLst>
+  </p:cSld>
+  <p:clrMapOvr>
+    <a:masterClrMapping/>
+  </p:clrMapOvr>
+</p:sld>
+</file>
+
+<file path=ppt/slides/slide11.xml><?xml version="1.0" encoding="utf-8"?>
+<p:sld xmlns:a="http://schemas.openxmlformats.org/drawingml/2006/main" xmlns:r="http://schemas.openxmlformats.org/officeDocument/2006/relationships" xmlns:p="http://schemas.openxmlformats.org/presentationml/2006/main">
+  <p:cSld>
+    <p:spTree>
+      <p:nvGrpSpPr>
+        <p:cNvPr id="1" name=""/>
+        <p:cNvGrpSpPr/>
+        <p:nvPr/>
+      </p:nvGrpSpPr>
+      <p:grpSpPr>
+        <a:xfrm>
+          <a:off x="0" y="0"/>
+          <a:ext cx="0" cy="0"/>
+          <a:chOff x="0" y="0"/>
+          <a:chExt cx="0" cy="0"/>
+        </a:xfrm>
+      </p:grpSpPr>
+      <mc:AlternateContent xmlns:mc="http://schemas.openxmlformats.org/markup-compatibility/2006">
+        <mc:Choice xmlns:a14="http://schemas.microsoft.com/office/drawing/2010/main" Requires="a14">
+          <p:sp>
+            <p:nvSpPr>
+              <p:cNvPr id="2" name="Title 1">
+                <a:extLst>
+                  <a:ext uri="{FF2B5EF4-FFF2-40B4-BE49-F238E27FC236}">
+                    <a16:creationId xmlns:a16="http://schemas.microsoft.com/office/drawing/2014/main" id="{A4A2E99B-D09A-CAC3-9736-27CB78939A52}"/>
+                  </a:ext>
+                </a:extLst>
+              </p:cNvPr>
+              <p:cNvSpPr>
+                <a:spLocks noGrp="1"/>
+              </p:cNvSpPr>
+              <p:nvPr>
+                <p:ph type="title"/>
+              </p:nvPr>
+            </p:nvSpPr>
+            <p:spPr>
+              <a:xfrm>
+                <a:off x="581192" y="702156"/>
+                <a:ext cx="11029616" cy="600171"/>
+              </a:xfrm>
+            </p:spPr>
+            <p:txBody>
+              <a:bodyPr/>
+              <a:lstStyle/>
+              <a:p>
+                <a:r>
+                  <a:rPr lang="en-US" dirty="0"/>
+                  <a:t>Assessing many </a:t>
+                </a:r>
+                <a14:m>
+                  <m:oMath xmlns:m="http://schemas.openxmlformats.org/officeDocument/2006/math">
+                    <m:sSub>
+                      <m:sSubPr>
+                        <m:ctrlPr>
+                          <a:rPr lang="en-US" b="0" i="1" smtClean="0">
+                            <a:latin typeface="Cambria Math" panose="02040503050406030204" pitchFamily="18" charset="0"/>
+                          </a:rPr>
+                        </m:ctrlPr>
+                      </m:sSubPr>
+                      <m:e>
+                        <m:r>
+                          <a:rPr lang="en-US" b="0" i="1" smtClean="0">
+                            <a:latin typeface="Cambria Math" panose="02040503050406030204" pitchFamily="18" charset="0"/>
+                          </a:rPr>
+                          <m:t>𝑥</m:t>
+                        </m:r>
+                      </m:e>
+                      <m:sub>
+                        <m:r>
+                          <a:rPr lang="en-US" b="0" i="1" smtClean="0">
+                            <a:latin typeface="Cambria Math" panose="02040503050406030204" pitchFamily="18" charset="0"/>
+                          </a:rPr>
+                          <m:t>𝑖</m:t>
+                        </m:r>
+                      </m:sub>
+                    </m:sSub>
+                  </m:oMath>
+                </a14:m>
+                <a:r>
+                  <a:rPr lang="en-US" dirty="0"/>
+                  <a:t> in a model</a:t>
+                </a:r>
+              </a:p>
+            </p:txBody>
+          </p:sp>
+        </mc:Choice>
+        <mc:Fallback>
+          <p:sp>
+            <p:nvSpPr>
+              <p:cNvPr id="2" name="Title 1">
+                <a:extLst>
+                  <a:ext uri="{FF2B5EF4-FFF2-40B4-BE49-F238E27FC236}">
+                    <a16:creationId xmlns:a16="http://schemas.microsoft.com/office/drawing/2014/main" id="{A4A2E99B-D09A-CAC3-9736-27CB78939A52}"/>
+                  </a:ext>
+                </a:extLst>
+              </p:cNvPr>
+              <p:cNvSpPr>
+                <a:spLocks noGrp="1" noRot="1" noChangeAspect="1" noMove="1" noResize="1" noEditPoints="1" noAdjustHandles="1" noChangeArrowheads="1" noChangeShapeType="1" noTextEdit="1"/>
+              </p:cNvSpPr>
+              <p:nvPr>
+                <p:ph type="title"/>
+              </p:nvPr>
+            </p:nvSpPr>
+            <p:spPr>
+              <a:xfrm>
+                <a:off x="581192" y="702156"/>
+                <a:ext cx="11029616" cy="600171"/>
+              </a:xfrm>
+              <a:blipFill>
+                <a:blip r:embed="rId2"/>
+                <a:stretch>
+                  <a:fillRect l="-1105" b="-29293"/>
+                </a:stretch>
+              </a:blipFill>
+            </p:spPr>
+            <p:txBody>
+              <a:bodyPr/>
+              <a:lstStyle/>
+              <a:p>
+                <a:r>
+                  <a:rPr lang="en-US">
+                    <a:noFill/>
+                  </a:rPr>
+                  <a:t> </a:t>
+                </a:r>
+              </a:p>
+            </p:txBody>
+          </p:sp>
+        </mc:Fallback>
+      </mc:AlternateContent>
+      <p:sp>
+        <p:nvSpPr>
+          <p:cNvPr id="3" name="Content Placeholder 2">
+            <a:extLst>
+              <a:ext uri="{FF2B5EF4-FFF2-40B4-BE49-F238E27FC236}">
+                <a16:creationId xmlns:a16="http://schemas.microsoft.com/office/drawing/2014/main" id="{1CA453E7-C97B-73FA-ED13-E095929E67BE}"/>
+              </a:ext>
+            </a:extLst>
+          </p:cNvPr>
+          <p:cNvSpPr>
+            <a:spLocks noGrp="1"/>
+          </p:cNvSpPr>
+          <p:nvPr>
+            <p:ph idx="1"/>
+          </p:nvPr>
+        </p:nvSpPr>
+        <p:spPr>
+          <a:xfrm>
+            <a:off x="581193" y="1302327"/>
+            <a:ext cx="11029615" cy="1226681"/>
+          </a:xfrm>
+        </p:spPr>
+        <p:txBody>
+          <a:bodyPr/>
+          <a:lstStyle/>
+          <a:p>
+            <a:pPr marL="0" indent="0" algn="l">
+              <a:buNone/>
+            </a:pPr>
+            <a:r>
+              <a:rPr lang="en-US" sz="1800" b="0" i="1" u="none" strike="noStrike" baseline="0" dirty="0" err="1">
+                <a:latin typeface="CMEX10"/>
+              </a:rPr>
+              <a:t>lm</a:t>
+            </a:r>
+            <a:r>
+              <a:rPr lang="en-US" sz="1800" b="0" i="1" u="none" strike="noStrike" baseline="0" dirty="0">
+                <a:latin typeface="CMEX10"/>
+              </a:rPr>
+              <a:t>(formula = </a:t>
+            </a:r>
+            <a:r>
+              <a:rPr lang="en-US" sz="1800" b="0" i="1" u="none" strike="noStrike" baseline="0" dirty="0" err="1">
+                <a:latin typeface="CMEX10"/>
+              </a:rPr>
+              <a:t>interest_rate</a:t>
+            </a:r>
+            <a:r>
+              <a:rPr lang="en-US" sz="1800" b="0" i="1" u="none" strike="noStrike" baseline="0" dirty="0">
+                <a:latin typeface="CMEX10"/>
+              </a:rPr>
+              <a:t> ~ </a:t>
+            </a:r>
+            <a:r>
+              <a:rPr lang="en-US" sz="1800" b="0" i="1" u="none" strike="noStrike" baseline="0" dirty="0" err="1">
+                <a:latin typeface="CMEX10"/>
+              </a:rPr>
+              <a:t>income_ver</a:t>
+            </a:r>
+            <a:r>
+              <a:rPr lang="en-US" sz="1800" b="0" i="1" u="none" strike="noStrike" baseline="0" dirty="0">
+                <a:latin typeface="CMEX10"/>
+              </a:rPr>
+              <a:t> + </a:t>
+            </a:r>
+            <a:r>
+              <a:rPr lang="en-US" sz="1800" b="0" i="1" u="none" strike="noStrike" baseline="0" dirty="0" err="1">
+                <a:latin typeface="CMEX10"/>
+              </a:rPr>
+              <a:t>debt_to_income</a:t>
+            </a:r>
+            <a:r>
+              <a:rPr lang="en-US" sz="1800" b="0" i="1" u="none" strike="noStrike" baseline="0" dirty="0">
+                <a:latin typeface="CMEX10"/>
+              </a:rPr>
+              <a:t> + </a:t>
+            </a:r>
+            <a:r>
+              <a:rPr lang="en-US" sz="1800" b="0" i="1" u="none" strike="noStrike" baseline="0" dirty="0" err="1">
+                <a:latin typeface="CMEX10"/>
+              </a:rPr>
+              <a:t>credit_util</a:t>
+            </a:r>
+            <a:r>
+              <a:rPr lang="en-US" sz="1800" b="0" i="1" u="none" strike="noStrike" baseline="0" dirty="0">
+                <a:latin typeface="CMEX10"/>
+              </a:rPr>
+              <a:t> + bankruptcy + issue + </a:t>
+            </a:r>
+            <a:r>
+              <a:rPr lang="en-US" sz="1800" b="0" i="1" u="none" strike="noStrike" baseline="0" dirty="0" err="1">
+                <a:latin typeface="CMEX10"/>
+              </a:rPr>
+              <a:t>credit_checks</a:t>
+            </a:r>
+            <a:r>
+              <a:rPr lang="en-US" sz="1800" b="0" i="1" u="none" strike="noStrike" baseline="0" dirty="0">
+                <a:latin typeface="CMEX10"/>
+              </a:rPr>
+              <a:t>, data = loans) </a:t>
+            </a:r>
+            <a:endParaRPr lang="en-US" i="1" dirty="0"/>
+          </a:p>
+        </p:txBody>
+      </p:sp>
+      <p:sp>
+        <p:nvSpPr>
+          <p:cNvPr id="4" name="Rectangle 1">
+            <a:extLst>
+              <a:ext uri="{FF2B5EF4-FFF2-40B4-BE49-F238E27FC236}">
+                <a16:creationId xmlns:a16="http://schemas.microsoft.com/office/drawing/2014/main" id="{C8DC7D5C-67A0-F21C-9DB9-276176C68EBF}"/>
+              </a:ext>
+            </a:extLst>
+          </p:cNvPr>
+          <p:cNvSpPr>
+            <a:spLocks noChangeArrowheads="1"/>
+          </p:cNvSpPr>
+          <p:nvPr/>
+        </p:nvSpPr>
+        <p:spPr bwMode="auto">
+          <a:xfrm>
+            <a:off x="0" y="90100"/>
+            <a:ext cx="184731" cy="276999"/>
+          </a:xfrm>
+          <a:prstGeom prst="rect">
+            <a:avLst/>
+          </a:prstGeom>
+          <a:solidFill>
+            <a:srgbClr val="FFFFFF"/>
+          </a:solidFill>
+          <a:ln>
+            <a:noFill/>
+          </a:ln>
+          <a:effectLst/>
+          <a:extLst>
+            <a:ext uri="{91240B29-F687-4F45-9708-019B960494DF}">
+              <a14:hiddenLine xmlns:a14="http://schemas.microsoft.com/office/drawing/2010/main" w="9525">
+                <a:solidFill>
+                  <a:schemeClr val="tx1"/>
+                </a:solidFill>
+                <a:miter lim="800000"/>
+                <a:headEnd/>
+                <a:tailEnd/>
+              </a14:hiddenLine>
+            </a:ext>
+            <a:ext uri="{AF507438-7753-43E0-B8FC-AC1667EBCBE1}">
+              <a14:hiddenEffects xmlns:a14="http://schemas.microsoft.com/office/drawing/2010/main">
+                <a:effectLst>
+                  <a:outerShdw dist="35921" dir="2700000" algn="ctr" rotWithShape="0">
+                    <a:schemeClr val="bg2"/>
+                  </a:outerShdw>
+                </a:effectLst>
+              </a14:hiddenEffects>
+            </a:ext>
+          </a:extLst>
+        </p:spPr>
+        <p:txBody>
+          <a:bodyPr vert="horz" wrap="none" lIns="91440" tIns="0" rIns="91440" bIns="0" numCol="1" anchor="ctr" anchorCtr="0" compatLnSpc="1">
+            <a:prstTxWarp prst="textNoShape">
+              <a:avLst/>
+            </a:prstTxWarp>
+            <a:spAutoFit/>
+          </a:bodyPr>
+          <a:lstStyle/>
+          <a:p>
+            <a:pPr marL="0" marR="0" lvl="0" indent="0" algn="l" defTabSz="914400" rtl="0" eaLnBrk="0" fontAlgn="base" latinLnBrk="0" hangingPunct="0">
+              <a:lnSpc>
+                <a:spcPct val="100000"/>
+              </a:lnSpc>
+              <a:spcBef>
+                <a:spcPct val="0"/>
+              </a:spcBef>
+              <a:spcAft>
+                <a:spcPct val="0"/>
+              </a:spcAft>
+              <a:buClrTx/>
+              <a:buSzTx/>
+              <a:buFontTx/>
+              <a:buNone/>
+              <a:tabLst/>
+            </a:pPr>
+            <a:endParaRPr kumimoji="0" lang="en-US" altLang="en-US" sz="1800" b="0" i="0" u="none" strike="noStrike" cap="none" normalizeH="0" baseline="0" dirty="0">
+              <a:ln>
+                <a:noFill/>
+              </a:ln>
+              <a:solidFill>
+                <a:schemeClr val="tx1"/>
+              </a:solidFill>
+              <a:effectLst/>
+              <a:latin typeface="Arial" panose="020B0604020202020204" pitchFamily="34" charset="0"/>
+            </a:endParaRPr>
+          </a:p>
+        </p:txBody>
+      </p:sp>
+      <mc:AlternateContent xmlns:mc="http://schemas.openxmlformats.org/markup-compatibility/2006">
+        <mc:Choice xmlns:a14="http://schemas.microsoft.com/office/drawing/2010/main" Requires="a14">
+          <p:sp>
+            <p:nvSpPr>
+              <p:cNvPr id="5" name="TextBox 4">
+                <a:extLst>
+                  <a:ext uri="{FF2B5EF4-FFF2-40B4-BE49-F238E27FC236}">
+                    <a16:creationId xmlns:a16="http://schemas.microsoft.com/office/drawing/2014/main" id="{8B121A3E-2766-0EF3-07B8-057625C59078}"/>
+                  </a:ext>
+                </a:extLst>
+              </p:cNvPr>
+              <p:cNvSpPr txBox="1"/>
+              <p:nvPr/>
+            </p:nvSpPr>
+            <p:spPr>
+              <a:xfrm>
+                <a:off x="2486891" y="2529008"/>
+                <a:ext cx="7058892" cy="1125565"/>
+              </a:xfrm>
+              <a:prstGeom prst="rect">
+                <a:avLst/>
+              </a:prstGeom>
+              <a:noFill/>
+            </p:spPr>
+            <p:txBody>
+              <a:bodyPr wrap="square" rtlCol="0">
+                <a:spAutoFit/>
+              </a:bodyPr>
+              <a:lstStyle/>
+              <a:p>
+                <a:r>
+                  <a:rPr lang="en-US" b="0" dirty="0">
+                    <a:latin typeface="Cambria Math" panose="02040503050406030204" pitchFamily="18" charset="0"/>
+                  </a:rPr>
+                  <a:t>Multiple regression </a:t>
+                </a:r>
+                <a:r>
+                  <a:rPr lang="en-US" dirty="0">
+                    <a:latin typeface="Cambria Math" panose="02040503050406030204" pitchFamily="18" charset="0"/>
+                  </a:rPr>
+                  <a:t>aims to minimize </a:t>
+                </a:r>
+                <a14:m>
+                  <m:oMath xmlns:m="http://schemas.openxmlformats.org/officeDocument/2006/math">
+                    <m:r>
+                      <a:rPr lang="en-US" b="0" i="1" smtClean="0">
+                        <a:latin typeface="Cambria Math" panose="02040503050406030204" pitchFamily="18" charset="0"/>
+                      </a:rPr>
+                      <m:t>𝑆𝑆𝐸</m:t>
+                    </m:r>
+                  </m:oMath>
+                </a14:m>
+                <a:r>
+                  <a:rPr lang="en-US" dirty="0">
+                    <a:latin typeface="Cambria Math" panose="02040503050406030204" pitchFamily="18" charset="0"/>
+                  </a:rPr>
+                  <a:t>:</a:t>
+                </a:r>
+                <a:endParaRPr lang="en-US" b="0" dirty="0">
+                  <a:latin typeface="Cambria Math" panose="02040503050406030204" pitchFamily="18" charset="0"/>
+                </a:endParaRPr>
+              </a:p>
+              <a:p>
+                <a14:m>
+                  <m:oMathPara xmlns:m="http://schemas.openxmlformats.org/officeDocument/2006/math">
+                    <m:oMathParaPr>
+                      <m:jc m:val="centerGroup"/>
+                    </m:oMathParaPr>
+                    <m:oMath xmlns:m="http://schemas.openxmlformats.org/officeDocument/2006/math">
+                      <m:r>
+                        <a:rPr lang="en-US" b="0" i="1" smtClean="0">
+                          <a:latin typeface="Cambria Math" panose="02040503050406030204" pitchFamily="18" charset="0"/>
+                        </a:rPr>
+                        <m:t>𝑆𝑆𝐸</m:t>
+                      </m:r>
+                      <m:r>
+                        <a:rPr lang="en-US" b="0" i="1" smtClean="0">
+                          <a:latin typeface="Cambria Math" panose="02040503050406030204" pitchFamily="18" charset="0"/>
+                        </a:rPr>
+                        <m:t>=</m:t>
+                      </m:r>
+                      <m:sSubSup>
+                        <m:sSubSupPr>
+                          <m:ctrlPr>
+                            <a:rPr lang="en-US" b="0" i="1" smtClean="0">
+                              <a:latin typeface="Cambria Math" panose="02040503050406030204" pitchFamily="18" charset="0"/>
+                            </a:rPr>
+                          </m:ctrlPr>
+                        </m:sSubSupPr>
+                        <m:e>
+                          <m:r>
+                            <a:rPr lang="en-US" b="0" i="1" smtClean="0">
+                              <a:latin typeface="Cambria Math" panose="02040503050406030204" pitchFamily="18" charset="0"/>
+                            </a:rPr>
+                            <m:t>𝑒</m:t>
+                          </m:r>
+                        </m:e>
+                        <m:sub>
+                          <m:r>
+                            <a:rPr lang="en-US" b="0" i="1" smtClean="0">
+                              <a:latin typeface="Cambria Math" panose="02040503050406030204" pitchFamily="18" charset="0"/>
+                            </a:rPr>
+                            <m:t>1</m:t>
+                          </m:r>
+                        </m:sub>
+                        <m:sup>
+                          <m:r>
+                            <a:rPr lang="en-US" b="0" i="1" smtClean="0">
+                              <a:latin typeface="Cambria Math" panose="02040503050406030204" pitchFamily="18" charset="0"/>
+                            </a:rPr>
+                            <m:t>2</m:t>
+                          </m:r>
+                        </m:sup>
+                      </m:sSubSup>
+                      <m:r>
+                        <a:rPr lang="en-US" b="0" i="1" smtClean="0">
+                          <a:latin typeface="Cambria Math" panose="02040503050406030204" pitchFamily="18" charset="0"/>
+                        </a:rPr>
+                        <m:t>+</m:t>
+                      </m:r>
+                      <m:sSubSup>
+                        <m:sSubSupPr>
+                          <m:ctrlPr>
+                            <a:rPr lang="en-US" b="0" i="1" smtClean="0">
+                              <a:latin typeface="Cambria Math" panose="02040503050406030204" pitchFamily="18" charset="0"/>
+                            </a:rPr>
+                          </m:ctrlPr>
+                        </m:sSubSupPr>
+                        <m:e>
+                          <m:r>
+                            <a:rPr lang="en-US" b="0" i="1" smtClean="0">
+                              <a:latin typeface="Cambria Math" panose="02040503050406030204" pitchFamily="18" charset="0"/>
+                            </a:rPr>
+                            <m:t>𝑒</m:t>
+                          </m:r>
+                        </m:e>
+                        <m:sub>
+                          <m:r>
+                            <a:rPr lang="en-US" b="0" i="1" smtClean="0">
+                              <a:latin typeface="Cambria Math" panose="02040503050406030204" pitchFamily="18" charset="0"/>
+                            </a:rPr>
+                            <m:t>2</m:t>
+                          </m:r>
+                        </m:sub>
+                        <m:sup>
+                          <m:r>
+                            <a:rPr lang="en-US" b="0" i="1" smtClean="0">
+                              <a:latin typeface="Cambria Math" panose="02040503050406030204" pitchFamily="18" charset="0"/>
+                            </a:rPr>
+                            <m:t>2</m:t>
+                          </m:r>
+                        </m:sup>
+                      </m:sSubSup>
+                      <m:r>
+                        <a:rPr lang="en-US" b="0" i="1" smtClean="0">
+                          <a:latin typeface="Cambria Math" panose="02040503050406030204" pitchFamily="18" charset="0"/>
+                        </a:rPr>
+                        <m:t>+…+</m:t>
+                      </m:r>
+                      <m:sSubSup>
+                        <m:sSubSupPr>
+                          <m:ctrlPr>
+                            <a:rPr lang="en-US" b="0" i="1" smtClean="0">
+                              <a:latin typeface="Cambria Math" panose="02040503050406030204" pitchFamily="18" charset="0"/>
+                            </a:rPr>
+                          </m:ctrlPr>
+                        </m:sSubSupPr>
+                        <m:e>
+                          <m:r>
+                            <a:rPr lang="en-US" b="0" i="1" smtClean="0">
+                              <a:latin typeface="Cambria Math" panose="02040503050406030204" pitchFamily="18" charset="0"/>
+                            </a:rPr>
+                            <m:t>𝑒</m:t>
+                          </m:r>
+                        </m:e>
+                        <m:sub>
+                          <m:r>
+                            <a:rPr lang="en-US" b="0" i="1" smtClean="0">
+                              <a:latin typeface="Cambria Math" panose="02040503050406030204" pitchFamily="18" charset="0"/>
+                            </a:rPr>
+                            <m:t>𝑛</m:t>
+                          </m:r>
+                        </m:sub>
+                        <m:sup>
+                          <m:r>
+                            <a:rPr lang="en-US" b="0" i="1" smtClean="0">
+                              <a:latin typeface="Cambria Math" panose="02040503050406030204" pitchFamily="18" charset="0"/>
+                            </a:rPr>
+                            <m:t>2</m:t>
+                          </m:r>
+                        </m:sup>
+                      </m:sSubSup>
+                      <m:r>
+                        <a:rPr lang="en-US" b="0" i="1" smtClean="0">
+                          <a:latin typeface="Cambria Math" panose="02040503050406030204" pitchFamily="18" charset="0"/>
+                        </a:rPr>
+                        <m:t>=</m:t>
+                      </m:r>
+                      <m:nary>
+                        <m:naryPr>
+                          <m:chr m:val="∑"/>
+                          <m:ctrlPr>
+                            <a:rPr lang="en-US" b="0" i="1" smtClean="0">
+                              <a:latin typeface="Cambria Math" panose="02040503050406030204" pitchFamily="18" charset="0"/>
+                            </a:rPr>
+                          </m:ctrlPr>
+                        </m:naryPr>
+                        <m:sub>
+                          <m:r>
+                            <m:rPr>
+                              <m:brk m:alnAt="23"/>
+                            </m:rPr>
+                            <a:rPr lang="en-US" b="0" i="1" smtClean="0">
+                              <a:latin typeface="Cambria Math" panose="02040503050406030204" pitchFamily="18" charset="0"/>
+                            </a:rPr>
+                            <m:t>𝑖</m:t>
+                          </m:r>
+                          <m:r>
+                            <a:rPr lang="en-US" b="0" i="1" smtClean="0">
+                              <a:latin typeface="Cambria Math" panose="02040503050406030204" pitchFamily="18" charset="0"/>
+                            </a:rPr>
+                            <m:t>=1</m:t>
+                          </m:r>
+                        </m:sub>
+                        <m:sup>
+                          <m:r>
+                            <a:rPr lang="en-US" b="0" i="1" smtClean="0">
+                              <a:latin typeface="Cambria Math" panose="02040503050406030204" pitchFamily="18" charset="0"/>
+                            </a:rPr>
+                            <m:t>𝑛</m:t>
+                          </m:r>
+                        </m:sup>
+                        <m:e>
+                          <m:sSubSup>
+                            <m:sSubSupPr>
+                              <m:ctrlPr>
+                                <a:rPr lang="en-US" b="0" i="1" smtClean="0">
+                                  <a:latin typeface="Cambria Math" panose="02040503050406030204" pitchFamily="18" charset="0"/>
+                                </a:rPr>
+                              </m:ctrlPr>
+                            </m:sSubSupPr>
+                            <m:e>
+                              <m:r>
+                                <a:rPr lang="en-US" b="0" i="1" smtClean="0">
+                                  <a:latin typeface="Cambria Math" panose="02040503050406030204" pitchFamily="18" charset="0"/>
+                                </a:rPr>
+                                <m:t>𝑒</m:t>
+                              </m:r>
+                            </m:e>
+                            <m:sub>
+                              <m:r>
+                                <a:rPr lang="en-US" b="0" i="1" smtClean="0">
+                                  <a:latin typeface="Cambria Math" panose="02040503050406030204" pitchFamily="18" charset="0"/>
+                                </a:rPr>
+                                <m:t>𝑖</m:t>
+                              </m:r>
+                            </m:sub>
+                            <m:sup>
+                              <m:r>
+                                <a:rPr lang="en-US" b="0" i="1" smtClean="0">
+                                  <a:latin typeface="Cambria Math" panose="02040503050406030204" pitchFamily="18" charset="0"/>
+                                </a:rPr>
+                                <m:t>2</m:t>
+                              </m:r>
+                            </m:sup>
+                          </m:sSubSup>
+                        </m:e>
+                      </m:nary>
+                      <m:r>
+                        <a:rPr lang="en-US" b="0" i="1" smtClean="0">
+                          <a:latin typeface="Cambria Math" panose="02040503050406030204" pitchFamily="18" charset="0"/>
+                        </a:rPr>
+                        <m:t> </m:t>
+                      </m:r>
+                    </m:oMath>
+                  </m:oMathPara>
+                </a14:m>
+                <a:endParaRPr lang="en-US" dirty="0"/>
+              </a:p>
+            </p:txBody>
+          </p:sp>
+        </mc:Choice>
+        <mc:Fallback>
+          <p:sp>
+            <p:nvSpPr>
+              <p:cNvPr id="5" name="TextBox 4">
+                <a:extLst>
+                  <a:ext uri="{FF2B5EF4-FFF2-40B4-BE49-F238E27FC236}">
+                    <a16:creationId xmlns:a16="http://schemas.microsoft.com/office/drawing/2014/main" id="{8B121A3E-2766-0EF3-07B8-057625C59078}"/>
+                  </a:ext>
+                </a:extLst>
+              </p:cNvPr>
+              <p:cNvSpPr txBox="1">
+                <a:spLocks noRot="1" noChangeAspect="1" noMove="1" noResize="1" noEditPoints="1" noAdjustHandles="1" noChangeArrowheads="1" noChangeShapeType="1" noTextEdit="1"/>
+              </p:cNvSpPr>
+              <p:nvPr/>
+            </p:nvSpPr>
+            <p:spPr>
+              <a:xfrm>
+                <a:off x="2486891" y="2529008"/>
+                <a:ext cx="7058892" cy="1125565"/>
+              </a:xfrm>
+              <a:prstGeom prst="rect">
+                <a:avLst/>
+              </a:prstGeom>
+              <a:blipFill>
+                <a:blip r:embed="rId3"/>
+                <a:stretch>
+                  <a:fillRect l="-777" t="-3784"/>
+                </a:stretch>
+              </a:blipFill>
+            </p:spPr>
+            <p:txBody>
+              <a:bodyPr/>
+              <a:lstStyle/>
+              <a:p>
+                <a:r>
+                  <a:rPr lang="en-US">
+                    <a:noFill/>
+                  </a:rPr>
+                  <a:t> </a:t>
+                </a:r>
+              </a:p>
+            </p:txBody>
+          </p:sp>
+        </mc:Fallback>
+      </mc:AlternateContent>
+    </p:spTree>
+    <p:extLst>
+      <p:ext uri="{BB962C8B-B14F-4D97-AF65-F5344CB8AC3E}">
+        <p14:creationId xmlns:p14="http://schemas.microsoft.com/office/powerpoint/2010/main" val="1860569558"/>
+      </p:ext>
+    </p:extLst>
+  </p:cSld>
+  <p:clrMapOvr>
+    <a:masterClrMapping/>
+  </p:clrMapOvr>
+</p:sld>
+</file>
+
+<file path=ppt/slides/slide12.xml><?xml version="1.0" encoding="utf-8"?>
+<p:sld xmlns:a="http://schemas.openxmlformats.org/drawingml/2006/main" xmlns:r="http://schemas.openxmlformats.org/officeDocument/2006/relationships" xmlns:p="http://schemas.openxmlformats.org/presentationml/2006/main">
+  <p:cSld>
+    <p:spTree>
+      <p:nvGrpSpPr>
+        <p:cNvPr id="1" name=""/>
+        <p:cNvGrpSpPr/>
+        <p:nvPr/>
+      </p:nvGrpSpPr>
+      <p:grpSpPr>
+        <a:xfrm>
+          <a:off x="0" y="0"/>
+          <a:ext cx="0" cy="0"/>
+          <a:chOff x="0" y="0"/>
+          <a:chExt cx="0" cy="0"/>
+        </a:xfrm>
+      </p:grpSpPr>
+      <p:sp>
+        <p:nvSpPr>
+          <p:cNvPr id="2" name="Title 1">
+            <a:extLst>
+              <a:ext uri="{FF2B5EF4-FFF2-40B4-BE49-F238E27FC236}">
+                <a16:creationId xmlns:a16="http://schemas.microsoft.com/office/drawing/2014/main" id="{9A273CE3-0613-A2B8-032C-A096490C5B5E}"/>
+              </a:ext>
+            </a:extLst>
+          </p:cNvPr>
+          <p:cNvSpPr>
+            <a:spLocks noGrp="1"/>
+          </p:cNvSpPr>
+          <p:nvPr>
+            <p:ph type="title"/>
+          </p:nvPr>
+        </p:nvSpPr>
+        <p:spPr>
+          <a:xfrm>
+            <a:off x="325581" y="598247"/>
+            <a:ext cx="11029616" cy="572462"/>
+          </a:xfrm>
+        </p:spPr>
+        <p:txBody>
+          <a:bodyPr/>
+          <a:lstStyle/>
+          <a:p>
+            <a:r>
+              <a:rPr lang="en-US" dirty="0"/>
+              <a:t>Output for the regression model</a:t>
+            </a:r>
+          </a:p>
+        </p:txBody>
+      </p:sp>
+      <p:pic>
+        <p:nvPicPr>
+          <p:cNvPr id="9" name="Picture 8">
+            <a:extLst>
+              <a:ext uri="{FF2B5EF4-FFF2-40B4-BE49-F238E27FC236}">
+                <a16:creationId xmlns:a16="http://schemas.microsoft.com/office/drawing/2014/main" id="{21D26850-88ED-A759-82CF-7087F5F4A3AE}"/>
+              </a:ext>
+            </a:extLst>
+          </p:cNvPr>
+          <p:cNvPicPr>
+            <a:picLocks noChangeAspect="1"/>
+          </p:cNvPicPr>
+          <p:nvPr/>
+        </p:nvPicPr>
+        <p:blipFill>
+          <a:blip r:embed="rId2"/>
+          <a:stretch>
+            <a:fillRect/>
+          </a:stretch>
+        </p:blipFill>
+        <p:spPr>
+          <a:xfrm>
+            <a:off x="4659890" y="1170709"/>
+            <a:ext cx="7296583" cy="5257496"/>
+          </a:xfrm>
+          <a:prstGeom prst="rect">
+            <a:avLst/>
+          </a:prstGeom>
+        </p:spPr>
+      </p:pic>
+      <p:sp>
+        <p:nvSpPr>
+          <p:cNvPr id="10" name="TextBox 9">
+            <a:extLst>
+              <a:ext uri="{FF2B5EF4-FFF2-40B4-BE49-F238E27FC236}">
+                <a16:creationId xmlns:a16="http://schemas.microsoft.com/office/drawing/2014/main" id="{08C84127-F73A-656D-7251-CF1E32C62E61}"/>
+              </a:ext>
+            </a:extLst>
+          </p:cNvPr>
+          <p:cNvSpPr txBox="1"/>
+          <p:nvPr/>
+        </p:nvSpPr>
+        <p:spPr>
+          <a:xfrm>
+            <a:off x="325581" y="2376054"/>
+            <a:ext cx="3967163" cy="369332"/>
+          </a:xfrm>
+          <a:prstGeom prst="rect">
+            <a:avLst/>
+          </a:prstGeom>
+          <a:noFill/>
+        </p:spPr>
+        <p:txBody>
+          <a:bodyPr wrap="square" rtlCol="0">
+            <a:spAutoFit/>
+          </a:bodyPr>
+          <a:lstStyle/>
+          <a:p>
+            <a:r>
+              <a:rPr lang="en-US" dirty="0"/>
+              <a:t>Which two variables are not important?</a:t>
+            </a:r>
+          </a:p>
+        </p:txBody>
+      </p:sp>
+      <mc:AlternateContent xmlns:mc="http://schemas.openxmlformats.org/markup-compatibility/2006">
+        <mc:Choice xmlns:a14="http://schemas.microsoft.com/office/drawing/2010/main" Requires="a14">
+          <p:sp>
+            <p:nvSpPr>
+              <p:cNvPr id="11" name="TextBox 10">
+                <a:extLst>
+                  <a:ext uri="{FF2B5EF4-FFF2-40B4-BE49-F238E27FC236}">
+                    <a16:creationId xmlns:a16="http://schemas.microsoft.com/office/drawing/2014/main" id="{FFBE8D7C-161E-E15D-67BE-4AC99835492B}"/>
+                  </a:ext>
+                </a:extLst>
+              </p:cNvPr>
+              <p:cNvSpPr txBox="1"/>
+              <p:nvPr/>
+            </p:nvSpPr>
+            <p:spPr>
+              <a:xfrm>
+                <a:off x="235527" y="4219130"/>
+                <a:ext cx="3967163" cy="2040623"/>
+              </a:xfrm>
+              <a:prstGeom prst="rect">
+                <a:avLst/>
+              </a:prstGeom>
+              <a:noFill/>
+            </p:spPr>
+            <p:txBody>
+              <a:bodyPr wrap="square" rtlCol="0">
+                <a:spAutoFit/>
+              </a:bodyPr>
+              <a:lstStyle/>
+              <a:p>
+                <a:r>
+                  <a:rPr lang="en-US" dirty="0"/>
+                  <a:t>Interpretation for </a:t>
+                </a:r>
+                <a14:m>
+                  <m:oMath xmlns:m="http://schemas.openxmlformats.org/officeDocument/2006/math">
+                    <m:sSub>
+                      <m:sSubPr>
+                        <m:ctrlPr>
+                          <a:rPr lang="en-US" b="0" i="1" smtClean="0">
+                            <a:latin typeface="Cambria Math" panose="02040503050406030204" pitchFamily="18" charset="0"/>
+                          </a:rPr>
+                        </m:ctrlPr>
+                      </m:sSubPr>
+                      <m:e>
+                        <m:r>
+                          <a:rPr lang="en-US" b="0" i="1" smtClean="0">
+                            <a:latin typeface="Cambria Math" panose="02040503050406030204" pitchFamily="18" charset="0"/>
+                          </a:rPr>
+                          <m:t>𝛽</m:t>
+                        </m:r>
+                      </m:e>
+                      <m:sub>
+                        <m:r>
+                          <a:rPr lang="en-US" b="0" i="1" smtClean="0">
+                            <a:latin typeface="Cambria Math" panose="02040503050406030204" pitchFamily="18" charset="0"/>
+                          </a:rPr>
+                          <m:t>𝑐𝑟𝑒𝑑𝑖𝑡</m:t>
+                        </m:r>
+                        <m:r>
+                          <a:rPr lang="en-US" b="0" i="1" smtClean="0">
+                            <a:latin typeface="Cambria Math" panose="02040503050406030204" pitchFamily="18" charset="0"/>
+                          </a:rPr>
+                          <m:t>_</m:t>
+                        </m:r>
+                        <m:r>
+                          <a:rPr lang="en-US" b="0" i="1" smtClean="0">
+                            <a:latin typeface="Cambria Math" panose="02040503050406030204" pitchFamily="18" charset="0"/>
+                          </a:rPr>
+                          <m:t>𝑢𝑡𝑖𝑙</m:t>
+                        </m:r>
+                      </m:sub>
+                    </m:sSub>
+                  </m:oMath>
+                </a14:m>
+                <a:r>
+                  <a:rPr lang="en-US" dirty="0"/>
+                  <a:t>: </a:t>
+                </a:r>
+              </a:p>
+              <a:p>
+                <a:endParaRPr lang="en-US" dirty="0"/>
+              </a:p>
+              <a:p>
+                <a:r>
+                  <a:rPr lang="en-US" b="1" dirty="0"/>
+                  <a:t>All other variables held constant, </a:t>
+                </a:r>
+                <a:r>
+                  <a:rPr lang="en-US" dirty="0"/>
+                  <a:t>if someone’s credit utilization increase 1 unit, the change in interest rate is 4.90. </a:t>
+                </a:r>
+              </a:p>
+              <a:p>
+                <a:endParaRPr lang="en-US" dirty="0"/>
+              </a:p>
+              <a:p>
+                <a:endParaRPr lang="en-US" dirty="0"/>
+              </a:p>
+            </p:txBody>
+          </p:sp>
+        </mc:Choice>
+        <mc:Fallback>
+          <p:sp>
+            <p:nvSpPr>
+              <p:cNvPr id="11" name="TextBox 10">
+                <a:extLst>
+                  <a:ext uri="{FF2B5EF4-FFF2-40B4-BE49-F238E27FC236}">
+                    <a16:creationId xmlns:a16="http://schemas.microsoft.com/office/drawing/2014/main" id="{FFBE8D7C-161E-E15D-67BE-4AC99835492B}"/>
+                  </a:ext>
+                </a:extLst>
+              </p:cNvPr>
+              <p:cNvSpPr txBox="1">
+                <a:spLocks noRot="1" noChangeAspect="1" noMove="1" noResize="1" noEditPoints="1" noAdjustHandles="1" noChangeArrowheads="1" noChangeShapeType="1" noTextEdit="1"/>
+              </p:cNvSpPr>
+              <p:nvPr/>
+            </p:nvSpPr>
+            <p:spPr>
+              <a:xfrm>
+                <a:off x="235527" y="4219130"/>
+                <a:ext cx="3967163" cy="2040623"/>
+              </a:xfrm>
+              <a:prstGeom prst="rect">
+                <a:avLst/>
+              </a:prstGeom>
+              <a:blipFill>
+                <a:blip r:embed="rId3"/>
+                <a:stretch>
+                  <a:fillRect l="-1385" t="-1194"/>
+                </a:stretch>
+              </a:blipFill>
+            </p:spPr>
+            <p:txBody>
+              <a:bodyPr/>
+              <a:lstStyle/>
+              <a:p>
+                <a:r>
+                  <a:rPr lang="en-US">
+                    <a:noFill/>
+                  </a:rPr>
+                  <a:t> </a:t>
+                </a:r>
+              </a:p>
+            </p:txBody>
+          </p:sp>
+        </mc:Fallback>
+      </mc:AlternateContent>
+      <mc:AlternateContent xmlns:mc="http://schemas.openxmlformats.org/markup-compatibility/2006">
+        <mc:Choice xmlns:a14="http://schemas.microsoft.com/office/drawing/2010/main" Requires="a14">
+          <p:sp>
+            <p:nvSpPr>
+              <p:cNvPr id="12" name="TextBox 11">
+                <a:extLst>
+                  <a:ext uri="{FF2B5EF4-FFF2-40B4-BE49-F238E27FC236}">
+                    <a16:creationId xmlns:a16="http://schemas.microsoft.com/office/drawing/2014/main" id="{F0AF55DF-B483-67C1-E73D-FDB765BC86FF}"/>
+                  </a:ext>
+                </a:extLst>
+              </p:cNvPr>
+              <p:cNvSpPr txBox="1"/>
+              <p:nvPr/>
+            </p:nvSpPr>
+            <p:spPr>
+              <a:xfrm>
+                <a:off x="235527" y="3173102"/>
+                <a:ext cx="3571876" cy="618311"/>
+              </a:xfrm>
+              <a:prstGeom prst="rect">
+                <a:avLst/>
+              </a:prstGeom>
+              <a:noFill/>
+            </p:spPr>
+            <p:txBody>
+              <a:bodyPr wrap="square" rtlCol="0">
+                <a:spAutoFit/>
+              </a:bodyPr>
+              <a:lstStyle/>
+              <a:p>
+                <a14:m>
+                  <m:oMathPara xmlns:m="http://schemas.openxmlformats.org/officeDocument/2006/math">
+                    <m:oMathParaPr>
+                      <m:jc m:val="centerGroup"/>
+                    </m:oMathParaPr>
+                    <m:oMath xmlns:m="http://schemas.openxmlformats.org/officeDocument/2006/math">
+                      <m:r>
+                        <a:rPr lang="en-US" b="0" i="1" smtClean="0">
+                          <a:latin typeface="Cambria Math" panose="02040503050406030204" pitchFamily="18" charset="0"/>
+                        </a:rPr>
+                        <m:t>𝑐𝑟𝑒𝑑𝑖</m:t>
+                      </m:r>
+                      <m:sSub>
+                        <m:sSubPr>
+                          <m:ctrlPr>
+                            <a:rPr lang="en-US" b="0" i="1" smtClean="0">
+                              <a:latin typeface="Cambria Math" panose="02040503050406030204" pitchFamily="18" charset="0"/>
+                            </a:rPr>
+                          </m:ctrlPr>
+                        </m:sSubPr>
+                        <m:e>
+                          <m:r>
+                            <a:rPr lang="en-US" b="0" i="1" smtClean="0">
+                              <a:latin typeface="Cambria Math" panose="02040503050406030204" pitchFamily="18" charset="0"/>
+                            </a:rPr>
+                            <m:t>𝑡</m:t>
+                          </m:r>
+                        </m:e>
+                        <m:sub>
+                          <m:r>
+                            <a:rPr lang="en-US" b="0" i="1" smtClean="0">
+                              <a:latin typeface="Cambria Math" panose="02040503050406030204" pitchFamily="18" charset="0"/>
+                            </a:rPr>
+                            <m:t>𝑢𝑡𝑖𝑙</m:t>
+                          </m:r>
+                        </m:sub>
+                      </m:sSub>
+                      <m:r>
+                        <a:rPr lang="en-US" b="0" i="1" smtClean="0">
+                          <a:latin typeface="Cambria Math" panose="02040503050406030204" pitchFamily="18" charset="0"/>
+                        </a:rPr>
+                        <m:t>=</m:t>
+                      </m:r>
+                      <m:f>
+                        <m:fPr>
+                          <m:ctrlPr>
+                            <a:rPr lang="en-US" b="0" i="1" smtClean="0">
+                              <a:latin typeface="Cambria Math" panose="02040503050406030204" pitchFamily="18" charset="0"/>
+                            </a:rPr>
+                          </m:ctrlPr>
+                        </m:fPr>
+                        <m:num>
+                          <m:r>
+                            <a:rPr lang="en-US" b="0" i="1" smtClean="0">
+                              <a:latin typeface="Cambria Math" panose="02040503050406030204" pitchFamily="18" charset="0"/>
+                            </a:rPr>
+                            <m:t>𝑐𝑟𝑒𝑑𝑖𝑡</m:t>
+                          </m:r>
+                          <m:r>
+                            <a:rPr lang="en-US" b="0" i="1" smtClean="0">
+                              <a:latin typeface="Cambria Math" panose="02040503050406030204" pitchFamily="18" charset="0"/>
+                            </a:rPr>
+                            <m:t> </m:t>
+                          </m:r>
+                          <m:r>
+                            <a:rPr lang="en-US" b="0" i="1" smtClean="0">
+                              <a:latin typeface="Cambria Math" panose="02040503050406030204" pitchFamily="18" charset="0"/>
+                            </a:rPr>
+                            <m:t>𝑏𝑎𝑛𝑙𝑎𝑛𝑐𝑒</m:t>
+                          </m:r>
+                        </m:num>
+                        <m:den>
+                          <m:r>
+                            <a:rPr lang="en-US" b="0" i="1" smtClean="0">
+                              <a:latin typeface="Cambria Math" panose="02040503050406030204" pitchFamily="18" charset="0"/>
+                            </a:rPr>
+                            <m:t>𝑐𝑟𝑒𝑑𝑖𝑡</m:t>
+                          </m:r>
+                          <m:r>
+                            <a:rPr lang="en-US" b="0" i="1" smtClean="0">
+                              <a:latin typeface="Cambria Math" panose="02040503050406030204" pitchFamily="18" charset="0"/>
+                            </a:rPr>
+                            <m:t> </m:t>
+                          </m:r>
+                          <m:r>
+                            <a:rPr lang="en-US" b="0" i="1" smtClean="0">
+                              <a:latin typeface="Cambria Math" panose="02040503050406030204" pitchFamily="18" charset="0"/>
+                            </a:rPr>
+                            <m:t>𝑙𝑖𝑚𝑖𝑡</m:t>
+                          </m:r>
+                        </m:den>
+                      </m:f>
+                    </m:oMath>
+                  </m:oMathPara>
+                </a14:m>
+                <a:endParaRPr lang="en-US" dirty="0"/>
+              </a:p>
+            </p:txBody>
+          </p:sp>
+        </mc:Choice>
+        <mc:Fallback>
+          <p:sp>
+            <p:nvSpPr>
+              <p:cNvPr id="12" name="TextBox 11">
+                <a:extLst>
+                  <a:ext uri="{FF2B5EF4-FFF2-40B4-BE49-F238E27FC236}">
+                    <a16:creationId xmlns:a16="http://schemas.microsoft.com/office/drawing/2014/main" id="{F0AF55DF-B483-67C1-E73D-FDB765BC86FF}"/>
+                  </a:ext>
+                </a:extLst>
+              </p:cNvPr>
+              <p:cNvSpPr txBox="1">
+                <a:spLocks noRot="1" noChangeAspect="1" noMove="1" noResize="1" noEditPoints="1" noAdjustHandles="1" noChangeArrowheads="1" noChangeShapeType="1" noTextEdit="1"/>
+              </p:cNvSpPr>
+              <p:nvPr/>
+            </p:nvSpPr>
+            <p:spPr>
+              <a:xfrm>
+                <a:off x="235527" y="3173102"/>
+                <a:ext cx="3571876" cy="618311"/>
+              </a:xfrm>
+              <a:prstGeom prst="rect">
+                <a:avLst/>
+              </a:prstGeom>
+              <a:blipFill>
+                <a:blip r:embed="rId4"/>
+                <a:stretch>
+                  <a:fillRect/>
+                </a:stretch>
+              </a:blipFill>
+            </p:spPr>
+            <p:txBody>
+              <a:bodyPr/>
+              <a:lstStyle/>
+              <a:p>
+                <a:r>
+                  <a:rPr lang="en-US">
+                    <a:noFill/>
+                  </a:rPr>
+                  <a:t> </a:t>
+                </a:r>
+              </a:p>
+            </p:txBody>
+          </p:sp>
+        </mc:Fallback>
+      </mc:AlternateContent>
+    </p:spTree>
+    <p:extLst>
+      <p:ext uri="{BB962C8B-B14F-4D97-AF65-F5344CB8AC3E}">
+        <p14:creationId xmlns:p14="http://schemas.microsoft.com/office/powerpoint/2010/main" val="2038231865"/>
+      </p:ext>
+    </p:extLst>
+  </p:cSld>
+  <p:clrMapOvr>
+    <a:masterClrMapping/>
+  </p:clrMapOvr>
+</p:sld>
+</file>
+
+<file path=ppt/slides/slide13.xml><?xml version="1.0" encoding="utf-8"?>
+<p:sld xmlns:a="http://schemas.openxmlformats.org/drawingml/2006/main" xmlns:r="http://schemas.openxmlformats.org/officeDocument/2006/relationships" xmlns:p="http://schemas.openxmlformats.org/presentationml/2006/main">
+  <p:cSld>
+    <p:spTree>
+      <p:nvGrpSpPr>
+        <p:cNvPr id="1" name=""/>
+        <p:cNvGrpSpPr/>
+        <p:nvPr/>
+      </p:nvGrpSpPr>
+      <p:grpSpPr>
+        <a:xfrm>
+          <a:off x="0" y="0"/>
+          <a:ext cx="0" cy="0"/>
+          <a:chOff x="0" y="0"/>
+          <a:chExt cx="0" cy="0"/>
+        </a:xfrm>
+      </p:grpSpPr>
+      <p:sp>
+        <p:nvSpPr>
+          <p:cNvPr id="2" name="Title 1">
+            <a:extLst>
+              <a:ext uri="{FF2B5EF4-FFF2-40B4-BE49-F238E27FC236}">
+                <a16:creationId xmlns:a16="http://schemas.microsoft.com/office/drawing/2014/main" id="{00DCBA09-B5B2-7698-B359-FF1B3063C347}"/>
+              </a:ext>
+            </a:extLst>
+          </p:cNvPr>
+          <p:cNvSpPr>
+            <a:spLocks noGrp="1"/>
+          </p:cNvSpPr>
+          <p:nvPr>
+            <p:ph type="title"/>
+          </p:nvPr>
+        </p:nvSpPr>
+        <p:spPr>
+          <a:xfrm>
+            <a:off x="235527" y="639488"/>
+            <a:ext cx="3700185" cy="531221"/>
+          </a:xfrm>
+        </p:spPr>
+        <p:txBody>
+          <a:bodyPr/>
+          <a:lstStyle/>
+          <a:p>
+            <a:r>
+              <a:rPr lang="en-US" dirty="0"/>
+              <a:t>Interpretation </a:t>
+            </a:r>
+          </a:p>
+        </p:txBody>
+      </p:sp>
+      <p:pic>
+        <p:nvPicPr>
+          <p:cNvPr id="4" name="Picture 3">
+            <a:extLst>
+              <a:ext uri="{FF2B5EF4-FFF2-40B4-BE49-F238E27FC236}">
+                <a16:creationId xmlns:a16="http://schemas.microsoft.com/office/drawing/2014/main" id="{1075AA75-FBCC-C1BA-FAC5-69048CAF3530}"/>
+              </a:ext>
+            </a:extLst>
+          </p:cNvPr>
+          <p:cNvPicPr>
+            <a:picLocks noChangeAspect="1"/>
+          </p:cNvPicPr>
+          <p:nvPr/>
+        </p:nvPicPr>
+        <p:blipFill>
+          <a:blip r:embed="rId2"/>
+          <a:stretch>
+            <a:fillRect/>
+          </a:stretch>
+        </p:blipFill>
+        <p:spPr>
+          <a:xfrm>
+            <a:off x="4659890" y="1170709"/>
+            <a:ext cx="7296583" cy="5257496"/>
+          </a:xfrm>
+          <a:prstGeom prst="rect">
+            <a:avLst/>
+          </a:prstGeom>
+        </p:spPr>
+      </p:pic>
+      <p:sp>
+        <p:nvSpPr>
+          <p:cNvPr id="5" name="Google Shape;444;p55">
+            <a:extLst>
+              <a:ext uri="{FF2B5EF4-FFF2-40B4-BE49-F238E27FC236}">
+                <a16:creationId xmlns:a16="http://schemas.microsoft.com/office/drawing/2014/main" id="{0F8909C1-59B0-84BB-DAFC-668007E10BC5}"/>
+              </a:ext>
+            </a:extLst>
+          </p:cNvPr>
+          <p:cNvSpPr txBox="1"/>
+          <p:nvPr/>
+        </p:nvSpPr>
+        <p:spPr>
+          <a:xfrm>
+            <a:off x="240977" y="2435528"/>
+            <a:ext cx="4380614" cy="4041471"/>
+          </a:xfrm>
+          <a:prstGeom prst="rect">
+            <a:avLst/>
+          </a:prstGeom>
+          <a:noFill/>
+          <a:ln>
+            <a:noFill/>
+          </a:ln>
+        </p:spPr>
+        <p:txBody>
+          <a:bodyPr spcFirstLastPara="1" wrap="square" lIns="0" tIns="0" rIns="0" bIns="0" anchor="t" anchorCtr="0">
+            <a:noAutofit/>
+          </a:bodyPr>
+          <a:lstStyle/>
+          <a:p>
+            <a:pPr marL="25400" marR="12700" lvl="0" indent="0" algn="l" rtl="0">
+              <a:lnSpc>
+                <a:spcPct val="129800"/>
+              </a:lnSpc>
+              <a:spcBef>
+                <a:spcPts val="0"/>
+              </a:spcBef>
+              <a:spcAft>
+                <a:spcPts val="0"/>
+              </a:spcAft>
+              <a:buSzPts val="1100"/>
+              <a:buNone/>
+            </a:pPr>
+            <a:r>
+              <a:rPr lang="en" sz="1800" dirty="0">
+                <a:solidFill>
+                  <a:srgbClr val="22373A"/>
+                </a:solidFill>
+              </a:rPr>
+              <a:t>All else being equal, borrower with bankruptcy record</a:t>
+            </a:r>
+          </a:p>
+          <a:p>
+            <a:pPr marL="25400" marR="12700" lvl="0" indent="0" algn="l" rtl="0">
+              <a:lnSpc>
+                <a:spcPct val="129800"/>
+              </a:lnSpc>
+              <a:spcBef>
+                <a:spcPts val="0"/>
+              </a:spcBef>
+              <a:spcAft>
+                <a:spcPts val="0"/>
+              </a:spcAft>
+              <a:buSzPts val="1100"/>
+              <a:buNone/>
+            </a:pPr>
+            <a:endParaRPr sz="1800" dirty="0">
+              <a:solidFill>
+                <a:srgbClr val="22373A"/>
+              </a:solidFill>
+            </a:endParaRPr>
+          </a:p>
+          <a:p>
+            <a:pPr marL="342900" marR="12700" indent="-342900">
+              <a:lnSpc>
+                <a:spcPct val="129800"/>
+              </a:lnSpc>
+              <a:spcBef>
+                <a:spcPct val="20000"/>
+              </a:spcBef>
+              <a:spcAft>
+                <a:spcPts val="600"/>
+              </a:spcAft>
+              <a:buClr>
+                <a:schemeClr val="accent1"/>
+              </a:buClr>
+              <a:buSzPct val="92000"/>
+              <a:buFont typeface="+mj-lt"/>
+              <a:buAutoNum type="alphaLcParenR"/>
+            </a:pPr>
+            <a:r>
+              <a:rPr lang="en" dirty="0">
+                <a:solidFill>
+                  <a:schemeClr val="tx1">
+                    <a:lumMod val="75000"/>
+                    <a:lumOff val="25000"/>
+                  </a:schemeClr>
+                </a:solidFill>
+                <a:latin typeface="Cambria Math" panose="02040503050406030204" pitchFamily="18" charset="0"/>
+              </a:rPr>
+              <a:t>are estimated to have interest rate 0.39 lower</a:t>
+            </a:r>
+          </a:p>
+          <a:p>
+            <a:pPr marL="342900" marR="12700" lvl="0" indent="-342900">
+              <a:lnSpc>
+                <a:spcPct val="129800"/>
+              </a:lnSpc>
+              <a:spcBef>
+                <a:spcPct val="20000"/>
+              </a:spcBef>
+              <a:spcAft>
+                <a:spcPts val="600"/>
+              </a:spcAft>
+              <a:buClr>
+                <a:schemeClr val="accent1"/>
+              </a:buClr>
+              <a:buSzPct val="92000"/>
+              <a:buFont typeface="+mj-lt"/>
+              <a:buAutoNum type="alphaLcParenR"/>
+            </a:pPr>
+            <a:r>
+              <a:rPr lang="en" dirty="0">
+                <a:solidFill>
+                  <a:schemeClr val="tx1">
+                    <a:lumMod val="75000"/>
+                    <a:lumOff val="25000"/>
+                  </a:schemeClr>
+                </a:solidFill>
+                <a:latin typeface="Cambria Math" panose="02040503050406030204" pitchFamily="18" charset="0"/>
+              </a:rPr>
+              <a:t>are estimated to have interest rate 0.39 higher</a:t>
+            </a:r>
+          </a:p>
+          <a:p>
+            <a:pPr marL="25400" marR="12700" lvl="0" indent="0" algn="l" rtl="0">
+              <a:lnSpc>
+                <a:spcPct val="129800"/>
+              </a:lnSpc>
+              <a:spcBef>
+                <a:spcPts val="0"/>
+              </a:spcBef>
+              <a:spcAft>
+                <a:spcPts val="0"/>
+              </a:spcAft>
+              <a:buSzPts val="1100"/>
+              <a:buNone/>
+            </a:pPr>
+            <a:r>
+              <a:rPr lang="en" dirty="0">
+                <a:solidFill>
+                  <a:srgbClr val="22373A"/>
+                </a:solidFill>
+              </a:rPr>
+              <a:t>than borrower without bankruptcy record</a:t>
+            </a:r>
+            <a:endParaRPr sz="1800" dirty="0">
+              <a:solidFill>
+                <a:srgbClr val="22373A"/>
+              </a:solidFill>
+            </a:endParaRPr>
+          </a:p>
+        </p:txBody>
+      </p:sp>
+    </p:spTree>
+    <p:extLst>
+      <p:ext uri="{BB962C8B-B14F-4D97-AF65-F5344CB8AC3E}">
+        <p14:creationId xmlns:p14="http://schemas.microsoft.com/office/powerpoint/2010/main" val="4124096476"/>
+      </p:ext>
+    </p:extLst>
+  </p:cSld>
+  <p:clrMapOvr>
+    <a:masterClrMapping/>
+  </p:clrMapOvr>
+</p:sld>
+</file>
+
+<file path=ppt/slides/slide14.xml><?xml version="1.0" encoding="utf-8"?>
+<p:sld xmlns:a="http://schemas.openxmlformats.org/drawingml/2006/main" xmlns:r="http://schemas.openxmlformats.org/officeDocument/2006/relationships" xmlns:p="http://schemas.openxmlformats.org/presentationml/2006/main">
+  <p:cSld>
+    <p:spTree>
+      <p:nvGrpSpPr>
+        <p:cNvPr id="1" name=""/>
+        <p:cNvGrpSpPr/>
+        <p:nvPr/>
+      </p:nvGrpSpPr>
+      <p:grpSpPr>
+        <a:xfrm>
+          <a:off x="0" y="0"/>
+          <a:ext cx="0" cy="0"/>
+          <a:chOff x="0" y="0"/>
+          <a:chExt cx="0" cy="0"/>
+        </a:xfrm>
+      </p:grpSpPr>
+      <mc:AlternateContent xmlns:mc="http://schemas.openxmlformats.org/markup-compatibility/2006">
+        <mc:Choice xmlns:a14="http://schemas.microsoft.com/office/drawing/2010/main" Requires="a14">
+          <p:sp>
+            <p:nvSpPr>
+              <p:cNvPr id="2" name="Title 1">
+                <a:extLst>
+                  <a:ext uri="{FF2B5EF4-FFF2-40B4-BE49-F238E27FC236}">
+                    <a16:creationId xmlns:a16="http://schemas.microsoft.com/office/drawing/2014/main" id="{3951448B-0148-DF82-BC3C-473B3ACA28B6}"/>
+                  </a:ext>
+                </a:extLst>
+              </p:cNvPr>
+              <p:cNvSpPr>
+                <a:spLocks noGrp="1"/>
+              </p:cNvSpPr>
+              <p:nvPr>
+                <p:ph type="title"/>
+              </p:nvPr>
+            </p:nvSpPr>
+            <p:spPr>
+              <a:xfrm>
+                <a:off x="581192" y="702156"/>
+                <a:ext cx="11029616" cy="634808"/>
+              </a:xfrm>
+            </p:spPr>
+            <p:txBody>
+              <a:bodyPr/>
+              <a:lstStyle/>
+              <a:p>
+                <a14:m>
+                  <m:oMath xmlns:m="http://schemas.openxmlformats.org/officeDocument/2006/math">
+                    <m:sSup>
+                      <m:sSupPr>
+                        <m:ctrlPr>
+                          <a:rPr lang="en-US" b="0" i="1" smtClean="0">
+                            <a:latin typeface="Cambria Math" panose="02040503050406030204" pitchFamily="18" charset="0"/>
+                          </a:rPr>
+                        </m:ctrlPr>
+                      </m:sSupPr>
+                      <m:e>
+                        <m:r>
+                          <a:rPr lang="en-US" b="0" i="1" smtClean="0">
+                            <a:latin typeface="Cambria Math" panose="02040503050406030204" pitchFamily="18" charset="0"/>
+                          </a:rPr>
+                          <m:t>𝑅</m:t>
+                        </m:r>
+                      </m:e>
+                      <m:sup>
+                        <m:r>
+                          <a:rPr lang="en-US" b="0" i="1" smtClean="0">
+                            <a:latin typeface="Cambria Math" panose="02040503050406030204" pitchFamily="18" charset="0"/>
+                          </a:rPr>
+                          <m:t>2</m:t>
+                        </m:r>
+                      </m:sup>
+                    </m:sSup>
+                    <m:r>
+                      <a:rPr lang="en-US" b="0" i="1" smtClean="0">
+                        <a:latin typeface="Cambria Math" panose="02040503050406030204" pitchFamily="18" charset="0"/>
+                      </a:rPr>
+                      <m:t> </m:t>
+                    </m:r>
+                  </m:oMath>
+                </a14:m>
+                <a:r>
+                  <a:rPr lang="en-US" dirty="0"/>
+                  <a:t> VS. adjusted </a:t>
+                </a:r>
+                <a14:m>
+                  <m:oMath xmlns:m="http://schemas.openxmlformats.org/officeDocument/2006/math">
+                    <m:sSup>
+                      <m:sSupPr>
+                        <m:ctrlPr>
+                          <a:rPr lang="en-US" b="0" i="1" smtClean="0">
+                            <a:latin typeface="Cambria Math" panose="02040503050406030204" pitchFamily="18" charset="0"/>
+                          </a:rPr>
+                        </m:ctrlPr>
+                      </m:sSupPr>
+                      <m:e>
+                        <m:r>
+                          <a:rPr lang="en-US" b="0" i="1" smtClean="0">
+                            <a:latin typeface="Cambria Math" panose="02040503050406030204" pitchFamily="18" charset="0"/>
+                          </a:rPr>
+                          <m:t>𝑅</m:t>
+                        </m:r>
+                      </m:e>
+                      <m:sup>
+                        <m:r>
+                          <a:rPr lang="en-US" b="0" i="1" smtClean="0">
+                            <a:latin typeface="Cambria Math" panose="02040503050406030204" pitchFamily="18" charset="0"/>
+                          </a:rPr>
+                          <m:t>2</m:t>
+                        </m:r>
+                      </m:sup>
+                    </m:sSup>
+                  </m:oMath>
+                </a14:m>
+                <a:endParaRPr lang="en-US" dirty="0"/>
+              </a:p>
+            </p:txBody>
+          </p:sp>
+        </mc:Choice>
+        <mc:Fallback>
+          <p:sp>
+            <p:nvSpPr>
+              <p:cNvPr id="2" name="Title 1">
+                <a:extLst>
+                  <a:ext uri="{FF2B5EF4-FFF2-40B4-BE49-F238E27FC236}">
+                    <a16:creationId xmlns:a16="http://schemas.microsoft.com/office/drawing/2014/main" id="{3951448B-0148-DF82-BC3C-473B3ACA28B6}"/>
+                  </a:ext>
+                </a:extLst>
+              </p:cNvPr>
+              <p:cNvSpPr>
+                <a:spLocks noGrp="1" noRot="1" noChangeAspect="1" noMove="1" noResize="1" noEditPoints="1" noAdjustHandles="1" noChangeArrowheads="1" noChangeShapeType="1" noTextEdit="1"/>
+              </p:cNvSpPr>
+              <p:nvPr>
+                <p:ph type="title"/>
+              </p:nvPr>
+            </p:nvSpPr>
+            <p:spPr>
+              <a:xfrm>
+                <a:off x="581192" y="702156"/>
+                <a:ext cx="11029616" cy="634808"/>
+              </a:xfrm>
+              <a:blipFill>
+                <a:blip r:embed="rId2"/>
+                <a:stretch>
+                  <a:fillRect b="-27885"/>
+                </a:stretch>
+              </a:blipFill>
+            </p:spPr>
+            <p:txBody>
+              <a:bodyPr/>
+              <a:lstStyle/>
+              <a:p>
+                <a:r>
+                  <a:rPr lang="en-US">
+                    <a:noFill/>
+                  </a:rPr>
+                  <a:t> </a:t>
+                </a:r>
+              </a:p>
+            </p:txBody>
+          </p:sp>
+        </mc:Fallback>
+      </mc:AlternateContent>
+      <p:pic>
+        <p:nvPicPr>
+          <p:cNvPr id="4" name="Google Shape;722;p69">
+            <a:extLst>
+              <a:ext uri="{FF2B5EF4-FFF2-40B4-BE49-F238E27FC236}">
+                <a16:creationId xmlns:a16="http://schemas.microsoft.com/office/drawing/2014/main" id="{FBC5A440-1C21-B36E-B46E-103DFE754805}"/>
+              </a:ext>
+            </a:extLst>
+          </p:cNvPr>
+          <p:cNvPicPr preferRelativeResize="0"/>
+          <p:nvPr/>
+        </p:nvPicPr>
+        <p:blipFill rotWithShape="1">
+          <a:blip r:embed="rId3">
+            <a:alphaModFix/>
+          </a:blip>
+          <a:srcRect t="17830"/>
+          <a:stretch/>
+        </p:blipFill>
+        <p:spPr>
+          <a:xfrm>
+            <a:off x="2963951" y="2968883"/>
+            <a:ext cx="6521100" cy="3457150"/>
+          </a:xfrm>
+          <a:prstGeom prst="rect">
+            <a:avLst/>
+          </a:prstGeom>
+          <a:noFill/>
+          <a:ln>
+            <a:noFill/>
+          </a:ln>
+        </p:spPr>
+      </p:pic>
+      <mc:AlternateContent xmlns:mc="http://schemas.openxmlformats.org/markup-compatibility/2006">
+        <mc:Choice xmlns:a14="http://schemas.microsoft.com/office/drawing/2010/main" Requires="a14">
+          <p:sp>
+            <p:nvSpPr>
+              <p:cNvPr id="5" name="TextBox 4">
+                <a:extLst>
+                  <a:ext uri="{FF2B5EF4-FFF2-40B4-BE49-F238E27FC236}">
+                    <a16:creationId xmlns:a16="http://schemas.microsoft.com/office/drawing/2014/main" id="{E221CB0B-5E4A-B4B8-9BE3-65CAB03292F7}"/>
+                  </a:ext>
+                </a:extLst>
+              </p:cNvPr>
+              <p:cNvSpPr txBox="1"/>
+              <p:nvPr/>
+            </p:nvSpPr>
+            <p:spPr>
+              <a:xfrm>
+                <a:off x="4239491" y="1753465"/>
+                <a:ext cx="3713018" cy="665567"/>
+              </a:xfrm>
+              <a:prstGeom prst="rect">
+                <a:avLst/>
+              </a:prstGeom>
+              <a:noFill/>
+            </p:spPr>
+            <p:txBody>
+              <a:bodyPr wrap="square" rtlCol="0">
+                <a:spAutoFit/>
+              </a:bodyPr>
+              <a:lstStyle/>
+              <a:p>
+                <a14:m>
+                  <m:oMathPara xmlns:m="http://schemas.openxmlformats.org/officeDocument/2006/math">
+                    <m:oMathParaPr>
+                      <m:jc m:val="centerGroup"/>
+                    </m:oMathParaPr>
+                    <m:oMath xmlns:m="http://schemas.openxmlformats.org/officeDocument/2006/math">
+                      <m:sSup>
+                        <m:sSupPr>
+                          <m:ctrlPr>
+                            <a:rPr lang="en-US" b="0" i="1" smtClean="0">
+                              <a:latin typeface="Cambria Math" panose="02040503050406030204" pitchFamily="18" charset="0"/>
+                            </a:rPr>
+                          </m:ctrlPr>
+                        </m:sSupPr>
+                        <m:e>
+                          <m:r>
+                            <a:rPr lang="en-US" b="0" i="1" smtClean="0">
+                              <a:latin typeface="Cambria Math" panose="02040503050406030204" pitchFamily="18" charset="0"/>
+                            </a:rPr>
+                            <m:t>𝑅</m:t>
+                          </m:r>
+                        </m:e>
+                        <m:sup>
+                          <m:r>
+                            <a:rPr lang="en-US" b="0" i="1" smtClean="0">
+                              <a:latin typeface="Cambria Math" panose="02040503050406030204" pitchFamily="18" charset="0"/>
+                            </a:rPr>
+                            <m:t>2</m:t>
+                          </m:r>
+                        </m:sup>
+                      </m:sSup>
+                      <m:r>
+                        <a:rPr lang="en-US" b="0" i="1" smtClean="0">
+                          <a:latin typeface="Cambria Math" panose="02040503050406030204" pitchFamily="18" charset="0"/>
+                        </a:rPr>
+                        <m:t>=</m:t>
+                      </m:r>
+                      <m:f>
+                        <m:fPr>
+                          <m:ctrlPr>
+                            <a:rPr lang="en-US" b="0" i="1" smtClean="0">
+                              <a:latin typeface="Cambria Math" panose="02040503050406030204" pitchFamily="18" charset="0"/>
+                            </a:rPr>
+                          </m:ctrlPr>
+                        </m:fPr>
+                        <m:num>
+                          <m:r>
+                            <a:rPr lang="en-US" b="0" i="1" smtClean="0">
+                              <a:latin typeface="Cambria Math" panose="02040503050406030204" pitchFamily="18" charset="0"/>
+                            </a:rPr>
+                            <m:t>𝑒𝑥𝑝𝑙𝑎𝑖𝑛𝑒𝑑</m:t>
+                          </m:r>
+                          <m:r>
+                            <a:rPr lang="en-US" b="0" i="1" smtClean="0">
+                              <a:latin typeface="Cambria Math" panose="02040503050406030204" pitchFamily="18" charset="0"/>
+                            </a:rPr>
+                            <m:t> </m:t>
+                          </m:r>
+                          <m:r>
+                            <a:rPr lang="en-US" b="0" i="1" smtClean="0">
+                              <a:latin typeface="Cambria Math" panose="02040503050406030204" pitchFamily="18" charset="0"/>
+                            </a:rPr>
+                            <m:t>𝑣𝑎𝑟𝑖𝑎𝑏𝑖𝑙𝑖𝑡𝑦</m:t>
+                          </m:r>
+                        </m:num>
+                        <m:den>
+                          <m:r>
+                            <a:rPr lang="en-US" b="0" i="1" smtClean="0">
+                              <a:latin typeface="Cambria Math" panose="02040503050406030204" pitchFamily="18" charset="0"/>
+                            </a:rPr>
+                            <m:t>𝑡𝑜𝑡𝑎𝑙</m:t>
+                          </m:r>
+                          <m:r>
+                            <a:rPr lang="en-US" b="0" i="1" smtClean="0">
+                              <a:latin typeface="Cambria Math" panose="02040503050406030204" pitchFamily="18" charset="0"/>
+                            </a:rPr>
+                            <m:t> </m:t>
+                          </m:r>
+                          <m:r>
+                            <a:rPr lang="en-US" b="0" i="1" smtClean="0">
+                              <a:latin typeface="Cambria Math" panose="02040503050406030204" pitchFamily="18" charset="0"/>
+                            </a:rPr>
+                            <m:t>𝑣𝑎𝑟𝑖𝑎𝑏𝑖𝑙𝑖𝑡𝑦</m:t>
+                          </m:r>
+                        </m:den>
+                      </m:f>
+                    </m:oMath>
+                  </m:oMathPara>
+                </a14:m>
+                <a:endParaRPr lang="en-US" dirty="0"/>
+              </a:p>
+            </p:txBody>
+          </p:sp>
+        </mc:Choice>
+        <mc:Fallback>
+          <p:sp>
+            <p:nvSpPr>
+              <p:cNvPr id="5" name="TextBox 4">
+                <a:extLst>
+                  <a:ext uri="{FF2B5EF4-FFF2-40B4-BE49-F238E27FC236}">
+                    <a16:creationId xmlns:a16="http://schemas.microsoft.com/office/drawing/2014/main" id="{E221CB0B-5E4A-B4B8-9BE3-65CAB03292F7}"/>
+                  </a:ext>
+                </a:extLst>
+              </p:cNvPr>
+              <p:cNvSpPr txBox="1">
+                <a:spLocks noRot="1" noChangeAspect="1" noMove="1" noResize="1" noEditPoints="1" noAdjustHandles="1" noChangeArrowheads="1" noChangeShapeType="1" noTextEdit="1"/>
+              </p:cNvSpPr>
+              <p:nvPr/>
+            </p:nvSpPr>
+            <p:spPr>
+              <a:xfrm>
+                <a:off x="4239491" y="1753465"/>
+                <a:ext cx="3713018" cy="665567"/>
+              </a:xfrm>
+              <a:prstGeom prst="rect">
+                <a:avLst/>
+              </a:prstGeom>
+              <a:blipFill>
+                <a:blip r:embed="rId4"/>
+                <a:stretch>
+                  <a:fillRect/>
+                </a:stretch>
+              </a:blipFill>
+            </p:spPr>
+            <p:txBody>
+              <a:bodyPr/>
+              <a:lstStyle/>
+              <a:p>
+                <a:r>
+                  <a:rPr lang="en-US">
+                    <a:noFill/>
+                  </a:rPr>
+                  <a:t> </a:t>
+                </a:r>
+              </a:p>
+            </p:txBody>
+          </p:sp>
+        </mc:Fallback>
+      </mc:AlternateContent>
+    </p:spTree>
+    <p:extLst>
+      <p:ext uri="{BB962C8B-B14F-4D97-AF65-F5344CB8AC3E}">
+        <p14:creationId xmlns:p14="http://schemas.microsoft.com/office/powerpoint/2010/main" val="614724854"/>
+      </p:ext>
+    </p:extLst>
+  </p:cSld>
+  <p:clrMapOvr>
+    <a:masterClrMapping/>
+  </p:clrMapOvr>
+</p:sld>
+</file>
+
+<file path=ppt/slides/slide15.xml><?xml version="1.0" encoding="utf-8"?>
+<p:sld xmlns:a="http://schemas.openxmlformats.org/drawingml/2006/main" xmlns:r="http://schemas.openxmlformats.org/officeDocument/2006/relationships" xmlns:p="http://schemas.openxmlformats.org/presentationml/2006/main">
+  <p:cSld>
+    <p:spTree>
+      <p:nvGrpSpPr>
+        <p:cNvPr id="1" name=""/>
+        <p:cNvGrpSpPr/>
+        <p:nvPr/>
+      </p:nvGrpSpPr>
+      <p:grpSpPr>
+        <a:xfrm>
+          <a:off x="0" y="0"/>
+          <a:ext cx="0" cy="0"/>
+          <a:chOff x="0" y="0"/>
+          <a:chExt cx="0" cy="0"/>
+        </a:xfrm>
+      </p:grpSpPr>
+      <mc:AlternateContent xmlns:mc="http://schemas.openxmlformats.org/markup-compatibility/2006">
+        <mc:Choice xmlns:a14="http://schemas.microsoft.com/office/drawing/2010/main" Requires="a14">
+          <p:sp>
+            <p:nvSpPr>
+              <p:cNvPr id="2" name="Title 1">
+                <a:extLst>
+                  <a:ext uri="{FF2B5EF4-FFF2-40B4-BE49-F238E27FC236}">
+                    <a16:creationId xmlns:a16="http://schemas.microsoft.com/office/drawing/2014/main" id="{ABFFB2B6-7372-ABC9-B249-894F7B753168}"/>
+                  </a:ext>
+                </a:extLst>
+              </p:cNvPr>
+              <p:cNvSpPr>
+                <a:spLocks noGrp="1"/>
+              </p:cNvSpPr>
+              <p:nvPr>
+                <p:ph type="title"/>
+              </p:nvPr>
+            </p:nvSpPr>
+            <p:spPr>
+              <a:xfrm>
+                <a:off x="581192" y="702156"/>
+                <a:ext cx="11029616" cy="634808"/>
+              </a:xfrm>
+            </p:spPr>
+            <p:txBody>
+              <a:bodyPr/>
+              <a:lstStyle/>
+              <a:p>
+                <a14:m>
+                  <m:oMath xmlns:m="http://schemas.openxmlformats.org/officeDocument/2006/math">
+                    <m:sSup>
+                      <m:sSupPr>
+                        <m:ctrlPr>
+                          <a:rPr lang="en-US" b="0" i="1" smtClean="0">
+                            <a:latin typeface="Cambria Math" panose="02040503050406030204" pitchFamily="18" charset="0"/>
+                          </a:rPr>
+                        </m:ctrlPr>
+                      </m:sSupPr>
+                      <m:e>
+                        <m:r>
+                          <a:rPr lang="en-US" b="0" i="1" smtClean="0">
+                            <a:latin typeface="Cambria Math" panose="02040503050406030204" pitchFamily="18" charset="0"/>
+                          </a:rPr>
+                          <m:t>𝑅</m:t>
+                        </m:r>
+                      </m:e>
+                      <m:sup>
+                        <m:r>
+                          <a:rPr lang="en-US" b="0" i="1" smtClean="0">
+                            <a:latin typeface="Cambria Math" panose="02040503050406030204" pitchFamily="18" charset="0"/>
+                          </a:rPr>
+                          <m:t>2</m:t>
+                        </m:r>
+                      </m:sup>
+                    </m:sSup>
+                    <m:r>
+                      <a:rPr lang="en-US" b="0" i="1" smtClean="0">
+                        <a:latin typeface="Cambria Math" panose="02040503050406030204" pitchFamily="18" charset="0"/>
+                      </a:rPr>
+                      <m:t> </m:t>
+                    </m:r>
+                  </m:oMath>
+                </a14:m>
+                <a:r>
+                  <a:rPr lang="en-US" dirty="0"/>
+                  <a:t> VS. adjusted </a:t>
+                </a:r>
+                <a14:m>
+                  <m:oMath xmlns:m="http://schemas.openxmlformats.org/officeDocument/2006/math">
+                    <m:sSup>
+                      <m:sSupPr>
+                        <m:ctrlPr>
+                          <a:rPr lang="en-US" b="0" i="1" smtClean="0">
+                            <a:latin typeface="Cambria Math" panose="02040503050406030204" pitchFamily="18" charset="0"/>
+                          </a:rPr>
+                        </m:ctrlPr>
+                      </m:sSupPr>
+                      <m:e>
+                        <m:r>
+                          <a:rPr lang="en-US" b="0" i="1" smtClean="0">
+                            <a:latin typeface="Cambria Math" panose="02040503050406030204" pitchFamily="18" charset="0"/>
+                          </a:rPr>
+                          <m:t>𝑅</m:t>
+                        </m:r>
+                      </m:e>
+                      <m:sup>
+                        <m:r>
+                          <a:rPr lang="en-US" b="0" i="1" smtClean="0">
+                            <a:latin typeface="Cambria Math" panose="02040503050406030204" pitchFamily="18" charset="0"/>
+                          </a:rPr>
+                          <m:t>2</m:t>
+                        </m:r>
+                      </m:sup>
+                    </m:sSup>
+                  </m:oMath>
+                </a14:m>
+                <a:endParaRPr lang="en-US" dirty="0"/>
+              </a:p>
+            </p:txBody>
+          </p:sp>
+        </mc:Choice>
+        <mc:Fallback>
+          <p:sp>
+            <p:nvSpPr>
+              <p:cNvPr id="2" name="Title 1">
+                <a:extLst>
+                  <a:ext uri="{FF2B5EF4-FFF2-40B4-BE49-F238E27FC236}">
+                    <a16:creationId xmlns:a16="http://schemas.microsoft.com/office/drawing/2014/main" id="{ABFFB2B6-7372-ABC9-B249-894F7B753168}"/>
+                  </a:ext>
+                </a:extLst>
+              </p:cNvPr>
+              <p:cNvSpPr>
+                <a:spLocks noGrp="1" noRot="1" noChangeAspect="1" noMove="1" noResize="1" noEditPoints="1" noAdjustHandles="1" noChangeArrowheads="1" noChangeShapeType="1" noTextEdit="1"/>
+              </p:cNvSpPr>
+              <p:nvPr>
+                <p:ph type="title"/>
+              </p:nvPr>
+            </p:nvSpPr>
+            <p:spPr>
+              <a:xfrm>
+                <a:off x="581192" y="702156"/>
+                <a:ext cx="11029616" cy="634808"/>
+              </a:xfrm>
+              <a:blipFill>
+                <a:blip r:embed="rId2"/>
+                <a:stretch>
+                  <a:fillRect b="-27885"/>
+                </a:stretch>
+              </a:blipFill>
+            </p:spPr>
+            <p:txBody>
+              <a:bodyPr/>
+              <a:lstStyle/>
+              <a:p>
+                <a:r>
+                  <a:rPr lang="en-US">
+                    <a:noFill/>
+                  </a:rPr>
+                  <a:t> </a:t>
+                </a:r>
+              </a:p>
+            </p:txBody>
+          </p:sp>
+        </mc:Fallback>
+      </mc:AlternateContent>
+      <p:pic>
+        <p:nvPicPr>
+          <p:cNvPr id="4" name="Content Placeholder 3">
+            <a:extLst>
+              <a:ext uri="{FF2B5EF4-FFF2-40B4-BE49-F238E27FC236}">
+                <a16:creationId xmlns:a16="http://schemas.microsoft.com/office/drawing/2014/main" id="{D40C65B0-00F9-E82D-80AC-0D230C1CA875}"/>
+              </a:ext>
+            </a:extLst>
+          </p:cNvPr>
+          <p:cNvPicPr>
+            <a:picLocks noGrp="1" noChangeAspect="1"/>
+          </p:cNvPicPr>
+          <p:nvPr>
+            <p:ph idx="1"/>
+          </p:nvPr>
+        </p:nvPicPr>
+        <p:blipFill>
+          <a:blip r:embed="rId3"/>
+          <a:stretch>
+            <a:fillRect/>
+          </a:stretch>
+        </p:blipFill>
+        <p:spPr>
+          <a:xfrm>
+            <a:off x="3804769" y="1628776"/>
+            <a:ext cx="6100866" cy="4395932"/>
+          </a:xfrm>
+          <a:prstGeom prst="rect">
+            <a:avLst/>
+          </a:prstGeom>
+        </p:spPr>
+      </p:pic>
+    </p:spTree>
+    <p:extLst>
+      <p:ext uri="{BB962C8B-B14F-4D97-AF65-F5344CB8AC3E}">
+        <p14:creationId xmlns:p14="http://schemas.microsoft.com/office/powerpoint/2010/main" val="1359346405"/>
+      </p:ext>
+    </p:extLst>
+  </p:cSld>
+  <p:clrMapOvr>
+    <a:masterClrMapping/>
+  </p:clrMapOvr>
+</p:sld>
+</file>
+
+<file path=ppt/slides/slide16.xml><?xml version="1.0" encoding="utf-8"?>
+<p:sld xmlns:a="http://schemas.openxmlformats.org/drawingml/2006/main" xmlns:r="http://schemas.openxmlformats.org/officeDocument/2006/relationships" xmlns:p="http://schemas.openxmlformats.org/presentationml/2006/main">
+  <p:cSld>
+    <p:spTree>
+      <p:nvGrpSpPr>
+        <p:cNvPr id="1" name=""/>
+        <p:cNvGrpSpPr/>
+        <p:nvPr/>
+      </p:nvGrpSpPr>
+      <p:grpSpPr>
+        <a:xfrm>
+          <a:off x="0" y="0"/>
+          <a:ext cx="0" cy="0"/>
+          <a:chOff x="0" y="0"/>
+          <a:chExt cx="0" cy="0"/>
+        </a:xfrm>
+      </p:grpSpPr>
+      <p:sp>
+        <p:nvSpPr>
+          <p:cNvPr id="2" name="Title 1">
+            <a:extLst>
+              <a:ext uri="{FF2B5EF4-FFF2-40B4-BE49-F238E27FC236}">
+                <a16:creationId xmlns:a16="http://schemas.microsoft.com/office/drawing/2014/main" id="{83446664-40C7-48DF-7FC2-0C2B8EA6EC4E}"/>
+              </a:ext>
+            </a:extLst>
+          </p:cNvPr>
+          <p:cNvSpPr>
+            <a:spLocks noGrp="1"/>
+          </p:cNvSpPr>
+          <p:nvPr>
+            <p:ph type="title"/>
+          </p:nvPr>
+        </p:nvSpPr>
+        <p:spPr>
+          <a:xfrm>
+            <a:off x="581192" y="702156"/>
+            <a:ext cx="11029616" cy="600171"/>
+          </a:xfrm>
+        </p:spPr>
+        <p:txBody>
+          <a:bodyPr/>
+          <a:lstStyle/>
+          <a:p>
+            <a:r>
+              <a:rPr lang="en-US" dirty="0"/>
+              <a:t>COLLINEARITY BETWEEN INDEPENDENT VARIABLES</a:t>
+            </a:r>
+          </a:p>
+        </p:txBody>
+      </p:sp>
+      <p:sp>
+        <p:nvSpPr>
+          <p:cNvPr id="3" name="Content Placeholder 2">
+            <a:extLst>
+              <a:ext uri="{FF2B5EF4-FFF2-40B4-BE49-F238E27FC236}">
+                <a16:creationId xmlns:a16="http://schemas.microsoft.com/office/drawing/2014/main" id="{549E9C26-DB7A-9E7B-9C06-3636B6154D05}"/>
+              </a:ext>
+            </a:extLst>
+          </p:cNvPr>
+          <p:cNvSpPr>
+            <a:spLocks noGrp="1"/>
+          </p:cNvSpPr>
+          <p:nvPr>
+            <p:ph idx="1"/>
+          </p:nvPr>
+        </p:nvSpPr>
+        <p:spPr>
+          <a:xfrm>
+            <a:off x="581191" y="1427018"/>
+            <a:ext cx="11029615" cy="4395932"/>
+          </a:xfrm>
+        </p:spPr>
+        <p:txBody>
+          <a:bodyPr>
+            <a:normAutofit/>
+          </a:bodyPr>
+          <a:lstStyle/>
+          <a:p>
+            <a:pPr marR="12700" lvl="0">
+              <a:lnSpc>
+                <a:spcPct val="129800"/>
+              </a:lnSpc>
+              <a:buFont typeface="Wingdings" panose="05000000000000000000" pitchFamily="2" charset="2"/>
+              <a:buChar char="q"/>
+            </a:pPr>
+            <a:r>
+              <a:rPr lang="en-US" dirty="0">
+                <a:latin typeface="Cambria Math" panose="02040503050406030204" pitchFamily="18" charset="0"/>
+                <a:sym typeface="Arial"/>
+              </a:rPr>
+              <a:t>Two </a:t>
+            </a:r>
+            <a:r>
+              <a:rPr lang="en-US" altLang="zh-CN" dirty="0">
+                <a:latin typeface="Cambria Math" panose="02040503050406030204" pitchFamily="18" charset="0"/>
+                <a:sym typeface="Arial"/>
+              </a:rPr>
+              <a:t>independent</a:t>
+            </a:r>
+            <a:r>
+              <a:rPr lang="en-US" dirty="0">
+                <a:latin typeface="Cambria Math" panose="02040503050406030204" pitchFamily="18" charset="0"/>
+                <a:sym typeface="Arial"/>
+              </a:rPr>
+              <a:t> variables are said to be collinear when they are  correlated, and this collinearity complicates model estimation.</a:t>
+            </a:r>
+          </a:p>
+          <a:p>
+            <a:pPr marR="12700" lvl="0">
+              <a:lnSpc>
+                <a:spcPct val="129800"/>
+              </a:lnSpc>
+              <a:buFont typeface="Wingdings" panose="05000000000000000000" pitchFamily="2" charset="2"/>
+              <a:buChar char="q"/>
+            </a:pPr>
+            <a:r>
+              <a:rPr lang="en-US" dirty="0">
+                <a:latin typeface="Cambria Math" panose="02040503050406030204" pitchFamily="18" charset="0"/>
+              </a:rPr>
+              <a:t>We don’t like adding </a:t>
+            </a:r>
+            <a:r>
+              <a:rPr lang="en-US" altLang="zh-CN" dirty="0">
+                <a:latin typeface="Cambria Math" panose="02040503050406030204" pitchFamily="18" charset="0"/>
+                <a:sym typeface="Arial"/>
+              </a:rPr>
+              <a:t>independent</a:t>
+            </a:r>
+            <a:r>
+              <a:rPr lang="en-US" dirty="0">
+                <a:latin typeface="Cambria Math" panose="02040503050406030204" pitchFamily="18" charset="0"/>
+              </a:rPr>
+              <a:t> that are associated with each  other to the model, because often times the addition of such  variable brings nothing to the table. Instead, we prefer the  simplest best model, i.e. </a:t>
+            </a:r>
+            <a:r>
+              <a:rPr lang="en-US" b="1" dirty="0">
+                <a:latin typeface="Cambria Math" panose="02040503050406030204" pitchFamily="18" charset="0"/>
+              </a:rPr>
+              <a:t>parsimonious</a:t>
+            </a:r>
+            <a:r>
+              <a:rPr lang="en-US" dirty="0">
+                <a:latin typeface="Cambria Math" panose="02040503050406030204" pitchFamily="18" charset="0"/>
+              </a:rPr>
+              <a:t> model.</a:t>
+            </a:r>
+          </a:p>
+          <a:p>
+            <a:pPr marR="12700" lvl="0">
+              <a:lnSpc>
+                <a:spcPct val="129800"/>
+              </a:lnSpc>
+              <a:buFont typeface="Wingdings" panose="05000000000000000000" pitchFamily="2" charset="2"/>
+              <a:buChar char="q"/>
+            </a:pPr>
+            <a:r>
+              <a:rPr lang="en-US" dirty="0">
+                <a:latin typeface="Cambria Math" panose="02040503050406030204" pitchFamily="18" charset="0"/>
+              </a:rPr>
+              <a:t>While it’s impossible to avoid collinearity from arising in observational data, experiments are usually designed to prevent correlation among predictors.</a:t>
+            </a:r>
+          </a:p>
+        </p:txBody>
+      </p:sp>
+    </p:spTree>
+    <p:extLst>
+      <p:ext uri="{BB962C8B-B14F-4D97-AF65-F5344CB8AC3E}">
+        <p14:creationId xmlns:p14="http://schemas.microsoft.com/office/powerpoint/2010/main" val="4058820749"/>
+      </p:ext>
+    </p:extLst>
+  </p:cSld>
+  <p:clrMapOvr>
+    <a:masterClrMapping/>
+  </p:clrMapOvr>
+</p:sld>
+</file>
+
+<file path=ppt/slides/slide17.xml><?xml version="1.0" encoding="utf-8"?>
+<p:sld xmlns:a="http://schemas.openxmlformats.org/drawingml/2006/main" xmlns:r="http://schemas.openxmlformats.org/officeDocument/2006/relationships" xmlns:p="http://schemas.openxmlformats.org/presentationml/2006/main">
+  <p:cSld>
+    <p:spTree>
+      <p:nvGrpSpPr>
+        <p:cNvPr id="1" name=""/>
+        <p:cNvGrpSpPr/>
+        <p:nvPr/>
+      </p:nvGrpSpPr>
+      <p:grpSpPr>
+        <a:xfrm>
+          <a:off x="0" y="0"/>
+          <a:ext cx="0" cy="0"/>
+          <a:chOff x="0" y="0"/>
+          <a:chExt cx="0" cy="0"/>
+        </a:xfrm>
+      </p:grpSpPr>
+      <p:sp>
+        <p:nvSpPr>
+          <p:cNvPr id="2" name="Title 1">
+            <a:extLst>
+              <a:ext uri="{FF2B5EF4-FFF2-40B4-BE49-F238E27FC236}">
+                <a16:creationId xmlns:a16="http://schemas.microsoft.com/office/drawing/2014/main" id="{D956CBD1-51CF-D86F-B769-F95E471B1EC4}"/>
+              </a:ext>
+            </a:extLst>
+          </p:cNvPr>
+          <p:cNvSpPr>
+            <a:spLocks noGrp="1"/>
+          </p:cNvSpPr>
+          <p:nvPr>
+            <p:ph type="title"/>
+          </p:nvPr>
+        </p:nvSpPr>
+        <p:spPr>
+          <a:xfrm>
+            <a:off x="581192" y="549756"/>
+            <a:ext cx="11029616" cy="558608"/>
+          </a:xfrm>
+        </p:spPr>
+        <p:txBody>
+          <a:bodyPr>
+            <a:normAutofit/>
+          </a:bodyPr>
+          <a:lstStyle/>
+          <a:p>
+            <a:r>
+              <a:rPr lang="en-US" dirty="0"/>
+              <a:t>COLLINEARITY DIAGNOSTICS</a:t>
+            </a:r>
+          </a:p>
+        </p:txBody>
+      </p:sp>
+      <mc:AlternateContent xmlns:mc="http://schemas.openxmlformats.org/markup-compatibility/2006">
+        <mc:Choice xmlns:a14="http://schemas.microsoft.com/office/drawing/2010/main" Requires="a14">
+          <p:sp>
+            <p:nvSpPr>
+              <p:cNvPr id="3" name="Content Placeholder 2">
+                <a:extLst>
+                  <a:ext uri="{FF2B5EF4-FFF2-40B4-BE49-F238E27FC236}">
+                    <a16:creationId xmlns:a16="http://schemas.microsoft.com/office/drawing/2014/main" id="{B168DD0E-0E1A-65EC-1B44-848FA4AABE7A}"/>
+                  </a:ext>
+                </a:extLst>
+              </p:cNvPr>
+              <p:cNvSpPr>
+                <a:spLocks noGrp="1"/>
+              </p:cNvSpPr>
+              <p:nvPr>
+                <p:ph idx="1"/>
+              </p:nvPr>
+            </p:nvSpPr>
+            <p:spPr>
+              <a:xfrm>
+                <a:off x="643537" y="1350818"/>
+                <a:ext cx="11029615" cy="2259157"/>
+              </a:xfrm>
+            </p:spPr>
+            <p:txBody>
+              <a:bodyPr>
+                <a:normAutofit/>
+              </a:bodyPr>
+              <a:lstStyle/>
+              <a:p>
+                <a:pPr marL="0" indent="0">
+                  <a:buNone/>
+                </a:pPr>
+                <a:r>
+                  <a:rPr lang="en-US" sz="2400" dirty="0"/>
+                  <a:t>VIF: </a:t>
+                </a:r>
+                <a:r>
+                  <a:rPr lang="en-US" sz="2400" b="0" i="0" dirty="0">
+                    <a:solidFill>
+                      <a:srgbClr val="000000"/>
+                    </a:solidFill>
+                    <a:effectLst/>
+                  </a:rPr>
+                  <a:t>variance-inflation factor</a:t>
+                </a:r>
+                <a:endParaRPr lang="en-US" sz="2400" dirty="0"/>
+              </a:p>
+              <a:p>
+                <a:r>
+                  <a:rPr lang="en-US" b="0" i="0" dirty="0">
+                    <a:solidFill>
+                      <a:srgbClr val="000000"/>
+                    </a:solidFill>
+                    <a:effectLst/>
+                  </a:rPr>
+                  <a:t>Variance inflation factor measure the inflation in the variances of the parameter estimates due to collinearities that exist among the predictors.</a:t>
+                </a:r>
+              </a:p>
+              <a:p>
+                <a:pPr marL="0" indent="0">
+                  <a:buNone/>
+                </a:pPr>
+                <a14:m>
+                  <m:oMathPara xmlns:m="http://schemas.openxmlformats.org/officeDocument/2006/math">
+                    <m:oMathParaPr>
+                      <m:jc m:val="centerGroup"/>
+                    </m:oMathParaPr>
+                    <m:oMath xmlns:m="http://schemas.openxmlformats.org/officeDocument/2006/math">
+                      <m:r>
+                        <a:rPr lang="en-US" b="0" i="1" smtClean="0">
+                          <a:latin typeface="Cambria Math" panose="02040503050406030204" pitchFamily="18" charset="0"/>
+                        </a:rPr>
+                        <m:t>𝑉𝐼</m:t>
+                      </m:r>
+                      <m:sSub>
+                        <m:sSubPr>
+                          <m:ctrlPr>
+                            <a:rPr lang="en-US" b="0" i="1" smtClean="0">
+                              <a:latin typeface="Cambria Math" panose="02040503050406030204" pitchFamily="18" charset="0"/>
+                            </a:rPr>
+                          </m:ctrlPr>
+                        </m:sSubPr>
+                        <m:e>
+                          <m:r>
+                            <a:rPr lang="en-US" b="0" i="1" smtClean="0">
+                              <a:latin typeface="Cambria Math" panose="02040503050406030204" pitchFamily="18" charset="0"/>
+                            </a:rPr>
+                            <m:t>𝐹</m:t>
+                          </m:r>
+                        </m:e>
+                        <m:sub>
+                          <m:r>
+                            <a:rPr lang="en-US" b="0" i="1" smtClean="0">
+                              <a:latin typeface="Cambria Math" panose="02040503050406030204" pitchFamily="18" charset="0"/>
+                            </a:rPr>
+                            <m:t>𝑖</m:t>
+                          </m:r>
+                        </m:sub>
+                      </m:sSub>
+                      <m:r>
+                        <a:rPr lang="en-US" b="0" i="1" smtClean="0">
+                          <a:latin typeface="Cambria Math" panose="02040503050406030204" pitchFamily="18" charset="0"/>
+                        </a:rPr>
+                        <m:t>=</m:t>
+                      </m:r>
+                      <m:f>
+                        <m:fPr>
+                          <m:ctrlPr>
+                            <a:rPr lang="en-US" b="0" i="1" smtClean="0">
+                              <a:latin typeface="Cambria Math" panose="02040503050406030204" pitchFamily="18" charset="0"/>
+                            </a:rPr>
+                          </m:ctrlPr>
+                        </m:fPr>
+                        <m:num>
+                          <m:r>
+                            <a:rPr lang="en-US" b="0" i="1" smtClean="0">
+                              <a:latin typeface="Cambria Math" panose="02040503050406030204" pitchFamily="18" charset="0"/>
+                            </a:rPr>
+                            <m:t>1</m:t>
+                          </m:r>
+                        </m:num>
+                        <m:den>
+                          <m:r>
+                            <a:rPr lang="en-US" b="0" i="1" smtClean="0">
+                              <a:latin typeface="Cambria Math" panose="02040503050406030204" pitchFamily="18" charset="0"/>
+                            </a:rPr>
+                            <m:t>1−</m:t>
+                          </m:r>
+                          <m:sSubSup>
+                            <m:sSubSupPr>
+                              <m:ctrlPr>
+                                <a:rPr lang="en-US" b="0" i="1" smtClean="0">
+                                  <a:latin typeface="Cambria Math" panose="02040503050406030204" pitchFamily="18" charset="0"/>
+                                </a:rPr>
+                              </m:ctrlPr>
+                            </m:sSubSupPr>
+                            <m:e>
+                              <m:r>
+                                <a:rPr lang="en-US" b="0" i="1" smtClean="0">
+                                  <a:latin typeface="Cambria Math" panose="02040503050406030204" pitchFamily="18" charset="0"/>
+                                </a:rPr>
+                                <m:t>𝑅</m:t>
+                              </m:r>
+                            </m:e>
+                            <m:sub>
+                              <m:r>
+                                <a:rPr lang="en-US" b="0" i="1" smtClean="0">
+                                  <a:latin typeface="Cambria Math" panose="02040503050406030204" pitchFamily="18" charset="0"/>
+                                </a:rPr>
+                                <m:t>𝑖</m:t>
+                              </m:r>
+                            </m:sub>
+                            <m:sup>
+                              <m:r>
+                                <a:rPr lang="en-US" b="0" i="1" smtClean="0">
+                                  <a:latin typeface="Cambria Math" panose="02040503050406030204" pitchFamily="18" charset="0"/>
+                                </a:rPr>
+                                <m:t>2</m:t>
+                              </m:r>
+                            </m:sup>
+                          </m:sSubSup>
+                        </m:den>
+                      </m:f>
+                      <m:r>
+                        <a:rPr lang="en-US" b="0" i="1" smtClean="0">
+                          <a:latin typeface="Cambria Math" panose="02040503050406030204" pitchFamily="18" charset="0"/>
+                        </a:rPr>
+                        <m:t>=</m:t>
+                      </m:r>
+                      <m:f>
+                        <m:fPr>
+                          <m:ctrlPr>
+                            <a:rPr lang="en-US" b="0" i="1" smtClean="0">
+                              <a:latin typeface="Cambria Math" panose="02040503050406030204" pitchFamily="18" charset="0"/>
+                            </a:rPr>
+                          </m:ctrlPr>
+                        </m:fPr>
+                        <m:num>
+                          <m:r>
+                            <a:rPr lang="en-US" b="0" i="1" smtClean="0">
+                              <a:latin typeface="Cambria Math" panose="02040503050406030204" pitchFamily="18" charset="0"/>
+                            </a:rPr>
+                            <m:t>1</m:t>
+                          </m:r>
+                        </m:num>
+                        <m:den>
+                          <m:r>
+                            <a:rPr lang="en-US" b="0" i="1" smtClean="0">
+                              <a:latin typeface="Cambria Math" panose="02040503050406030204" pitchFamily="18" charset="0"/>
+                            </a:rPr>
+                            <m:t>𝑇𝑜𝑙𝑒𝑟𝑎𝑛𝑐𝑒</m:t>
+                          </m:r>
+                        </m:den>
+                      </m:f>
+                    </m:oMath>
+                  </m:oMathPara>
+                </a14:m>
+                <a:endParaRPr lang="en-US" dirty="0"/>
+              </a:p>
+            </p:txBody>
+          </p:sp>
+        </mc:Choice>
+        <mc:Fallback>
+          <p:sp>
+            <p:nvSpPr>
+              <p:cNvPr id="3" name="Content Placeholder 2">
+                <a:extLst>
+                  <a:ext uri="{FF2B5EF4-FFF2-40B4-BE49-F238E27FC236}">
+                    <a16:creationId xmlns:a16="http://schemas.microsoft.com/office/drawing/2014/main" id="{B168DD0E-0E1A-65EC-1B44-848FA4AABE7A}"/>
+                  </a:ext>
+                </a:extLst>
+              </p:cNvPr>
+              <p:cNvSpPr>
+                <a:spLocks noGrp="1" noRot="1" noChangeAspect="1" noMove="1" noResize="1" noEditPoints="1" noAdjustHandles="1" noChangeArrowheads="1" noChangeShapeType="1" noTextEdit="1"/>
+              </p:cNvSpPr>
+              <p:nvPr>
+                <p:ph idx="1"/>
+              </p:nvPr>
+            </p:nvSpPr>
+            <p:spPr>
+              <a:xfrm>
+                <a:off x="643537" y="1350818"/>
+                <a:ext cx="11029615" cy="2259157"/>
+              </a:xfrm>
+              <a:blipFill>
+                <a:blip r:embed="rId2"/>
+                <a:stretch>
+                  <a:fillRect l="-884"/>
+                </a:stretch>
+              </a:blipFill>
+            </p:spPr>
+            <p:txBody>
+              <a:bodyPr/>
+              <a:lstStyle/>
+              <a:p>
+                <a:r>
+                  <a:rPr lang="en-US">
+                    <a:noFill/>
+                  </a:rPr>
+                  <a:t> </a:t>
+                </a:r>
+              </a:p>
+            </p:txBody>
+          </p:sp>
+        </mc:Fallback>
+      </mc:AlternateContent>
+      <mc:AlternateContent xmlns:mc="http://schemas.openxmlformats.org/markup-compatibility/2006">
+        <mc:Choice xmlns:a14="http://schemas.microsoft.com/office/drawing/2010/main" Requires="a14">
+          <p:sp>
+            <p:nvSpPr>
+              <p:cNvPr id="6" name="TextBox 5">
+                <a:extLst>
+                  <a:ext uri="{FF2B5EF4-FFF2-40B4-BE49-F238E27FC236}">
+                    <a16:creationId xmlns:a16="http://schemas.microsoft.com/office/drawing/2014/main" id="{67EC97A3-D2A1-4492-3E6C-F4C7F08021ED}"/>
+                  </a:ext>
+                </a:extLst>
+              </p:cNvPr>
+              <p:cNvSpPr txBox="1"/>
+              <p:nvPr/>
+            </p:nvSpPr>
+            <p:spPr>
+              <a:xfrm>
+                <a:off x="809625" y="3885333"/>
+                <a:ext cx="8858250" cy="1200329"/>
+              </a:xfrm>
+              <a:prstGeom prst="rect">
+                <a:avLst/>
+              </a:prstGeom>
+              <a:noFill/>
+            </p:spPr>
+            <p:txBody>
+              <a:bodyPr wrap="square" rtlCol="0">
+                <a:spAutoFit/>
+              </a:bodyPr>
+              <a:lstStyle/>
+              <a:p>
+                <a:pPr/>
+                <a:r>
+                  <a:rPr lang="en-US" dirty="0"/>
+                  <a:t>Step 1: </a:t>
+                </a:r>
+                <a14:m>
+                  <m:oMath xmlns:m="http://schemas.openxmlformats.org/officeDocument/2006/math">
+                    <m:sSub>
+                      <m:sSubPr>
+                        <m:ctrlPr>
+                          <a:rPr lang="en-US" b="0" i="1" smtClean="0">
+                            <a:latin typeface="Cambria Math" panose="02040503050406030204" pitchFamily="18" charset="0"/>
+                          </a:rPr>
+                        </m:ctrlPr>
+                      </m:sSubPr>
+                      <m:e>
+                        <m:r>
+                          <a:rPr lang="en-US" b="0" i="1" smtClean="0">
+                            <a:latin typeface="Cambria Math" panose="02040503050406030204" pitchFamily="18" charset="0"/>
+                          </a:rPr>
+                          <m:t>𝑥</m:t>
+                        </m:r>
+                      </m:e>
+                      <m:sub>
+                        <m:r>
+                          <a:rPr lang="en-US" b="0" i="1" smtClean="0">
+                            <a:latin typeface="Cambria Math" panose="02040503050406030204" pitchFamily="18" charset="0"/>
+                          </a:rPr>
+                          <m:t>1</m:t>
+                        </m:r>
+                      </m:sub>
+                    </m:sSub>
+                    <m:r>
+                      <a:rPr lang="en-US" b="0" i="1" smtClean="0">
+                        <a:latin typeface="Cambria Math" panose="02040503050406030204" pitchFamily="18" charset="0"/>
+                      </a:rPr>
+                      <m:t>=</m:t>
+                    </m:r>
+                    <m:sSub>
+                      <m:sSubPr>
+                        <m:ctrlPr>
+                          <a:rPr lang="en-US" b="0" i="1" smtClean="0">
+                            <a:latin typeface="Cambria Math" panose="02040503050406030204" pitchFamily="18" charset="0"/>
+                          </a:rPr>
+                        </m:ctrlPr>
+                      </m:sSubPr>
+                      <m:e>
+                        <m:r>
+                          <a:rPr lang="en-US" b="0" i="1" smtClean="0">
+                            <a:latin typeface="Cambria Math" panose="02040503050406030204" pitchFamily="18" charset="0"/>
+                          </a:rPr>
+                          <m:t>𝛼</m:t>
+                        </m:r>
+                      </m:e>
+                      <m:sub>
+                        <m:r>
+                          <a:rPr lang="en-US" b="0" i="1" smtClean="0">
+                            <a:latin typeface="Cambria Math" panose="02040503050406030204" pitchFamily="18" charset="0"/>
+                          </a:rPr>
+                          <m:t>0</m:t>
+                        </m:r>
+                      </m:sub>
+                    </m:sSub>
+                    <m:r>
+                      <a:rPr lang="en-US" b="0" i="1" smtClean="0">
+                        <a:latin typeface="Cambria Math" panose="02040503050406030204" pitchFamily="18" charset="0"/>
+                      </a:rPr>
+                      <m:t>+</m:t>
+                    </m:r>
+                    <m:sSub>
+                      <m:sSubPr>
+                        <m:ctrlPr>
+                          <a:rPr lang="en-US" b="0" i="1" smtClean="0">
+                            <a:latin typeface="Cambria Math" panose="02040503050406030204" pitchFamily="18" charset="0"/>
+                          </a:rPr>
+                        </m:ctrlPr>
+                      </m:sSubPr>
+                      <m:e>
+                        <m:r>
+                          <a:rPr lang="en-US" b="0" i="1" smtClean="0">
+                            <a:latin typeface="Cambria Math" panose="02040503050406030204" pitchFamily="18" charset="0"/>
+                          </a:rPr>
+                          <m:t>𝛼</m:t>
+                        </m:r>
+                      </m:e>
+                      <m:sub>
+                        <m:r>
+                          <a:rPr lang="en-US" b="0" i="1" smtClean="0">
+                            <a:latin typeface="Cambria Math" panose="02040503050406030204" pitchFamily="18" charset="0"/>
+                          </a:rPr>
+                          <m:t>2</m:t>
+                        </m:r>
+                      </m:sub>
+                    </m:sSub>
+                    <m:sSub>
+                      <m:sSubPr>
+                        <m:ctrlPr>
+                          <a:rPr lang="en-US" b="0" i="1" smtClean="0">
+                            <a:latin typeface="Cambria Math" panose="02040503050406030204" pitchFamily="18" charset="0"/>
+                          </a:rPr>
+                        </m:ctrlPr>
+                      </m:sSubPr>
+                      <m:e>
+                        <m:r>
+                          <a:rPr lang="en-US" b="0" i="1" smtClean="0">
+                            <a:latin typeface="Cambria Math" panose="02040503050406030204" pitchFamily="18" charset="0"/>
+                          </a:rPr>
+                          <m:t>𝑥</m:t>
+                        </m:r>
+                      </m:e>
+                      <m:sub>
+                        <m:r>
+                          <a:rPr lang="en-US" b="0" i="1" smtClean="0">
+                            <a:latin typeface="Cambria Math" panose="02040503050406030204" pitchFamily="18" charset="0"/>
+                          </a:rPr>
+                          <m:t>2</m:t>
+                        </m:r>
+                      </m:sub>
+                    </m:sSub>
+                    <m:r>
+                      <a:rPr lang="en-US" b="0" i="1" smtClean="0">
+                        <a:latin typeface="Cambria Math" panose="02040503050406030204" pitchFamily="18" charset="0"/>
+                      </a:rPr>
+                      <m:t>+</m:t>
+                    </m:r>
+                    <m:sSub>
+                      <m:sSubPr>
+                        <m:ctrlPr>
+                          <a:rPr lang="en-US" b="0" i="1" smtClean="0">
+                            <a:latin typeface="Cambria Math" panose="02040503050406030204" pitchFamily="18" charset="0"/>
+                          </a:rPr>
+                        </m:ctrlPr>
+                      </m:sSubPr>
+                      <m:e>
+                        <m:r>
+                          <a:rPr lang="en-US" b="0" i="1" smtClean="0">
+                            <a:latin typeface="Cambria Math" panose="02040503050406030204" pitchFamily="18" charset="0"/>
+                          </a:rPr>
+                          <m:t>𝛼</m:t>
+                        </m:r>
+                      </m:e>
+                      <m:sub>
+                        <m:r>
+                          <a:rPr lang="en-US" b="0" i="1" smtClean="0">
+                            <a:latin typeface="Cambria Math" panose="02040503050406030204" pitchFamily="18" charset="0"/>
+                          </a:rPr>
+                          <m:t>3</m:t>
+                        </m:r>
+                      </m:sub>
+                    </m:sSub>
+                    <m:sSub>
+                      <m:sSubPr>
+                        <m:ctrlPr>
+                          <a:rPr lang="en-US" b="0" i="1" smtClean="0">
+                            <a:latin typeface="Cambria Math" panose="02040503050406030204" pitchFamily="18" charset="0"/>
+                          </a:rPr>
+                        </m:ctrlPr>
+                      </m:sSubPr>
+                      <m:e>
+                        <m:r>
+                          <a:rPr lang="en-US" b="0" i="1" smtClean="0">
+                            <a:latin typeface="Cambria Math" panose="02040503050406030204" pitchFamily="18" charset="0"/>
+                          </a:rPr>
+                          <m:t>𝑥</m:t>
+                        </m:r>
+                      </m:e>
+                      <m:sub>
+                        <m:r>
+                          <a:rPr lang="en-US" b="0" i="1" smtClean="0">
+                            <a:latin typeface="Cambria Math" panose="02040503050406030204" pitchFamily="18" charset="0"/>
+                          </a:rPr>
+                          <m:t>3</m:t>
+                        </m:r>
+                      </m:sub>
+                    </m:sSub>
+                    <m:r>
+                      <a:rPr lang="en-US" b="0" i="1" smtClean="0">
+                        <a:latin typeface="Cambria Math" panose="02040503050406030204" pitchFamily="18" charset="0"/>
+                      </a:rPr>
+                      <m:t>+…</m:t>
+                    </m:r>
+                    <m:sSub>
+                      <m:sSubPr>
+                        <m:ctrlPr>
+                          <a:rPr lang="en-US" b="0" i="1" smtClean="0">
+                            <a:latin typeface="Cambria Math" panose="02040503050406030204" pitchFamily="18" charset="0"/>
+                          </a:rPr>
+                        </m:ctrlPr>
+                      </m:sSubPr>
+                      <m:e>
+                        <m:r>
+                          <a:rPr lang="en-US" b="0" i="1" smtClean="0">
+                            <a:latin typeface="Cambria Math" panose="02040503050406030204" pitchFamily="18" charset="0"/>
+                          </a:rPr>
+                          <m:t>𝛼</m:t>
+                        </m:r>
+                      </m:e>
+                      <m:sub>
+                        <m:r>
+                          <a:rPr lang="en-US" b="0" i="1" smtClean="0">
+                            <a:latin typeface="Cambria Math" panose="02040503050406030204" pitchFamily="18" charset="0"/>
+                          </a:rPr>
+                          <m:t>𝑖</m:t>
+                        </m:r>
+                      </m:sub>
+                    </m:sSub>
+                    <m:sSub>
+                      <m:sSubPr>
+                        <m:ctrlPr>
+                          <a:rPr lang="en-US" b="0" i="1" smtClean="0">
+                            <a:latin typeface="Cambria Math" panose="02040503050406030204" pitchFamily="18" charset="0"/>
+                          </a:rPr>
+                        </m:ctrlPr>
+                      </m:sSubPr>
+                      <m:e>
+                        <m:r>
+                          <a:rPr lang="en-US" b="0" i="1" smtClean="0">
+                            <a:latin typeface="Cambria Math" panose="02040503050406030204" pitchFamily="18" charset="0"/>
+                          </a:rPr>
+                          <m:t>𝑥</m:t>
+                        </m:r>
+                      </m:e>
+                      <m:sub>
+                        <m:r>
+                          <a:rPr lang="en-US" b="0" i="1" smtClean="0">
+                            <a:latin typeface="Cambria Math" panose="02040503050406030204" pitchFamily="18" charset="0"/>
+                          </a:rPr>
+                          <m:t>𝑖</m:t>
+                        </m:r>
+                      </m:sub>
+                    </m:sSub>
+                    <m:r>
+                      <a:rPr lang="en-US" b="0" i="1" smtClean="0">
+                        <a:latin typeface="Cambria Math" panose="02040503050406030204" pitchFamily="18" charset="0"/>
+                      </a:rPr>
+                      <m:t>+ </m:t>
+                    </m:r>
+                    <m:r>
+                      <a:rPr lang="en-US" b="0" i="1" smtClean="0">
+                        <a:latin typeface="Cambria Math" panose="02040503050406030204" pitchFamily="18" charset="0"/>
+                        <a:ea typeface="Cambria Math" panose="02040503050406030204" pitchFamily="18" charset="0"/>
+                      </a:rPr>
+                      <m:t>𝜀</m:t>
+                    </m:r>
+                  </m:oMath>
+                </a14:m>
+                <a:r>
+                  <a:rPr lang="en-US" b="0" dirty="0">
+                    <a:ea typeface="Cambria Math" panose="02040503050406030204" pitchFamily="18" charset="0"/>
+                  </a:rPr>
+                  <a:t>                                   </a:t>
+                </a:r>
+              </a:p>
+              <a:p>
+                <a:pPr/>
+                <a:endParaRPr lang="en-US" dirty="0">
+                  <a:solidFill>
+                    <a:srgbClr val="000000"/>
+                  </a:solidFill>
+                  <a:ea typeface="Cambria Math" panose="02040503050406030204" pitchFamily="18" charset="0"/>
+                </a:endParaRPr>
+              </a:p>
+              <a:p>
+                <a:pPr/>
+                <a:r>
+                  <a:rPr lang="en-US" dirty="0">
+                    <a:solidFill>
+                      <a:srgbClr val="000000"/>
+                    </a:solidFill>
+                  </a:rPr>
+                  <a:t>where </a:t>
+                </a:r>
+                <a14:m>
+                  <m:oMath xmlns:m="http://schemas.openxmlformats.org/officeDocument/2006/math">
+                    <m:sSubSup>
+                      <m:sSubSupPr>
+                        <m:ctrlPr>
+                          <a:rPr lang="en-US" b="0" i="1" smtClean="0">
+                            <a:solidFill>
+                              <a:srgbClr val="000000"/>
+                            </a:solidFill>
+                            <a:latin typeface="Cambria Math" panose="02040503050406030204" pitchFamily="18" charset="0"/>
+                          </a:rPr>
+                        </m:ctrlPr>
+                      </m:sSubSupPr>
+                      <m:e>
+                        <m:r>
+                          <a:rPr lang="en-US" b="0" i="1" smtClean="0">
+                            <a:solidFill>
+                              <a:srgbClr val="000000"/>
+                            </a:solidFill>
+                            <a:latin typeface="Cambria Math" panose="02040503050406030204" pitchFamily="18" charset="0"/>
+                          </a:rPr>
+                          <m:t>𝑅</m:t>
+                        </m:r>
+                      </m:e>
+                      <m:sub>
+                        <m:r>
+                          <a:rPr lang="en-US" b="0" i="1" smtClean="0">
+                            <a:solidFill>
+                              <a:srgbClr val="000000"/>
+                            </a:solidFill>
+                            <a:latin typeface="Cambria Math" panose="02040503050406030204" pitchFamily="18" charset="0"/>
+                          </a:rPr>
+                          <m:t>1</m:t>
+                        </m:r>
+                      </m:sub>
+                      <m:sup>
+                        <m:r>
+                          <a:rPr lang="en-US" b="0" i="1" smtClean="0">
+                            <a:solidFill>
+                              <a:srgbClr val="000000"/>
+                            </a:solidFill>
+                            <a:latin typeface="Cambria Math" panose="02040503050406030204" pitchFamily="18" charset="0"/>
+                          </a:rPr>
+                          <m:t>2</m:t>
+                        </m:r>
+                      </m:sup>
+                    </m:sSubSup>
+                  </m:oMath>
+                </a14:m>
+                <a:r>
+                  <a:rPr lang="en-US" dirty="0">
+                    <a:solidFill>
+                      <a:srgbClr val="000000"/>
+                    </a:solidFill>
+                  </a:rPr>
+                  <a:t> is the coefficient of determination of the regression equation in step one</a:t>
+                </a:r>
+              </a:p>
+              <a:p>
+                <a:endParaRPr lang="en-US" dirty="0"/>
+              </a:p>
+            </p:txBody>
+          </p:sp>
+        </mc:Choice>
+        <mc:Fallback>
+          <p:sp>
+            <p:nvSpPr>
+              <p:cNvPr id="6" name="TextBox 5">
+                <a:extLst>
+                  <a:ext uri="{FF2B5EF4-FFF2-40B4-BE49-F238E27FC236}">
+                    <a16:creationId xmlns:a16="http://schemas.microsoft.com/office/drawing/2014/main" id="{67EC97A3-D2A1-4492-3E6C-F4C7F08021ED}"/>
+                  </a:ext>
+                </a:extLst>
+              </p:cNvPr>
+              <p:cNvSpPr txBox="1">
+                <a:spLocks noRot="1" noChangeAspect="1" noMove="1" noResize="1" noEditPoints="1" noAdjustHandles="1" noChangeArrowheads="1" noChangeShapeType="1" noTextEdit="1"/>
+              </p:cNvSpPr>
+              <p:nvPr/>
+            </p:nvSpPr>
+            <p:spPr>
+              <a:xfrm>
+                <a:off x="809625" y="3885333"/>
+                <a:ext cx="8858250" cy="1200329"/>
+              </a:xfrm>
+              <a:prstGeom prst="rect">
+                <a:avLst/>
+              </a:prstGeom>
+              <a:blipFill>
+                <a:blip r:embed="rId3"/>
+                <a:stretch>
+                  <a:fillRect l="-619" t="-2538"/>
+                </a:stretch>
+              </a:blipFill>
+            </p:spPr>
+            <p:txBody>
+              <a:bodyPr/>
+              <a:lstStyle/>
+              <a:p>
+                <a:r>
+                  <a:rPr lang="en-US">
+                    <a:noFill/>
+                  </a:rPr>
+                  <a:t> </a:t>
+                </a:r>
+              </a:p>
+            </p:txBody>
+          </p:sp>
+        </mc:Fallback>
+      </mc:AlternateContent>
+    </p:spTree>
+    <p:extLst>
+      <p:ext uri="{BB962C8B-B14F-4D97-AF65-F5344CB8AC3E}">
+        <p14:creationId xmlns:p14="http://schemas.microsoft.com/office/powerpoint/2010/main" val="1983840481"/>
+      </p:ext>
+    </p:extLst>
+  </p:cSld>
+  <p:clrMapOvr>
+    <a:masterClrMapping/>
+  </p:clrMapOvr>
+</p:sld>
+</file>
+
+<file path=ppt/slides/slide18.xml><?xml version="1.0" encoding="utf-8"?>
+<p:sld xmlns:a="http://schemas.openxmlformats.org/drawingml/2006/main" xmlns:r="http://schemas.openxmlformats.org/officeDocument/2006/relationships" xmlns:p="http://schemas.openxmlformats.org/presentationml/2006/main">
+  <p:cSld>
+    <p:spTree>
+      <p:nvGrpSpPr>
+        <p:cNvPr id="1" name=""/>
+        <p:cNvGrpSpPr/>
+        <p:nvPr/>
+      </p:nvGrpSpPr>
+      <p:grpSpPr>
+        <a:xfrm>
+          <a:off x="0" y="0"/>
+          <a:ext cx="0" cy="0"/>
+          <a:chOff x="0" y="0"/>
+          <a:chExt cx="0" cy="0"/>
+        </a:xfrm>
+      </p:grpSpPr>
+      <mc:AlternateContent xmlns:mc="http://schemas.openxmlformats.org/markup-compatibility/2006">
+        <mc:Choice xmlns:a14="http://schemas.microsoft.com/office/drawing/2010/main" Requires="a14">
+          <p:sp>
+            <p:nvSpPr>
+              <p:cNvPr id="3" name="Content Placeholder 2">
+                <a:extLst>
+                  <a:ext uri="{FF2B5EF4-FFF2-40B4-BE49-F238E27FC236}">
+                    <a16:creationId xmlns:a16="http://schemas.microsoft.com/office/drawing/2014/main" id="{E72E4CA3-2C95-51F1-34E4-6A92A3CF6E17}"/>
+                  </a:ext>
+                </a:extLst>
+              </p:cNvPr>
+              <p:cNvSpPr>
+                <a:spLocks noGrp="1"/>
+              </p:cNvSpPr>
+              <p:nvPr>
+                <p:ph idx="1"/>
+              </p:nvPr>
+            </p:nvSpPr>
+            <p:spPr>
+              <a:xfrm>
+                <a:off x="581193" y="1366620"/>
+                <a:ext cx="11029615" cy="1205130"/>
+              </a:xfrm>
+            </p:spPr>
+            <p:txBody>
+              <a:bodyPr/>
+              <a:lstStyle/>
+              <a:p>
+                <a14:m>
+                  <m:oMath xmlns:m="http://schemas.openxmlformats.org/officeDocument/2006/math">
+                    <m:r>
+                      <a:rPr lang="en-US" b="0" i="1" smtClean="0"/>
+                      <m:t>𝑉𝐼𝐹</m:t>
+                    </m:r>
+                    <m:r>
+                      <a:rPr lang="en-US" b="0" i="1" smtClean="0"/>
+                      <m:t>&gt;5</m:t>
+                    </m:r>
+                  </m:oMath>
+                </a14:m>
+                <a:r>
+                  <a:rPr lang="en-US" b="0" i="1" dirty="0"/>
+                  <a:t> </a:t>
+                </a:r>
+                <a:r>
+                  <a:rPr lang="en-US" b="0" dirty="0"/>
+                  <a:t>: A cutoff of 5 is also commonly used</a:t>
+                </a:r>
+              </a:p>
+              <a:p>
+                <a14:m>
+                  <m:oMath xmlns:m="http://schemas.openxmlformats.org/officeDocument/2006/math">
+                    <m:r>
+                      <a:rPr lang="en-US" b="0" i="1" smtClean="0"/>
+                      <m:t>𝑉𝐼𝐹</m:t>
+                    </m:r>
+                  </m:oMath>
+                </a14:m>
+                <a:r>
+                  <a:rPr lang="en-US" b="0" dirty="0"/>
+                  <a:t> &gt; 10</a:t>
+                </a:r>
+                <a:r>
+                  <a:rPr lang="en-US" dirty="0"/>
+                  <a:t>: indicating multicollinearity is high</a:t>
+                </a:r>
+              </a:p>
+            </p:txBody>
+          </p:sp>
+        </mc:Choice>
+        <mc:Fallback>
+          <p:sp>
+            <p:nvSpPr>
+              <p:cNvPr id="3" name="Content Placeholder 2">
+                <a:extLst>
+                  <a:ext uri="{FF2B5EF4-FFF2-40B4-BE49-F238E27FC236}">
+                    <a16:creationId xmlns:a16="http://schemas.microsoft.com/office/drawing/2014/main" id="{E72E4CA3-2C95-51F1-34E4-6A92A3CF6E17}"/>
+                  </a:ext>
+                </a:extLst>
+              </p:cNvPr>
+              <p:cNvSpPr>
+                <a:spLocks noGrp="1" noRot="1" noChangeAspect="1" noMove="1" noResize="1" noEditPoints="1" noAdjustHandles="1" noChangeArrowheads="1" noChangeShapeType="1" noTextEdit="1"/>
+              </p:cNvSpPr>
+              <p:nvPr>
+                <p:ph idx="1"/>
+              </p:nvPr>
+            </p:nvSpPr>
+            <p:spPr>
+              <a:xfrm>
+                <a:off x="581193" y="1366620"/>
+                <a:ext cx="11029615" cy="1205130"/>
+              </a:xfrm>
+              <a:blipFill>
+                <a:blip r:embed="rId2"/>
+                <a:stretch>
+                  <a:fillRect l="-221"/>
+                </a:stretch>
+              </a:blipFill>
+            </p:spPr>
+            <p:txBody>
+              <a:bodyPr/>
+              <a:lstStyle/>
+              <a:p>
+                <a:r>
+                  <a:rPr lang="en-US">
+                    <a:noFill/>
+                  </a:rPr>
+                  <a:t> </a:t>
+                </a:r>
+              </a:p>
+            </p:txBody>
+          </p:sp>
+        </mc:Fallback>
+      </mc:AlternateContent>
+      <p:pic>
+        <p:nvPicPr>
+          <p:cNvPr id="5" name="Picture 4">
+            <a:extLst>
+              <a:ext uri="{FF2B5EF4-FFF2-40B4-BE49-F238E27FC236}">
+                <a16:creationId xmlns:a16="http://schemas.microsoft.com/office/drawing/2014/main" id="{79F86EBD-44AA-66E9-D880-BFD1F6A35492}"/>
+              </a:ext>
+            </a:extLst>
+          </p:cNvPr>
+          <p:cNvPicPr>
+            <a:picLocks noChangeAspect="1"/>
+          </p:cNvPicPr>
+          <p:nvPr/>
+        </p:nvPicPr>
+        <p:blipFill>
+          <a:blip r:embed="rId3"/>
+          <a:stretch>
+            <a:fillRect/>
+          </a:stretch>
+        </p:blipFill>
+        <p:spPr>
+          <a:xfrm>
+            <a:off x="3313400" y="2874937"/>
+            <a:ext cx="5419725" cy="2324100"/>
+          </a:xfrm>
+          <a:prstGeom prst="rect">
+            <a:avLst/>
+          </a:prstGeom>
+        </p:spPr>
+      </p:pic>
+      <p:sp>
+        <p:nvSpPr>
+          <p:cNvPr id="4" name="Title 1">
+            <a:extLst>
+              <a:ext uri="{FF2B5EF4-FFF2-40B4-BE49-F238E27FC236}">
+                <a16:creationId xmlns:a16="http://schemas.microsoft.com/office/drawing/2014/main" id="{B91E09C9-FD6F-E5DC-9C8E-D625BF94896D}"/>
+              </a:ext>
+            </a:extLst>
+          </p:cNvPr>
+          <p:cNvSpPr txBox="1">
+            <a:spLocks/>
+          </p:cNvSpPr>
+          <p:nvPr/>
+        </p:nvSpPr>
+        <p:spPr>
+          <a:xfrm>
+            <a:off x="581192" y="616431"/>
+            <a:ext cx="11029616" cy="558608"/>
+          </a:xfrm>
+          <a:prstGeom prst="rect">
+            <a:avLst/>
+          </a:prstGeom>
+        </p:spPr>
+        <p:txBody>
+          <a:bodyPr vert="horz" lIns="91440" tIns="45720" rIns="91440" bIns="45720" rtlCol="0" anchor="b">
+            <a:normAutofit/>
+          </a:bodyPr>
+          <a:lstStyle>
+            <a:lvl1pPr algn="l" defTabSz="457200" rtl="0" eaLnBrk="1" latinLnBrk="0" hangingPunct="1">
+              <a:lnSpc>
+                <a:spcPct val="100000"/>
+              </a:lnSpc>
+              <a:spcBef>
+                <a:spcPct val="0"/>
+              </a:spcBef>
+              <a:buNone/>
+              <a:defRPr sz="2800" b="0" kern="1200" cap="all">
+                <a:solidFill>
+                  <a:schemeClr val="tx1">
+                    <a:lumMod val="75000"/>
+                    <a:lumOff val="25000"/>
+                  </a:schemeClr>
+                </a:solidFill>
+                <a:latin typeface="+mj-lt"/>
+                <a:ea typeface="+mj-ea"/>
+                <a:cs typeface="+mj-cs"/>
+              </a:defRPr>
+            </a:lvl1pPr>
+            <a:lvl2pPr eaLnBrk="1" hangingPunct="1">
+              <a:defRPr>
+                <a:solidFill>
+                  <a:schemeClr val="tx2"/>
+                </a:solidFill>
+              </a:defRPr>
+            </a:lvl2pPr>
+            <a:lvl3pPr eaLnBrk="1" hangingPunct="1">
+              <a:defRPr>
+                <a:solidFill>
+                  <a:schemeClr val="tx2"/>
+                </a:solidFill>
+              </a:defRPr>
+            </a:lvl3pPr>
+            <a:lvl4pPr eaLnBrk="1" hangingPunct="1">
+              <a:defRPr>
+                <a:solidFill>
+                  <a:schemeClr val="tx2"/>
+                </a:solidFill>
+              </a:defRPr>
+            </a:lvl4pPr>
+            <a:lvl5pPr eaLnBrk="1" hangingPunct="1">
+              <a:defRPr>
+                <a:solidFill>
+                  <a:schemeClr val="tx2"/>
+                </a:solidFill>
+              </a:defRPr>
+            </a:lvl5pPr>
+            <a:lvl6pPr eaLnBrk="1" hangingPunct="1">
+              <a:defRPr>
+                <a:solidFill>
+                  <a:schemeClr val="tx2"/>
+                </a:solidFill>
+              </a:defRPr>
+            </a:lvl6pPr>
+            <a:lvl7pPr eaLnBrk="1" hangingPunct="1">
+              <a:defRPr>
+                <a:solidFill>
+                  <a:schemeClr val="tx2"/>
+                </a:solidFill>
+              </a:defRPr>
+            </a:lvl7pPr>
+            <a:lvl8pPr eaLnBrk="1" hangingPunct="1">
+              <a:defRPr>
+                <a:solidFill>
+                  <a:schemeClr val="tx2"/>
+                </a:solidFill>
+              </a:defRPr>
+            </a:lvl8pPr>
+            <a:lvl9pPr eaLnBrk="1" hangingPunct="1">
+              <a:defRPr>
+                <a:solidFill>
+                  <a:schemeClr val="tx2"/>
+                </a:solidFill>
+              </a:defRPr>
+            </a:lvl9pPr>
+          </a:lstStyle>
+          <a:p>
+            <a:r>
+              <a:rPr lang="en-US" dirty="0"/>
+              <a:t>COLLINEARITY DIAGNOSTICS</a:t>
+            </a:r>
+          </a:p>
+        </p:txBody>
+      </p:sp>
+    </p:spTree>
+    <p:extLst>
+      <p:ext uri="{BB962C8B-B14F-4D97-AF65-F5344CB8AC3E}">
+        <p14:creationId xmlns:p14="http://schemas.microsoft.com/office/powerpoint/2010/main" val="4072537074"/>
+      </p:ext>
+    </p:extLst>
+  </p:cSld>
+  <p:clrMapOvr>
+    <a:masterClrMapping/>
+  </p:clrMapOvr>
+</p:sld>
+</file>
+
+<file path=ppt/slides/slide19.xml><?xml version="1.0" encoding="utf-8"?>
+<p:sld xmlns:a="http://schemas.openxmlformats.org/drawingml/2006/main" xmlns:r="http://schemas.openxmlformats.org/officeDocument/2006/relationships" xmlns:p="http://schemas.openxmlformats.org/presentationml/2006/main">
+  <p:cSld>
+    <p:spTree>
+      <p:nvGrpSpPr>
+        <p:cNvPr id="1" name="">
+          <a:extLst>
+            <a:ext uri="{FF2B5EF4-FFF2-40B4-BE49-F238E27FC236}">
+              <a16:creationId xmlns:a16="http://schemas.microsoft.com/office/drawing/2014/main" id="{5AE1A827-5F7B-1C9B-DFDA-1A7B41DDD160}"/>
+            </a:ext>
+          </a:extLst>
+        </p:cNvPr>
+        <p:cNvGrpSpPr/>
+        <p:nvPr/>
+      </p:nvGrpSpPr>
+      <p:grpSpPr>
+        <a:xfrm>
+          <a:off x="0" y="0"/>
+          <a:ext cx="0" cy="0"/>
+          <a:chOff x="0" y="0"/>
+          <a:chExt cx="0" cy="0"/>
+        </a:xfrm>
+      </p:grpSpPr>
+      <p:pic>
+        <p:nvPicPr>
+          <p:cNvPr id="4" name="Picture 3" descr="A colorful background with waves&#10;&#10;Description automatically generated with medium confidence">
+            <a:extLst>
+              <a:ext uri="{FF2B5EF4-FFF2-40B4-BE49-F238E27FC236}">
+                <a16:creationId xmlns:a16="http://schemas.microsoft.com/office/drawing/2014/main" id="{80B863BA-C9D0-A0B2-5422-A717FE65BEA4}"/>
+              </a:ext>
+            </a:extLst>
+          </p:cNvPr>
+          <p:cNvPicPr>
+            <a:picLocks noChangeAspect="1"/>
+          </p:cNvPicPr>
+          <p:nvPr/>
+        </p:nvPicPr>
+        <p:blipFill>
+          <a:blip r:embed="rId2"/>
+          <a:srcRect r="11111"/>
+          <a:stretch/>
+        </p:blipFill>
+        <p:spPr>
+          <a:xfrm>
+            <a:off x="20" y="12"/>
+            <a:ext cx="12191980" cy="6857988"/>
+          </a:xfrm>
+          <a:prstGeom prst="rect">
+            <a:avLst/>
+          </a:prstGeom>
+        </p:spPr>
+      </p:pic>
+      <p:sp>
+        <p:nvSpPr>
+          <p:cNvPr id="2" name="Title 1">
+            <a:extLst>
+              <a:ext uri="{FF2B5EF4-FFF2-40B4-BE49-F238E27FC236}">
+                <a16:creationId xmlns:a16="http://schemas.microsoft.com/office/drawing/2014/main" id="{525F13AC-84C1-CB46-6321-DCE6853170D0}"/>
+              </a:ext>
+            </a:extLst>
+          </p:cNvPr>
+          <p:cNvSpPr>
+            <a:spLocks noGrp="1"/>
+          </p:cNvSpPr>
+          <p:nvPr>
+            <p:ph type="ctrTitle"/>
+          </p:nvPr>
+        </p:nvSpPr>
+        <p:spPr>
+          <a:xfrm>
+            <a:off x="837126" y="1693546"/>
+            <a:ext cx="4320227" cy="2009774"/>
+          </a:xfrm>
+        </p:spPr>
+        <p:txBody>
+          <a:bodyPr>
+            <a:normAutofit fontScale="90000"/>
+          </a:bodyPr>
+          <a:lstStyle/>
+          <a:p>
+            <a:r>
+              <a:rPr lang="en-US" sz="4000" dirty="0">
+                <a:solidFill>
+                  <a:srgbClr val="FFFFFF"/>
+                </a:solidFill>
+              </a:rPr>
+              <a:t>WEEK 03 </a:t>
+            </a:r>
+            <a:br>
+              <a:rPr lang="en-US" sz="4000" dirty="0">
+                <a:solidFill>
+                  <a:srgbClr val="FFFFFF"/>
+                </a:solidFill>
+              </a:rPr>
+            </a:br>
+            <a:br>
+              <a:rPr lang="en-US" sz="4000" dirty="0">
+                <a:solidFill>
+                  <a:srgbClr val="FFFFFF"/>
+                </a:solidFill>
+              </a:rPr>
+            </a:br>
+            <a:r>
+              <a:rPr lang="en-US" sz="4000" dirty="0">
+                <a:solidFill>
+                  <a:srgbClr val="FFFFFF"/>
+                </a:solidFill>
+              </a:rPr>
+              <a:t>CODE DEMO </a:t>
+            </a:r>
+            <a:r>
+              <a:rPr lang="en-US" altLang="zh-CN" sz="4000" dirty="0">
+                <a:solidFill>
+                  <a:srgbClr val="FFFFFF"/>
+                </a:solidFill>
+              </a:rPr>
+              <a:t>session</a:t>
+            </a:r>
+            <a:endParaRPr lang="en-US" sz="4000" dirty="0">
+              <a:solidFill>
+                <a:srgbClr val="FFFFFF"/>
+              </a:solidFill>
+            </a:endParaRPr>
+          </a:p>
+        </p:txBody>
+      </p:sp>
+      <p:sp>
+        <p:nvSpPr>
+          <p:cNvPr id="5" name="TextBox 4">
+            <a:extLst>
+              <a:ext uri="{FF2B5EF4-FFF2-40B4-BE49-F238E27FC236}">
+                <a16:creationId xmlns:a16="http://schemas.microsoft.com/office/drawing/2014/main" id="{9211D3B9-9728-4880-CDAB-01882AFA691F}"/>
+              </a:ext>
+            </a:extLst>
+          </p:cNvPr>
+          <p:cNvSpPr txBox="1"/>
+          <p:nvPr/>
+        </p:nvSpPr>
+        <p:spPr>
+          <a:xfrm>
+            <a:off x="837126" y="4289196"/>
+            <a:ext cx="3912124" cy="3046988"/>
+          </a:xfrm>
+          <a:prstGeom prst="rect">
+            <a:avLst/>
+          </a:prstGeom>
+          <a:noFill/>
+        </p:spPr>
+        <p:txBody>
+          <a:bodyPr wrap="square" rtlCol="0">
+            <a:spAutoFit/>
+          </a:bodyPr>
+          <a:lstStyle/>
+          <a:p>
+            <a:pPr marL="0" marR="0" lvl="0" indent="0" algn="l" defTabSz="457200" rtl="0" eaLnBrk="1" fontAlgn="auto" latinLnBrk="0" hangingPunct="1">
+              <a:lnSpc>
+                <a:spcPct val="100000"/>
+              </a:lnSpc>
+              <a:spcBef>
+                <a:spcPts val="0"/>
+              </a:spcBef>
+              <a:spcAft>
+                <a:spcPts val="0"/>
+              </a:spcAft>
+              <a:buClrTx/>
+              <a:buSzTx/>
+              <a:buFontTx/>
+              <a:buNone/>
+              <a:tabLst/>
+              <a:defRPr/>
+            </a:pPr>
+            <a:r>
+              <a:rPr kumimoji="0" lang="en-US" sz="3200" b="0" i="0" u="none" strike="noStrike" kern="1200" cap="none" spc="0" normalizeH="0" baseline="0" noProof="0" dirty="0">
+                <a:ln>
+                  <a:noFill/>
+                </a:ln>
+                <a:solidFill>
+                  <a:srgbClr val="FFFFFF">
+                    <a:alpha val="75000"/>
+                  </a:srgbClr>
+                </a:solidFill>
+                <a:effectLst/>
+                <a:uLnTx/>
+                <a:uFillTx/>
+                <a:latin typeface="Calibri"/>
+                <a:ea typeface="+mn-ea"/>
+                <a:cs typeface="+mn-cs"/>
+              </a:rPr>
+              <a:t>Instructor: Yanan Wu</a:t>
+            </a:r>
+          </a:p>
+          <a:p>
+            <a:pPr marL="0" marR="0" lvl="0" indent="0" algn="l" defTabSz="457200" rtl="0" eaLnBrk="1" fontAlgn="auto" latinLnBrk="0" hangingPunct="1">
+              <a:lnSpc>
+                <a:spcPct val="100000"/>
+              </a:lnSpc>
+              <a:spcBef>
+                <a:spcPts val="0"/>
+              </a:spcBef>
+              <a:spcAft>
+                <a:spcPts val="0"/>
+              </a:spcAft>
+              <a:buClrTx/>
+              <a:buSzTx/>
+              <a:buFontTx/>
+              <a:buNone/>
+              <a:tabLst/>
+              <a:defRPr/>
+            </a:pPr>
+            <a:r>
+              <a:rPr kumimoji="0" lang="en-US" sz="3200" b="0" i="0" u="none" strike="noStrike" kern="1200" cap="none" spc="0" normalizeH="0" baseline="0" noProof="0" dirty="0">
+                <a:ln>
+                  <a:noFill/>
+                </a:ln>
+                <a:solidFill>
+                  <a:srgbClr val="FFFFFF">
+                    <a:alpha val="75000"/>
+                  </a:srgbClr>
+                </a:solidFill>
+                <a:effectLst/>
+                <a:uLnTx/>
+                <a:uFillTx/>
+                <a:latin typeface="Calibri"/>
+                <a:ea typeface="+mn-ea"/>
+                <a:cs typeface="+mn-cs"/>
+              </a:rPr>
+              <a:t>TA: </a:t>
+            </a:r>
+            <a:r>
+              <a:rPr lang="en-US" sz="3200" dirty="0">
+                <a:solidFill>
+                  <a:srgbClr val="FFFFFF">
+                    <a:alpha val="75000"/>
+                  </a:srgbClr>
+                </a:solidFill>
+                <a:latin typeface="Calibri" panose="020F0502020204030204" pitchFamily="34" charset="0"/>
+                <a:ea typeface="Calibri" panose="020F0502020204030204" pitchFamily="34" charset="0"/>
+                <a:cs typeface="Calibri" panose="020F0502020204030204" pitchFamily="34" charset="0"/>
+              </a:rPr>
+              <a:t>Khadija Nisar </a:t>
+            </a:r>
+            <a:endParaRPr kumimoji="0" lang="en-US" sz="3200" b="0" i="0" u="none" strike="noStrike" kern="1200" cap="none" spc="0" normalizeH="0" baseline="0" noProof="0" dirty="0">
+              <a:ln>
+                <a:noFill/>
+              </a:ln>
+              <a:solidFill>
+                <a:srgbClr val="FFFFFF">
+                  <a:alpha val="75000"/>
+                </a:srgbClr>
+              </a:solidFill>
+              <a:effectLst/>
+              <a:uLnTx/>
+              <a:uFillTx/>
+              <a:latin typeface="Calibri"/>
+              <a:ea typeface="+mn-ea"/>
+              <a:cs typeface="+mn-cs"/>
+            </a:endParaRPr>
+          </a:p>
+          <a:p>
+            <a:pPr marL="0" marR="0" lvl="0" indent="0" algn="l" defTabSz="457200" rtl="0" eaLnBrk="1" fontAlgn="auto" latinLnBrk="0" hangingPunct="1">
+              <a:lnSpc>
+                <a:spcPct val="100000"/>
+              </a:lnSpc>
+              <a:spcBef>
+                <a:spcPts val="0"/>
+              </a:spcBef>
+              <a:spcAft>
+                <a:spcPts val="0"/>
+              </a:spcAft>
+              <a:buClrTx/>
+              <a:buSzTx/>
+              <a:buFontTx/>
+              <a:buNone/>
+              <a:tabLst/>
+              <a:defRPr/>
+            </a:pPr>
+            <a:r>
+              <a:rPr kumimoji="0" lang="en-US" sz="3200" b="0" i="0" u="none" strike="noStrike" kern="1200" cap="none" spc="0" normalizeH="0" baseline="0" noProof="0" dirty="0">
+                <a:ln>
+                  <a:noFill/>
+                </a:ln>
+                <a:solidFill>
+                  <a:srgbClr val="FFFFFF">
+                    <a:alpha val="75000"/>
+                  </a:srgbClr>
+                </a:solidFill>
+                <a:effectLst/>
+                <a:uLnTx/>
+                <a:uFillTx/>
+                <a:latin typeface="Calibri"/>
+                <a:ea typeface="+mn-ea"/>
+                <a:cs typeface="+mn-cs"/>
+              </a:rPr>
+              <a:t> </a:t>
+            </a:r>
+          </a:p>
+          <a:p>
+            <a:pPr marL="0" marR="0" lvl="0" indent="0" algn="l" defTabSz="457200" rtl="0" eaLnBrk="1" fontAlgn="auto" latinLnBrk="0" hangingPunct="1">
+              <a:lnSpc>
+                <a:spcPct val="100000"/>
+              </a:lnSpc>
+              <a:spcBef>
+                <a:spcPts val="0"/>
+              </a:spcBef>
+              <a:spcAft>
+                <a:spcPts val="0"/>
+              </a:spcAft>
+              <a:buClrTx/>
+              <a:buSzTx/>
+              <a:buFontTx/>
+              <a:buNone/>
+              <a:tabLst/>
+              <a:defRPr/>
+            </a:pPr>
+            <a:r>
+              <a:rPr kumimoji="0" lang="en-US" sz="3200" b="0" i="0" u="none" strike="noStrike" kern="1200" cap="none" spc="0" normalizeH="0" baseline="0" noProof="0" dirty="0">
+                <a:ln>
+                  <a:noFill/>
+                </a:ln>
+                <a:solidFill>
+                  <a:srgbClr val="FFFFFF">
+                    <a:alpha val="75000"/>
+                  </a:srgbClr>
+                </a:solidFill>
+                <a:effectLst/>
+                <a:uLnTx/>
+                <a:uFillTx/>
+                <a:latin typeface="Calibri"/>
+                <a:ea typeface="+mn-ea"/>
+                <a:cs typeface="+mn-cs"/>
+              </a:rPr>
+              <a:t>Spring 2025</a:t>
+            </a:r>
+          </a:p>
+          <a:p>
+            <a:pPr marL="0" marR="0" lvl="0" indent="0" algn="l" defTabSz="457200" rtl="0" eaLnBrk="1" fontAlgn="auto" latinLnBrk="0" hangingPunct="1">
+              <a:lnSpc>
+                <a:spcPct val="100000"/>
+              </a:lnSpc>
+              <a:spcBef>
+                <a:spcPts val="0"/>
+              </a:spcBef>
+              <a:spcAft>
+                <a:spcPts val="0"/>
+              </a:spcAft>
+              <a:buClrTx/>
+              <a:buSzTx/>
+              <a:buFontTx/>
+              <a:buNone/>
+              <a:tabLst/>
+              <a:defRPr/>
+            </a:pPr>
+            <a:endParaRPr kumimoji="0" lang="en-US" sz="3200" b="0" i="0" u="none" strike="noStrike" kern="1200" cap="none" spc="0" normalizeH="0" baseline="0" noProof="0" dirty="0">
+              <a:ln>
+                <a:noFill/>
+              </a:ln>
+              <a:solidFill>
+                <a:srgbClr val="FFFFFF">
+                  <a:alpha val="75000"/>
+                </a:srgbClr>
+              </a:solidFill>
+              <a:effectLst/>
+              <a:uLnTx/>
+              <a:uFillTx/>
+              <a:latin typeface="Calibri"/>
+              <a:ea typeface="+mn-ea"/>
+              <a:cs typeface="+mn-cs"/>
+            </a:endParaRPr>
+          </a:p>
+          <a:p>
+            <a:pPr marL="0" marR="0" lvl="0" indent="0" algn="l" defTabSz="457200" rtl="0" eaLnBrk="1" fontAlgn="auto" latinLnBrk="0" hangingPunct="1">
+              <a:lnSpc>
+                <a:spcPct val="100000"/>
+              </a:lnSpc>
+              <a:spcBef>
+                <a:spcPts val="0"/>
+              </a:spcBef>
+              <a:spcAft>
+                <a:spcPts val="0"/>
+              </a:spcAft>
+              <a:buClrTx/>
+              <a:buSzTx/>
+              <a:buFontTx/>
+              <a:buNone/>
+              <a:tabLst/>
+              <a:defRPr/>
+            </a:pPr>
+            <a:endParaRPr kumimoji="0" lang="en-US" sz="3200" b="0" i="0" u="none" strike="noStrike" kern="1200" cap="none" spc="0" normalizeH="0" baseline="0" noProof="0" dirty="0">
+              <a:ln>
+                <a:noFill/>
+              </a:ln>
+              <a:solidFill>
+                <a:srgbClr val="000000"/>
+              </a:solidFill>
+              <a:effectLst/>
+              <a:uLnTx/>
+              <a:uFillTx/>
+              <a:latin typeface="Calibri"/>
+              <a:ea typeface="+mn-ea"/>
+              <a:cs typeface="+mn-cs"/>
+            </a:endParaRPr>
+          </a:p>
+        </p:txBody>
+      </p:sp>
+    </p:spTree>
+    <p:extLst>
+      <p:ext uri="{BB962C8B-B14F-4D97-AF65-F5344CB8AC3E}">
+        <p14:creationId xmlns:p14="http://schemas.microsoft.com/office/powerpoint/2010/main" val="121643133"/>
+      </p:ext>
+    </p:extLst>
+  </p:cSld>
+  <p:clrMapOvr>
+    <a:masterClrMapping/>
+  </p:clrMapOvr>
+</p:sld>
+</file>
+
 <file path=ppt/slides/slide2.xml><?xml version="1.0" encoding="utf-8"?>
 <p:sld xmlns:a="http://schemas.openxmlformats.org/drawingml/2006/main" xmlns:r="http://schemas.openxmlformats.org/officeDocument/2006/relationships" xmlns:p="http://schemas.openxmlformats.org/presentationml/2006/main">
   <p:cSld>
@@ -9150,7 +13660,7 @@
                 <a:ea typeface="+mj-ea"/>
                 <a:cs typeface="+mj-cs"/>
               </a:rPr>
-              <a:t>2.1.1 </a:t>
+              <a:t>5.1 </a:t>
             </a:r>
             <a:br>
               <a:rPr lang="en-US" sz="6000" b="0" kern="1200" cap="all" dirty="0">
@@ -9407,37 +13917,315 @@
             <p:ph type="title"/>
           </p:nvPr>
         </p:nvSpPr>
-        <p:spPr/>
+        <p:spPr>
+          <a:xfrm>
+            <a:off x="581025" y="701675"/>
+            <a:ext cx="11029950" cy="566016"/>
+          </a:xfrm>
+        </p:spPr>
         <p:txBody>
           <a:bodyPr/>
           <a:lstStyle/>
           <a:p>
-            <a:endParaRPr lang="en-US"/>
-          </a:p>
-        </p:txBody>
-      </p:sp>
-      <p:sp>
-        <p:nvSpPr>
-          <p:cNvPr id="3" name="Content Placeholder 2">
+            <a:r>
+              <a:rPr lang="en-US" dirty="0"/>
+              <a:t>Multiple regression</a:t>
+            </a:r>
+          </a:p>
+        </p:txBody>
+      </p:sp>
+      <mc:AlternateContent xmlns:mc="http://schemas.openxmlformats.org/markup-compatibility/2006">
+        <mc:Choice xmlns:a14="http://schemas.microsoft.com/office/drawing/2010/main" Requires="a14">
+          <p:sp>
+            <p:nvSpPr>
+              <p:cNvPr id="3" name="Content Placeholder 2">
+                <a:extLst>
+                  <a:ext uri="{FF2B5EF4-FFF2-40B4-BE49-F238E27FC236}">
+                    <a16:creationId xmlns:a16="http://schemas.microsoft.com/office/drawing/2014/main" id="{7CEE8EEE-BC27-5B60-E8C9-EEDCD7AC3CFE}"/>
+                  </a:ext>
+                </a:extLst>
+              </p:cNvPr>
+              <p:cNvSpPr>
+                <a:spLocks noGrp="1"/>
+              </p:cNvSpPr>
+              <p:nvPr>
+                <p:ph idx="1"/>
+              </p:nvPr>
+            </p:nvSpPr>
+            <p:spPr>
+              <a:xfrm>
+                <a:off x="581025" y="1350964"/>
+                <a:ext cx="11029950" cy="1406092"/>
+              </a:xfrm>
+            </p:spPr>
+            <p:txBody>
+              <a:bodyPr>
+                <a:normAutofit/>
+              </a:bodyPr>
+              <a:lstStyle/>
+              <a:p>
+                <a:pPr lvl="0"/>
+                <a:r>
+                  <a:rPr lang="en-US" dirty="0">
+                    <a:sym typeface="Arial"/>
+                  </a:rPr>
+                  <a:t>Simple linear regression: Bivariate - two variables: </a:t>
+                </a:r>
+                <a:r>
+                  <a:rPr lang="en-US" dirty="0">
+                    <a:sym typeface="Times New Roman"/>
+                  </a:rPr>
+                  <a:t>y </a:t>
+                </a:r>
+                <a:r>
+                  <a:rPr lang="en-US" dirty="0">
+                    <a:sym typeface="Arial"/>
+                  </a:rPr>
+                  <a:t>and </a:t>
+                </a:r>
+                <a:r>
+                  <a:rPr lang="en-US" dirty="0">
+                    <a:sym typeface="Times New Roman"/>
+                  </a:rPr>
+                  <a:t>x</a:t>
+                </a:r>
+              </a:p>
+              <a:p>
+                <a:pPr lvl="0"/>
+                <a:r>
+                  <a:rPr lang="en-US" dirty="0">
+                    <a:sym typeface="Arial"/>
+                  </a:rPr>
+                  <a:t>Multiple linear regression: Multiple variables: </a:t>
+                </a:r>
+                <a:r>
+                  <a:rPr lang="en-US" dirty="0">
+                    <a:sym typeface="Times New Roman"/>
+                  </a:rPr>
+                  <a:t>y </a:t>
+                </a:r>
+                <a:r>
+                  <a:rPr lang="en-US" dirty="0">
+                    <a:sym typeface="Arial"/>
+                  </a:rPr>
+                  <a:t>and</a:t>
+                </a:r>
+                <a14:m>
+                  <m:oMath xmlns:m="http://schemas.openxmlformats.org/officeDocument/2006/math">
+                    <m:sSub>
+                      <m:sSubPr>
+                        <m:ctrlPr>
+                          <a:rPr lang="en-US" i="1" smtClean="0">
+                            <a:latin typeface="Cambria Math" panose="02040503050406030204" pitchFamily="18" charset="0"/>
+                            <a:sym typeface="Arial"/>
+                          </a:rPr>
+                        </m:ctrlPr>
+                      </m:sSubPr>
+                      <m:e>
+                        <m:r>
+                          <a:rPr lang="en-US" smtClean="0">
+                            <a:latin typeface="Cambria Math" panose="02040503050406030204" pitchFamily="18" charset="0"/>
+                            <a:sym typeface="Arial"/>
+                          </a:rPr>
+                          <m:t>𝑥</m:t>
+                        </m:r>
+                      </m:e>
+                      <m:sub>
+                        <m:r>
+                          <a:rPr lang="en-US" smtClean="0">
+                            <a:latin typeface="Cambria Math" panose="02040503050406030204" pitchFamily="18" charset="0"/>
+                            <a:sym typeface="Arial"/>
+                          </a:rPr>
+                          <m:t>1</m:t>
+                        </m:r>
+                      </m:sub>
+                    </m:sSub>
+                    <m:r>
+                      <a:rPr lang="en-US" smtClean="0">
+                        <a:latin typeface="Cambria Math" panose="02040503050406030204" pitchFamily="18" charset="0"/>
+                        <a:sym typeface="Arial"/>
+                      </a:rPr>
+                      <m:t>, </m:t>
+                    </m:r>
+                    <m:sSub>
+                      <m:sSubPr>
+                        <m:ctrlPr>
+                          <a:rPr lang="en-US" i="1" smtClean="0">
+                            <a:latin typeface="Cambria Math" panose="02040503050406030204" pitchFamily="18" charset="0"/>
+                            <a:sym typeface="Arial"/>
+                          </a:rPr>
+                        </m:ctrlPr>
+                      </m:sSubPr>
+                      <m:e>
+                        <m:r>
+                          <a:rPr lang="en-US" smtClean="0">
+                            <a:latin typeface="Cambria Math" panose="02040503050406030204" pitchFamily="18" charset="0"/>
+                            <a:sym typeface="Arial"/>
+                          </a:rPr>
+                          <m:t>𝑥</m:t>
+                        </m:r>
+                      </m:e>
+                      <m:sub>
+                        <m:r>
+                          <a:rPr lang="en-US" smtClean="0">
+                            <a:latin typeface="Cambria Math" panose="02040503050406030204" pitchFamily="18" charset="0"/>
+                            <a:sym typeface="Arial"/>
+                          </a:rPr>
+                          <m:t>2</m:t>
+                        </m:r>
+                      </m:sub>
+                    </m:sSub>
+                    <m:r>
+                      <a:rPr lang="en-US" smtClean="0">
+                        <a:latin typeface="Cambria Math" panose="02040503050406030204" pitchFamily="18" charset="0"/>
+                        <a:sym typeface="Arial"/>
+                      </a:rPr>
+                      <m:t>, </m:t>
+                    </m:r>
+                    <m:sSub>
+                      <m:sSubPr>
+                        <m:ctrlPr>
+                          <a:rPr lang="en-US" i="1" smtClean="0">
+                            <a:latin typeface="Cambria Math" panose="02040503050406030204" pitchFamily="18" charset="0"/>
+                            <a:sym typeface="Arial"/>
+                          </a:rPr>
+                        </m:ctrlPr>
+                      </m:sSubPr>
+                      <m:e>
+                        <m:r>
+                          <a:rPr lang="en-US" smtClean="0">
+                            <a:latin typeface="Cambria Math" panose="02040503050406030204" pitchFamily="18" charset="0"/>
+                            <a:sym typeface="Arial"/>
+                          </a:rPr>
+                          <m:t>𝑥</m:t>
+                        </m:r>
+                      </m:e>
+                      <m:sub>
+                        <m:r>
+                          <a:rPr lang="en-US" smtClean="0">
+                            <a:latin typeface="Cambria Math" panose="02040503050406030204" pitchFamily="18" charset="0"/>
+                            <a:sym typeface="Arial"/>
+                          </a:rPr>
+                          <m:t>3</m:t>
+                        </m:r>
+                      </m:sub>
+                    </m:sSub>
+                  </m:oMath>
+                </a14:m>
+                <a:r>
+                  <a:rPr lang="en-US" dirty="0">
+                    <a:sym typeface="Century Gothic"/>
+                  </a:rPr>
+                  <a:t>, </a:t>
+                </a:r>
+                <a:r>
+                  <a:rPr lang="en-US" dirty="0">
+                    <a:sym typeface="Rambla"/>
+                  </a:rPr>
+                  <a:t>· · ·</a:t>
+                </a:r>
+              </a:p>
+            </p:txBody>
+          </p:sp>
+        </mc:Choice>
+        <mc:Fallback>
+          <p:sp>
+            <p:nvSpPr>
+              <p:cNvPr id="3" name="Content Placeholder 2">
+                <a:extLst>
+                  <a:ext uri="{FF2B5EF4-FFF2-40B4-BE49-F238E27FC236}">
+                    <a16:creationId xmlns:a16="http://schemas.microsoft.com/office/drawing/2014/main" id="{7CEE8EEE-BC27-5B60-E8C9-EEDCD7AC3CFE}"/>
+                  </a:ext>
+                </a:extLst>
+              </p:cNvPr>
+              <p:cNvSpPr>
+                <a:spLocks noGrp="1" noRot="1" noChangeAspect="1" noMove="1" noResize="1" noEditPoints="1" noAdjustHandles="1" noChangeArrowheads="1" noChangeShapeType="1" noTextEdit="1"/>
+              </p:cNvSpPr>
+              <p:nvPr>
+                <p:ph idx="1"/>
+              </p:nvPr>
+            </p:nvSpPr>
+            <p:spPr>
+              <a:xfrm>
+                <a:off x="581025" y="1350964"/>
+                <a:ext cx="11029950" cy="1406092"/>
+              </a:xfrm>
+              <a:blipFill>
+                <a:blip r:embed="rId2"/>
+                <a:stretch>
+                  <a:fillRect l="-221"/>
+                </a:stretch>
+              </a:blipFill>
+            </p:spPr>
+            <p:txBody>
+              <a:bodyPr/>
+              <a:lstStyle/>
+              <a:p>
+                <a:r>
+                  <a:rPr lang="en-US">
+                    <a:noFill/>
+                  </a:rPr>
+                  <a:t> </a:t>
+                </a:r>
+              </a:p>
+            </p:txBody>
+          </p:sp>
+        </mc:Fallback>
+      </mc:AlternateContent>
+      <p:sp>
+        <p:nvSpPr>
+          <p:cNvPr id="4" name="Google Shape;126;p28">
             <a:extLst>
               <a:ext uri="{FF2B5EF4-FFF2-40B4-BE49-F238E27FC236}">
-                <a16:creationId xmlns:a16="http://schemas.microsoft.com/office/drawing/2014/main" id="{7CEE8EEE-BC27-5B60-E8C9-EEDCD7AC3CFE}"/>
+                <a16:creationId xmlns:a16="http://schemas.microsoft.com/office/drawing/2014/main" id="{81AFB025-1C1A-86FA-8EFE-1AA888FC6070}"/>
               </a:ext>
             </a:extLst>
           </p:cNvPr>
-          <p:cNvSpPr>
-            <a:spLocks noGrp="1"/>
-          </p:cNvSpPr>
-          <p:nvPr>
-            <p:ph idx="1"/>
-          </p:nvPr>
-        </p:nvSpPr>
-        <p:spPr/>
-        <p:txBody>
-          <a:bodyPr/>
+          <p:cNvSpPr txBox="1"/>
+          <p:nvPr/>
+        </p:nvSpPr>
+        <p:spPr>
+          <a:xfrm>
+            <a:off x="966089" y="902405"/>
+            <a:ext cx="7254744" cy="685169"/>
+          </a:xfrm>
+          <a:prstGeom prst="rect">
+            <a:avLst/>
+          </a:prstGeom>
+          <a:noFill/>
+          <a:ln>
+            <a:noFill/>
+          </a:ln>
+        </p:spPr>
+        <p:txBody>
+          <a:bodyPr spcFirstLastPara="1" wrap="square" lIns="0" tIns="0" rIns="0" bIns="0" anchor="t" anchorCtr="0">
+            <a:noAutofit/>
+          </a:bodyPr>
           <a:lstStyle/>
           <a:p>
-            <a:endParaRPr lang="en-US"/>
+            <a:pPr marL="266700" marR="0" lvl="0" indent="-247650" algn="l" rtl="0">
+              <a:lnSpc>
+                <a:spcPct val="100000"/>
+              </a:lnSpc>
+              <a:spcBef>
+                <a:spcPts val="0"/>
+              </a:spcBef>
+              <a:spcAft>
+                <a:spcPts val="0"/>
+              </a:spcAft>
+              <a:buClr>
+                <a:srgbClr val="22373A"/>
+              </a:buClr>
+              <a:buSzPts val="1900"/>
+              <a:buFont typeface="Lucida Sans"/>
+              <a:buChar char="•"/>
+            </a:pPr>
+            <a:endParaRPr sz="1900" dirty="0">
+              <a:latin typeface="Rambla"/>
+              <a:ea typeface="Rambla"/>
+              <a:cs typeface="Rambla"/>
+              <a:sym typeface="Rambla"/>
+            </a:endParaRPr>
           </a:p>
         </p:txBody>
       </p:sp>
@@ -9459,13 +14247,7 @@
   <p:cSld>
     <p:spTree>
       <p:nvGrpSpPr>
-        <p:cNvPr id="1" name="">
-          <a:extLst>
-            <a:ext uri="{FF2B5EF4-FFF2-40B4-BE49-F238E27FC236}">
-              <a16:creationId xmlns:a16="http://schemas.microsoft.com/office/drawing/2014/main" id="{5AE1A827-5F7B-1C9B-DFDA-1A7B41DDD160}"/>
-            </a:ext>
-          </a:extLst>
-        </p:cNvPr>
+        <p:cNvPr id="1" name=""/>
         <p:cNvGrpSpPr/>
         <p:nvPr/>
       </p:nvGrpSpPr>
@@ -9477,41 +14259,12 @@
           <a:chExt cx="0" cy="0"/>
         </a:xfrm>
       </p:grpSpPr>
-      <p:pic>
-        <p:nvPicPr>
-          <p:cNvPr id="4" name="Picture 3" descr="A colorful background with waves&#10;&#10;Description automatically generated with medium confidence">
+      <p:sp>
+        <p:nvSpPr>
+          <p:cNvPr id="9" name="Title 8">
             <a:extLst>
               <a:ext uri="{FF2B5EF4-FFF2-40B4-BE49-F238E27FC236}">
-                <a16:creationId xmlns:a16="http://schemas.microsoft.com/office/drawing/2014/main" id="{80B863BA-C9D0-A0B2-5422-A717FE65BEA4}"/>
-              </a:ext>
-            </a:extLst>
-          </p:cNvPr>
-          <p:cNvPicPr>
-            <a:picLocks noChangeAspect="1"/>
-          </p:cNvPicPr>
-          <p:nvPr/>
-        </p:nvPicPr>
-        <p:blipFill>
-          <a:blip r:embed="rId2"/>
-          <a:srcRect r="11111"/>
-          <a:stretch/>
-        </p:blipFill>
-        <p:spPr>
-          <a:xfrm>
-            <a:off x="20" y="12"/>
-            <a:ext cx="12191980" cy="6857988"/>
-          </a:xfrm>
-          <a:prstGeom prst="rect">
-            <a:avLst/>
-          </a:prstGeom>
-        </p:spPr>
-      </p:pic>
-      <p:sp>
-        <p:nvSpPr>
-          <p:cNvPr id="2" name="Title 1">
-            <a:extLst>
-              <a:ext uri="{FF2B5EF4-FFF2-40B4-BE49-F238E27FC236}">
-                <a16:creationId xmlns:a16="http://schemas.microsoft.com/office/drawing/2014/main" id="{525F13AC-84C1-CB46-6321-DCE6853170D0}"/>
+                <a16:creationId xmlns:a16="http://schemas.microsoft.com/office/drawing/2014/main" id="{8569CC85-ED5B-C30D-C5F7-CD20BC06033A}"/>
               </a:ext>
             </a:extLst>
           </p:cNvPr>
@@ -9519,349 +14272,59 @@
             <a:spLocks noGrp="1"/>
           </p:cNvSpPr>
           <p:nvPr>
-            <p:ph type="ctrTitle"/>
+            <p:ph type="title"/>
           </p:nvPr>
         </p:nvSpPr>
         <p:spPr>
           <a:xfrm>
-            <a:off x="837126" y="1693546"/>
-            <a:ext cx="4320227" cy="2009774"/>
+            <a:off x="581192" y="702156"/>
+            <a:ext cx="11029616" cy="586317"/>
           </a:xfrm>
         </p:spPr>
         <p:txBody>
-          <a:bodyPr>
-            <a:normAutofit fontScale="90000"/>
-          </a:bodyPr>
+          <a:bodyPr/>
           <a:lstStyle/>
           <a:p>
             <a:r>
-              <a:rPr lang="en-US" sz="4000" dirty="0">
-                <a:solidFill>
-                  <a:srgbClr val="FFFFFF"/>
-                </a:solidFill>
-              </a:rPr>
-              <a:t>WEEK 03 </a:t>
-            </a:r>
-            <a:br>
-              <a:rPr lang="en-US" sz="4000" dirty="0">
-                <a:solidFill>
-                  <a:srgbClr val="FFFFFF"/>
-                </a:solidFill>
-              </a:rPr>
-            </a:br>
-            <a:br>
-              <a:rPr lang="en-US" sz="4000" dirty="0">
-                <a:solidFill>
-                  <a:srgbClr val="FFFFFF"/>
-                </a:solidFill>
-              </a:rPr>
-            </a:br>
-            <a:r>
-              <a:rPr lang="en-US" sz="4000" dirty="0">
-                <a:solidFill>
-                  <a:srgbClr val="FFFFFF"/>
-                </a:solidFill>
-              </a:rPr>
-              <a:t>CODE DEMO </a:t>
-            </a:r>
-            <a:r>
-              <a:rPr lang="en-US" altLang="zh-CN" sz="4000" dirty="0">
-                <a:solidFill>
-                  <a:srgbClr val="FFFFFF"/>
-                </a:solidFill>
-              </a:rPr>
-              <a:t>session</a:t>
-            </a:r>
-            <a:endParaRPr lang="en-US" sz="4000" dirty="0">
-              <a:solidFill>
-                <a:srgbClr val="FFFFFF"/>
-              </a:solidFill>
-            </a:endParaRPr>
-          </a:p>
-        </p:txBody>
-      </p:sp>
-      <p:sp>
-        <p:nvSpPr>
-          <p:cNvPr id="5" name="TextBox 4">
+              <a:rPr lang="en-US" dirty="0"/>
+              <a:t>Loans data</a:t>
+            </a:r>
+          </a:p>
+        </p:txBody>
+      </p:sp>
+      <p:pic>
+        <p:nvPicPr>
+          <p:cNvPr id="5" name="Content Placeholder 4">
             <a:extLst>
               <a:ext uri="{FF2B5EF4-FFF2-40B4-BE49-F238E27FC236}">
-                <a16:creationId xmlns:a16="http://schemas.microsoft.com/office/drawing/2014/main" id="{9211D3B9-9728-4880-CDAB-01882AFA691F}"/>
+                <a16:creationId xmlns:a16="http://schemas.microsoft.com/office/drawing/2014/main" id="{CF8E0FE5-25D4-533C-88E8-A0D9A71164F9}"/>
               </a:ext>
             </a:extLst>
           </p:cNvPr>
-          <p:cNvSpPr txBox="1"/>
-          <p:nvPr/>
-        </p:nvSpPr>
+          <p:cNvPicPr>
+            <a:picLocks noGrp="1" noChangeAspect="1"/>
+          </p:cNvPicPr>
+          <p:nvPr>
+            <p:ph idx="1"/>
+          </p:nvPr>
+        </p:nvPicPr>
+        <p:blipFill>
+          <a:blip r:embed="rId2"/>
+          <a:stretch>
+            <a:fillRect/>
+          </a:stretch>
+        </p:blipFill>
         <p:spPr>
           <a:xfrm>
-            <a:off x="837126" y="4289196"/>
-            <a:ext cx="3912124" cy="3046988"/>
+            <a:off x="2275172" y="1530928"/>
+            <a:ext cx="8468195" cy="4527550"/>
           </a:xfrm>
-          <a:prstGeom prst="rect">
-            <a:avLst/>
-          </a:prstGeom>
-          <a:noFill/>
         </p:spPr>
-        <p:txBody>
-          <a:bodyPr wrap="square" rtlCol="0">
-            <a:spAutoFit/>
-          </a:bodyPr>
-          <a:lstStyle/>
-          <a:p>
-            <a:pPr marL="0" marR="0" lvl="0" indent="0" algn="l" defTabSz="457200" rtl="0" eaLnBrk="1" fontAlgn="auto" latinLnBrk="0" hangingPunct="1">
-              <a:lnSpc>
-                <a:spcPct val="100000"/>
-              </a:lnSpc>
-              <a:spcBef>
-                <a:spcPts val="0"/>
-              </a:spcBef>
-              <a:spcAft>
-                <a:spcPts val="0"/>
-              </a:spcAft>
-              <a:buClrTx/>
-              <a:buSzTx/>
-              <a:buFontTx/>
-              <a:buNone/>
-              <a:tabLst/>
-              <a:defRPr/>
-            </a:pPr>
-            <a:r>
-              <a:rPr kumimoji="0" lang="en-US" sz="3200" b="0" i="0" u="none" strike="noStrike" kern="1200" cap="none" spc="0" normalizeH="0" baseline="0" noProof="0" dirty="0">
-                <a:ln>
-                  <a:noFill/>
-                </a:ln>
-                <a:solidFill>
-                  <a:srgbClr val="FFFFFF">
-                    <a:alpha val="75000"/>
-                  </a:srgbClr>
-                </a:solidFill>
-                <a:effectLst/>
-                <a:uLnTx/>
-                <a:uFillTx/>
-                <a:latin typeface="Calibri"/>
-                <a:ea typeface="+mn-ea"/>
-                <a:cs typeface="+mn-cs"/>
-              </a:rPr>
-              <a:t>Instructor: Yanan Wu</a:t>
-            </a:r>
-          </a:p>
-          <a:p>
-            <a:pPr marL="0" marR="0" lvl="0" indent="0" algn="l" defTabSz="457200" rtl="0" eaLnBrk="1" fontAlgn="auto" latinLnBrk="0" hangingPunct="1">
-              <a:lnSpc>
-                <a:spcPct val="100000"/>
-              </a:lnSpc>
-              <a:spcBef>
-                <a:spcPts val="0"/>
-              </a:spcBef>
-              <a:spcAft>
-                <a:spcPts val="0"/>
-              </a:spcAft>
-              <a:buClrTx/>
-              <a:buSzTx/>
-              <a:buFontTx/>
-              <a:buNone/>
-              <a:tabLst/>
-              <a:defRPr/>
-            </a:pPr>
-            <a:r>
-              <a:rPr kumimoji="0" lang="en-US" sz="3200" b="0" i="0" u="none" strike="noStrike" kern="1200" cap="none" spc="0" normalizeH="0" baseline="0" noProof="0" dirty="0">
-                <a:ln>
-                  <a:noFill/>
-                </a:ln>
-                <a:solidFill>
-                  <a:srgbClr val="FFFFFF">
-                    <a:alpha val="75000"/>
-                  </a:srgbClr>
-                </a:solidFill>
-                <a:effectLst/>
-                <a:uLnTx/>
-                <a:uFillTx/>
-                <a:latin typeface="Calibri"/>
-                <a:ea typeface="+mn-ea"/>
-                <a:cs typeface="+mn-cs"/>
-              </a:rPr>
-              <a:t>TA: </a:t>
-            </a:r>
-            <a:r>
-              <a:rPr lang="en-US" sz="3200" dirty="0">
-                <a:solidFill>
-                  <a:srgbClr val="FFFFFF">
-                    <a:alpha val="75000"/>
-                  </a:srgbClr>
-                </a:solidFill>
-                <a:latin typeface="Calibri" panose="020F0502020204030204" pitchFamily="34" charset="0"/>
-                <a:ea typeface="Calibri" panose="020F0502020204030204" pitchFamily="34" charset="0"/>
-                <a:cs typeface="Calibri" panose="020F0502020204030204" pitchFamily="34" charset="0"/>
-              </a:rPr>
-              <a:t>Khadija Nisar </a:t>
-            </a:r>
-            <a:endParaRPr kumimoji="0" lang="en-US" sz="3200" b="0" i="0" u="none" strike="noStrike" kern="1200" cap="none" spc="0" normalizeH="0" baseline="0" noProof="0" dirty="0">
-              <a:ln>
-                <a:noFill/>
-              </a:ln>
-              <a:solidFill>
-                <a:srgbClr val="FFFFFF">
-                  <a:alpha val="75000"/>
-                </a:srgbClr>
-              </a:solidFill>
-              <a:effectLst/>
-              <a:uLnTx/>
-              <a:uFillTx/>
-              <a:latin typeface="Calibri"/>
-              <a:ea typeface="+mn-ea"/>
-              <a:cs typeface="+mn-cs"/>
-            </a:endParaRPr>
-          </a:p>
-          <a:p>
-            <a:pPr marL="0" marR="0" lvl="0" indent="0" algn="l" defTabSz="457200" rtl="0" eaLnBrk="1" fontAlgn="auto" latinLnBrk="0" hangingPunct="1">
-              <a:lnSpc>
-                <a:spcPct val="100000"/>
-              </a:lnSpc>
-              <a:spcBef>
-                <a:spcPts val="0"/>
-              </a:spcBef>
-              <a:spcAft>
-                <a:spcPts val="0"/>
-              </a:spcAft>
-              <a:buClrTx/>
-              <a:buSzTx/>
-              <a:buFontTx/>
-              <a:buNone/>
-              <a:tabLst/>
-              <a:defRPr/>
-            </a:pPr>
-            <a:r>
-              <a:rPr kumimoji="0" lang="en-US" sz="3200" b="0" i="0" u="none" strike="noStrike" kern="1200" cap="none" spc="0" normalizeH="0" baseline="0" noProof="0" dirty="0">
-                <a:ln>
-                  <a:noFill/>
-                </a:ln>
-                <a:solidFill>
-                  <a:srgbClr val="FFFFFF">
-                    <a:alpha val="75000"/>
-                  </a:srgbClr>
-                </a:solidFill>
-                <a:effectLst/>
-                <a:uLnTx/>
-                <a:uFillTx/>
-                <a:latin typeface="Calibri"/>
-                <a:ea typeface="+mn-ea"/>
-                <a:cs typeface="+mn-cs"/>
-              </a:rPr>
-              <a:t> </a:t>
-            </a:r>
-          </a:p>
-          <a:p>
-            <a:pPr marL="0" marR="0" lvl="0" indent="0" algn="l" defTabSz="457200" rtl="0" eaLnBrk="1" fontAlgn="auto" latinLnBrk="0" hangingPunct="1">
-              <a:lnSpc>
-                <a:spcPct val="100000"/>
-              </a:lnSpc>
-              <a:spcBef>
-                <a:spcPts val="0"/>
-              </a:spcBef>
-              <a:spcAft>
-                <a:spcPts val="0"/>
-              </a:spcAft>
-              <a:buClrTx/>
-              <a:buSzTx/>
-              <a:buFontTx/>
-              <a:buNone/>
-              <a:tabLst/>
-              <a:defRPr/>
-            </a:pPr>
-            <a:r>
-              <a:rPr kumimoji="0" lang="en-US" sz="3200" b="0" i="0" u="none" strike="noStrike" kern="1200" cap="none" spc="0" normalizeH="0" baseline="0" noProof="0" dirty="0">
-                <a:ln>
-                  <a:noFill/>
-                </a:ln>
-                <a:solidFill>
-                  <a:srgbClr val="FFFFFF">
-                    <a:alpha val="75000"/>
-                  </a:srgbClr>
-                </a:solidFill>
-                <a:effectLst/>
-                <a:uLnTx/>
-                <a:uFillTx/>
-                <a:latin typeface="Calibri"/>
-                <a:ea typeface="+mn-ea"/>
-                <a:cs typeface="+mn-cs"/>
-              </a:rPr>
-              <a:t>Spring 2025</a:t>
-            </a:r>
-          </a:p>
-          <a:p>
-            <a:pPr marL="0" marR="0" lvl="0" indent="0" algn="l" defTabSz="457200" rtl="0" eaLnBrk="1" fontAlgn="auto" latinLnBrk="0" hangingPunct="1">
-              <a:lnSpc>
-                <a:spcPct val="100000"/>
-              </a:lnSpc>
-              <a:spcBef>
-                <a:spcPts val="0"/>
-              </a:spcBef>
-              <a:spcAft>
-                <a:spcPts val="0"/>
-              </a:spcAft>
-              <a:buClrTx/>
-              <a:buSzTx/>
-              <a:buFontTx/>
-              <a:buNone/>
-              <a:tabLst/>
-              <a:defRPr/>
-            </a:pPr>
-            <a:endParaRPr kumimoji="0" lang="en-US" sz="3200" b="0" i="0" u="none" strike="noStrike" kern="1200" cap="none" spc="0" normalizeH="0" baseline="0" noProof="0" dirty="0">
-              <a:ln>
-                <a:noFill/>
-              </a:ln>
-              <a:solidFill>
-                <a:srgbClr val="FFFFFF">
-                  <a:alpha val="75000"/>
-                </a:srgbClr>
-              </a:solidFill>
-              <a:effectLst/>
-              <a:uLnTx/>
-              <a:uFillTx/>
-              <a:latin typeface="Calibri"/>
-              <a:ea typeface="+mn-ea"/>
-              <a:cs typeface="+mn-cs"/>
-            </a:endParaRPr>
-          </a:p>
-          <a:p>
-            <a:pPr marL="0" marR="0" lvl="0" indent="0" algn="l" defTabSz="457200" rtl="0" eaLnBrk="1" fontAlgn="auto" latinLnBrk="0" hangingPunct="1">
-              <a:lnSpc>
-                <a:spcPct val="100000"/>
-              </a:lnSpc>
-              <a:spcBef>
-                <a:spcPts val="0"/>
-              </a:spcBef>
-              <a:spcAft>
-                <a:spcPts val="0"/>
-              </a:spcAft>
-              <a:buClrTx/>
-              <a:buSzTx/>
-              <a:buFontTx/>
-              <a:buNone/>
-              <a:tabLst/>
-              <a:defRPr/>
-            </a:pPr>
-            <a:endParaRPr kumimoji="0" lang="en-US" sz="3200" b="0" i="0" u="none" strike="noStrike" kern="1200" cap="none" spc="0" normalizeH="0" baseline="0" noProof="0" dirty="0">
-              <a:ln>
-                <a:noFill/>
-              </a:ln>
-              <a:solidFill>
-                <a:srgbClr val="000000"/>
-              </a:solidFill>
-              <a:effectLst/>
-              <a:uLnTx/>
-              <a:uFillTx/>
-              <a:latin typeface="Calibri"/>
-              <a:ea typeface="+mn-ea"/>
-              <a:cs typeface="+mn-cs"/>
-            </a:endParaRPr>
-          </a:p>
-        </p:txBody>
-      </p:sp>
+      </p:pic>
     </p:spTree>
     <p:extLst>
       <p:ext uri="{BB962C8B-B14F-4D97-AF65-F5344CB8AC3E}">
-        <p14:creationId xmlns:p14="http://schemas.microsoft.com/office/powerpoint/2010/main" val="121643133"/>
+        <p14:creationId xmlns:p14="http://schemas.microsoft.com/office/powerpoint/2010/main" val="3072979583"/>
       </p:ext>
     </p:extLst>
   </p:cSld>
@@ -9890,7 +14353,226 @@
       </p:grpSpPr>
       <p:sp>
         <p:nvSpPr>
-          <p:cNvPr id="2" name="Title 1"/>
+          <p:cNvPr id="4" name="Title 1">
+            <a:extLst>
+              <a:ext uri="{FF2B5EF4-FFF2-40B4-BE49-F238E27FC236}">
+                <a16:creationId xmlns:a16="http://schemas.microsoft.com/office/drawing/2014/main" id="{E28D9661-4990-0F49-A117-D00474A16CE2}"/>
+              </a:ext>
+            </a:extLst>
+          </p:cNvPr>
+          <p:cNvSpPr txBox="1">
+            <a:spLocks/>
+          </p:cNvSpPr>
+          <p:nvPr/>
+        </p:nvSpPr>
+        <p:spPr>
+          <a:xfrm>
+            <a:off x="581192" y="702156"/>
+            <a:ext cx="11029616" cy="551680"/>
+          </a:xfrm>
+          <a:prstGeom prst="rect">
+            <a:avLst/>
+          </a:prstGeom>
+        </p:spPr>
+        <p:txBody>
+          <a:bodyPr vert="horz" lIns="91440" tIns="45720" rIns="91440" bIns="45720" rtlCol="0" anchor="b">
+            <a:normAutofit/>
+          </a:bodyPr>
+          <a:lstStyle>
+            <a:lvl1pPr algn="l" defTabSz="457200" rtl="0" eaLnBrk="1" latinLnBrk="0" hangingPunct="1">
+              <a:lnSpc>
+                <a:spcPct val="100000"/>
+              </a:lnSpc>
+              <a:spcBef>
+                <a:spcPct val="0"/>
+              </a:spcBef>
+              <a:buNone/>
+              <a:defRPr sz="2800" b="0" kern="1200" cap="all">
+                <a:solidFill>
+                  <a:schemeClr val="tx1">
+                    <a:lumMod val="75000"/>
+                    <a:lumOff val="25000"/>
+                  </a:schemeClr>
+                </a:solidFill>
+                <a:latin typeface="+mj-lt"/>
+                <a:ea typeface="+mj-ea"/>
+                <a:cs typeface="+mj-cs"/>
+              </a:defRPr>
+            </a:lvl1pPr>
+            <a:lvl2pPr eaLnBrk="1" hangingPunct="1">
+              <a:defRPr>
+                <a:solidFill>
+                  <a:schemeClr val="tx2"/>
+                </a:solidFill>
+              </a:defRPr>
+            </a:lvl2pPr>
+            <a:lvl3pPr eaLnBrk="1" hangingPunct="1">
+              <a:defRPr>
+                <a:solidFill>
+                  <a:schemeClr val="tx2"/>
+                </a:solidFill>
+              </a:defRPr>
+            </a:lvl3pPr>
+            <a:lvl4pPr eaLnBrk="1" hangingPunct="1">
+              <a:defRPr>
+                <a:solidFill>
+                  <a:schemeClr val="tx2"/>
+                </a:solidFill>
+              </a:defRPr>
+            </a:lvl4pPr>
+            <a:lvl5pPr eaLnBrk="1" hangingPunct="1">
+              <a:defRPr>
+                <a:solidFill>
+                  <a:schemeClr val="tx2"/>
+                </a:solidFill>
+              </a:defRPr>
+            </a:lvl5pPr>
+            <a:lvl6pPr eaLnBrk="1" hangingPunct="1">
+              <a:defRPr>
+                <a:solidFill>
+                  <a:schemeClr val="tx2"/>
+                </a:solidFill>
+              </a:defRPr>
+            </a:lvl6pPr>
+            <a:lvl7pPr eaLnBrk="1" hangingPunct="1">
+              <a:defRPr>
+                <a:solidFill>
+                  <a:schemeClr val="tx2"/>
+                </a:solidFill>
+              </a:defRPr>
+            </a:lvl7pPr>
+            <a:lvl8pPr eaLnBrk="1" hangingPunct="1">
+              <a:defRPr>
+                <a:solidFill>
+                  <a:schemeClr val="tx2"/>
+                </a:solidFill>
+              </a:defRPr>
+            </a:lvl8pPr>
+            <a:lvl9pPr eaLnBrk="1" hangingPunct="1">
+              <a:defRPr>
+                <a:solidFill>
+                  <a:schemeClr val="tx2"/>
+                </a:solidFill>
+              </a:defRPr>
+            </a:lvl9pPr>
+          </a:lstStyle>
+          <a:p>
+            <a:r>
+              <a:rPr lang="en-US" dirty="0"/>
+              <a:t>Categorical variable as predictors</a:t>
+            </a:r>
+          </a:p>
+        </p:txBody>
+      </p:sp>
+      <p:sp>
+        <p:nvSpPr>
+          <p:cNvPr id="7" name="TextBox 6">
+            <a:extLst>
+              <a:ext uri="{FF2B5EF4-FFF2-40B4-BE49-F238E27FC236}">
+                <a16:creationId xmlns:a16="http://schemas.microsoft.com/office/drawing/2014/main" id="{E198ED88-2C84-5171-EBBC-06DF7125C28D}"/>
+              </a:ext>
+            </a:extLst>
+          </p:cNvPr>
+          <p:cNvSpPr txBox="1"/>
+          <p:nvPr/>
+        </p:nvSpPr>
+        <p:spPr>
+          <a:xfrm>
+            <a:off x="3336026" y="4688801"/>
+            <a:ext cx="5929745" cy="369332"/>
+          </a:xfrm>
+          <a:prstGeom prst="rect">
+            <a:avLst/>
+          </a:prstGeom>
+          <a:noFill/>
+        </p:spPr>
+        <p:txBody>
+          <a:bodyPr wrap="square" rtlCol="0">
+            <a:spAutoFit/>
+          </a:bodyPr>
+          <a:lstStyle/>
+          <a:p>
+            <a:r>
+              <a:rPr lang="en-US" dirty="0"/>
+              <a:t>Which variables are categorical variable</a:t>
+            </a:r>
+            <a:r>
+              <a:rPr lang="zh-CN" altLang="en-US" dirty="0"/>
+              <a:t>？ </a:t>
+            </a:r>
+            <a:endParaRPr lang="en-US" dirty="0"/>
+          </a:p>
+        </p:txBody>
+      </p:sp>
+      <p:pic>
+        <p:nvPicPr>
+          <p:cNvPr id="9" name="Picture 8">
+            <a:extLst>
+              <a:ext uri="{FF2B5EF4-FFF2-40B4-BE49-F238E27FC236}">
+                <a16:creationId xmlns:a16="http://schemas.microsoft.com/office/drawing/2014/main" id="{D47E74C5-BD82-54A0-640B-F0D9DD904336}"/>
+              </a:ext>
+            </a:extLst>
+          </p:cNvPr>
+          <p:cNvPicPr>
+            <a:picLocks noChangeAspect="1"/>
+          </p:cNvPicPr>
+          <p:nvPr/>
+        </p:nvPicPr>
+        <p:blipFill>
+          <a:blip r:embed="rId2"/>
+          <a:stretch>
+            <a:fillRect/>
+          </a:stretch>
+        </p:blipFill>
+        <p:spPr>
+          <a:xfrm>
+            <a:off x="592281" y="1636389"/>
+            <a:ext cx="10674927" cy="2492355"/>
+          </a:xfrm>
+          <a:prstGeom prst="rect">
+            <a:avLst/>
+          </a:prstGeom>
+        </p:spPr>
+      </p:pic>
+    </p:spTree>
+    <p:extLst>
+      <p:ext uri="{BB962C8B-B14F-4D97-AF65-F5344CB8AC3E}">
+        <p14:creationId xmlns:p14="http://schemas.microsoft.com/office/powerpoint/2010/main" val="831841017"/>
+      </p:ext>
+    </p:extLst>
+  </p:cSld>
+  <p:clrMapOvr>
+    <a:masterClrMapping/>
+  </p:clrMapOvr>
+</p:sld>
+</file>
+
+<file path=ppt/slides/slide6.xml><?xml version="1.0" encoding="utf-8"?>
+<p:sld xmlns:a="http://schemas.openxmlformats.org/drawingml/2006/main" xmlns:r="http://schemas.openxmlformats.org/officeDocument/2006/relationships" xmlns:p="http://schemas.openxmlformats.org/presentationml/2006/main">
+  <p:cSld>
+    <p:spTree>
+      <p:nvGrpSpPr>
+        <p:cNvPr id="1" name=""/>
+        <p:cNvGrpSpPr/>
+        <p:nvPr/>
+      </p:nvGrpSpPr>
+      <p:grpSpPr>
+        <a:xfrm>
+          <a:off x="0" y="0"/>
+          <a:ext cx="0" cy="0"/>
+          <a:chOff x="0" y="0"/>
+          <a:chExt cx="0" cy="0"/>
+        </a:xfrm>
+      </p:grpSpPr>
+      <p:sp>
+        <p:nvSpPr>
+          <p:cNvPr id="2" name="Title 1">
+            <a:extLst>
+              <a:ext uri="{FF2B5EF4-FFF2-40B4-BE49-F238E27FC236}">
+                <a16:creationId xmlns:a16="http://schemas.microsoft.com/office/drawing/2014/main" id="{A938FB74-29B4-C3A0-591C-527D55AD878C}"/>
+              </a:ext>
+            </a:extLst>
+          </p:cNvPr>
           <p:cNvSpPr>
             <a:spLocks noGrp="1"/>
           </p:cNvSpPr>
@@ -9901,7 +14583,7 @@
         <p:spPr>
           <a:xfrm>
             <a:off x="581192" y="702156"/>
-            <a:ext cx="11029616" cy="563936"/>
+            <a:ext cx="11029616" cy="551680"/>
           </a:xfrm>
         </p:spPr>
         <p:txBody>
@@ -9910,14 +14592,718 @@
           <a:p>
             <a:r>
               <a:rPr lang="en-US" dirty="0"/>
-              <a:t>code</a:t>
-            </a:r>
-          </a:p>
-        </p:txBody>
-      </p:sp>
-      <p:sp>
-        <p:nvSpPr>
-          <p:cNvPr id="3" name="Content Placeholder 2"/>
+              <a:t>2-level Categorical variable as predictors</a:t>
+            </a:r>
+          </a:p>
+        </p:txBody>
+      </p:sp>
+      <p:pic>
+        <p:nvPicPr>
+          <p:cNvPr id="14" name="Picture 13">
+            <a:extLst>
+              <a:ext uri="{FF2B5EF4-FFF2-40B4-BE49-F238E27FC236}">
+                <a16:creationId xmlns:a16="http://schemas.microsoft.com/office/drawing/2014/main" id="{746AA6F8-935F-401C-31A6-E7F1A5FED006}"/>
+              </a:ext>
+            </a:extLst>
+          </p:cNvPr>
+          <p:cNvPicPr>
+            <a:picLocks noChangeAspect="1"/>
+          </p:cNvPicPr>
+          <p:nvPr/>
+        </p:nvPicPr>
+        <p:blipFill>
+          <a:blip r:embed="rId2"/>
+          <a:stretch>
+            <a:fillRect/>
+          </a:stretch>
+        </p:blipFill>
+        <p:spPr>
+          <a:xfrm>
+            <a:off x="1513748" y="1464626"/>
+            <a:ext cx="8580490" cy="3697924"/>
+          </a:xfrm>
+          <a:prstGeom prst="rect">
+            <a:avLst/>
+          </a:prstGeom>
+        </p:spPr>
+      </p:pic>
+      <mc:AlternateContent xmlns:mc="http://schemas.openxmlformats.org/markup-compatibility/2006">
+        <mc:Choice xmlns:a14="http://schemas.microsoft.com/office/drawing/2010/main" Requires="a14">
+          <p:sp>
+            <p:nvSpPr>
+              <p:cNvPr id="15" name="TextBox 14">
+                <a:extLst>
+                  <a:ext uri="{FF2B5EF4-FFF2-40B4-BE49-F238E27FC236}">
+                    <a16:creationId xmlns:a16="http://schemas.microsoft.com/office/drawing/2014/main" id="{DE1D9642-28AB-D428-7B76-0D503FB56488}"/>
+                  </a:ext>
+                </a:extLst>
+              </p:cNvPr>
+              <p:cNvSpPr txBox="1"/>
+              <p:nvPr/>
+            </p:nvSpPr>
+            <p:spPr>
+              <a:xfrm>
+                <a:off x="2303317" y="5354999"/>
+                <a:ext cx="5896326" cy="948465"/>
+              </a:xfrm>
+              <a:prstGeom prst="rect">
+                <a:avLst/>
+              </a:prstGeom>
+              <a:noFill/>
+            </p:spPr>
+            <p:txBody>
+              <a:bodyPr wrap="square" rtlCol="0">
+                <a:spAutoFit/>
+              </a:bodyPr>
+              <a:lstStyle/>
+              <a:p>
+                <a:pPr algn="ctr"/>
+                <a:r>
+                  <a:rPr lang="en-US" dirty="0"/>
+                  <a:t>Reference level: </a:t>
+                </a:r>
+                <a14:m>
+                  <m:oMath xmlns:m="http://schemas.openxmlformats.org/officeDocument/2006/math">
+                    <m:r>
+                      <a:rPr lang="en-US" b="0" i="1" smtClean="0">
+                        <a:latin typeface="Cambria Math" panose="02040503050406030204" pitchFamily="18" charset="0"/>
+                      </a:rPr>
+                      <m:t>𝑏𝑎𝑐𝑘𝑟𝑢𝑝𝑡𝑐𝑦</m:t>
+                    </m:r>
+                  </m:oMath>
+                </a14:m>
+                <a:r>
+                  <a:rPr lang="en-US" dirty="0"/>
+                  <a:t> = no</a:t>
+                </a:r>
+              </a:p>
+              <a:p>
+                <a:pPr algn="ctr"/>
+                <a:endParaRPr lang="en-US" dirty="0"/>
+              </a:p>
+              <a:p>
+                <a:pPr algn="ctr"/>
+                <a14:m>
+                  <m:oMathPara xmlns:m="http://schemas.openxmlformats.org/officeDocument/2006/math">
+                    <m:oMathParaPr>
+                      <m:jc m:val="centerGroup"/>
+                    </m:oMathParaPr>
+                    <m:oMath xmlns:m="http://schemas.openxmlformats.org/officeDocument/2006/math">
+                      <m:acc>
+                        <m:accPr>
+                          <m:chr m:val="̂"/>
+                          <m:ctrlPr>
+                            <a:rPr lang="en-US" b="0" i="1" smtClean="0">
+                              <a:latin typeface="Cambria Math" panose="02040503050406030204" pitchFamily="18" charset="0"/>
+                            </a:rPr>
+                          </m:ctrlPr>
+                        </m:accPr>
+                        <m:e>
+                          <m:r>
+                            <a:rPr lang="en-US" b="0" i="1" smtClean="0">
+                              <a:latin typeface="Cambria Math" panose="02040503050406030204" pitchFamily="18" charset="0"/>
+                            </a:rPr>
+                            <m:t>𝑟𝑎𝑡𝑒</m:t>
+                          </m:r>
+                        </m:e>
+                      </m:acc>
+                      <m:r>
+                        <a:rPr lang="en-US" b="0" i="1" smtClean="0">
+                          <a:latin typeface="Cambria Math" panose="02040503050406030204" pitchFamily="18" charset="0"/>
+                        </a:rPr>
+                        <m:t>=12.332+0.735∗</m:t>
+                      </m:r>
+                      <m:r>
+                        <a:rPr lang="en-US" b="0" i="1" smtClean="0">
+                          <a:latin typeface="Cambria Math" panose="02040503050406030204" pitchFamily="18" charset="0"/>
+                        </a:rPr>
+                        <m:t>𝑏𝑎𝑐𝑘𝑟𝑢𝑝𝑡𝑐</m:t>
+                      </m:r>
+                      <m:sSub>
+                        <m:sSubPr>
+                          <m:ctrlPr>
+                            <a:rPr lang="en-US" b="0" i="1" smtClean="0">
+                              <a:latin typeface="Cambria Math" panose="02040503050406030204" pitchFamily="18" charset="0"/>
+                            </a:rPr>
+                          </m:ctrlPr>
+                        </m:sSubPr>
+                        <m:e>
+                          <m:r>
+                            <a:rPr lang="en-US" b="0" i="1" smtClean="0">
+                              <a:latin typeface="Cambria Math" panose="02040503050406030204" pitchFamily="18" charset="0"/>
+                            </a:rPr>
+                            <m:t>𝑦</m:t>
+                          </m:r>
+                        </m:e>
+                        <m:sub>
+                          <m:r>
+                            <a:rPr lang="en-US" b="0" i="1" smtClean="0">
+                              <a:latin typeface="Cambria Math" panose="02040503050406030204" pitchFamily="18" charset="0"/>
+                            </a:rPr>
+                            <m:t>𝑦𝑒𝑠</m:t>
+                          </m:r>
+                        </m:sub>
+                      </m:sSub>
+                    </m:oMath>
+                  </m:oMathPara>
+                </a14:m>
+                <a:endParaRPr lang="en-US" dirty="0"/>
+              </a:p>
+            </p:txBody>
+          </p:sp>
+        </mc:Choice>
+        <mc:Fallback>
+          <p:sp>
+            <p:nvSpPr>
+              <p:cNvPr id="15" name="TextBox 14">
+                <a:extLst>
+                  <a:ext uri="{FF2B5EF4-FFF2-40B4-BE49-F238E27FC236}">
+                    <a16:creationId xmlns:a16="http://schemas.microsoft.com/office/drawing/2014/main" id="{DE1D9642-28AB-D428-7B76-0D503FB56488}"/>
+                  </a:ext>
+                </a:extLst>
+              </p:cNvPr>
+              <p:cNvSpPr txBox="1">
+                <a:spLocks noRot="1" noChangeAspect="1" noMove="1" noResize="1" noEditPoints="1" noAdjustHandles="1" noChangeArrowheads="1" noChangeShapeType="1" noTextEdit="1"/>
+              </p:cNvSpPr>
+              <p:nvPr/>
+            </p:nvSpPr>
+            <p:spPr>
+              <a:xfrm>
+                <a:off x="2303317" y="5354999"/>
+                <a:ext cx="5896326" cy="948465"/>
+              </a:xfrm>
+              <a:prstGeom prst="rect">
+                <a:avLst/>
+              </a:prstGeom>
+              <a:blipFill>
+                <a:blip r:embed="rId3"/>
+                <a:stretch>
+                  <a:fillRect t="-3205" b="-2564"/>
+                </a:stretch>
+              </a:blipFill>
+            </p:spPr>
+            <p:txBody>
+              <a:bodyPr/>
+              <a:lstStyle/>
+              <a:p>
+                <a:r>
+                  <a:rPr lang="en-US">
+                    <a:noFill/>
+                  </a:rPr>
+                  <a:t> </a:t>
+                </a:r>
+              </a:p>
+            </p:txBody>
+          </p:sp>
+        </mc:Fallback>
+      </mc:AlternateContent>
+    </p:spTree>
+    <p:extLst>
+      <p:ext uri="{BB962C8B-B14F-4D97-AF65-F5344CB8AC3E}">
+        <p14:creationId xmlns:p14="http://schemas.microsoft.com/office/powerpoint/2010/main" val="3357627552"/>
+      </p:ext>
+    </p:extLst>
+  </p:cSld>
+  <p:clrMapOvr>
+    <a:masterClrMapping/>
+  </p:clrMapOvr>
+</p:sld>
+</file>
+
+<file path=ppt/slides/slide7.xml><?xml version="1.0" encoding="utf-8"?>
+<p:sld xmlns:a="http://schemas.openxmlformats.org/drawingml/2006/main" xmlns:r="http://schemas.openxmlformats.org/officeDocument/2006/relationships" xmlns:p="http://schemas.openxmlformats.org/presentationml/2006/main">
+  <p:cSld>
+    <p:spTree>
+      <p:nvGrpSpPr>
+        <p:cNvPr id="1" name=""/>
+        <p:cNvGrpSpPr/>
+        <p:nvPr/>
+      </p:nvGrpSpPr>
+      <p:grpSpPr>
+        <a:xfrm>
+          <a:off x="0" y="0"/>
+          <a:ext cx="0" cy="0"/>
+          <a:chOff x="0" y="0"/>
+          <a:chExt cx="0" cy="0"/>
+        </a:xfrm>
+      </p:grpSpPr>
+      <p:sp>
+        <p:nvSpPr>
+          <p:cNvPr id="4" name="Title 1">
+            <a:extLst>
+              <a:ext uri="{FF2B5EF4-FFF2-40B4-BE49-F238E27FC236}">
+                <a16:creationId xmlns:a16="http://schemas.microsoft.com/office/drawing/2014/main" id="{D787F118-7CDF-90F2-C770-85E59D1B7022}"/>
+              </a:ext>
+            </a:extLst>
+          </p:cNvPr>
+          <p:cNvSpPr txBox="1">
+            <a:spLocks/>
+          </p:cNvSpPr>
+          <p:nvPr/>
+        </p:nvSpPr>
+        <p:spPr>
+          <a:xfrm>
+            <a:off x="581192" y="702156"/>
+            <a:ext cx="11029616" cy="551680"/>
+          </a:xfrm>
+          <a:prstGeom prst="rect">
+            <a:avLst/>
+          </a:prstGeom>
+        </p:spPr>
+        <p:txBody>
+          <a:bodyPr vert="horz" lIns="91440" tIns="45720" rIns="91440" bIns="45720" rtlCol="0" anchor="b">
+            <a:normAutofit/>
+          </a:bodyPr>
+          <a:lstStyle>
+            <a:lvl1pPr algn="l" defTabSz="457200" rtl="0" eaLnBrk="1" latinLnBrk="0" hangingPunct="1">
+              <a:lnSpc>
+                <a:spcPct val="100000"/>
+              </a:lnSpc>
+              <a:spcBef>
+                <a:spcPct val="0"/>
+              </a:spcBef>
+              <a:buNone/>
+              <a:defRPr sz="2800" b="0" kern="1200" cap="all">
+                <a:solidFill>
+                  <a:schemeClr val="tx1">
+                    <a:lumMod val="75000"/>
+                    <a:lumOff val="25000"/>
+                  </a:schemeClr>
+                </a:solidFill>
+                <a:latin typeface="+mj-lt"/>
+                <a:ea typeface="+mj-ea"/>
+                <a:cs typeface="+mj-cs"/>
+              </a:defRPr>
+            </a:lvl1pPr>
+            <a:lvl2pPr eaLnBrk="1" hangingPunct="1">
+              <a:defRPr>
+                <a:solidFill>
+                  <a:schemeClr val="tx2"/>
+                </a:solidFill>
+              </a:defRPr>
+            </a:lvl2pPr>
+            <a:lvl3pPr eaLnBrk="1" hangingPunct="1">
+              <a:defRPr>
+                <a:solidFill>
+                  <a:schemeClr val="tx2"/>
+                </a:solidFill>
+              </a:defRPr>
+            </a:lvl3pPr>
+            <a:lvl4pPr eaLnBrk="1" hangingPunct="1">
+              <a:defRPr>
+                <a:solidFill>
+                  <a:schemeClr val="tx2"/>
+                </a:solidFill>
+              </a:defRPr>
+            </a:lvl4pPr>
+            <a:lvl5pPr eaLnBrk="1" hangingPunct="1">
+              <a:defRPr>
+                <a:solidFill>
+                  <a:schemeClr val="tx2"/>
+                </a:solidFill>
+              </a:defRPr>
+            </a:lvl5pPr>
+            <a:lvl6pPr eaLnBrk="1" hangingPunct="1">
+              <a:defRPr>
+                <a:solidFill>
+                  <a:schemeClr val="tx2"/>
+                </a:solidFill>
+              </a:defRPr>
+            </a:lvl6pPr>
+            <a:lvl7pPr eaLnBrk="1" hangingPunct="1">
+              <a:defRPr>
+                <a:solidFill>
+                  <a:schemeClr val="tx2"/>
+                </a:solidFill>
+              </a:defRPr>
+            </a:lvl7pPr>
+            <a:lvl8pPr eaLnBrk="1" hangingPunct="1">
+              <a:defRPr>
+                <a:solidFill>
+                  <a:schemeClr val="tx2"/>
+                </a:solidFill>
+              </a:defRPr>
+            </a:lvl8pPr>
+            <a:lvl9pPr eaLnBrk="1" hangingPunct="1">
+              <a:defRPr>
+                <a:solidFill>
+                  <a:schemeClr val="tx2"/>
+                </a:solidFill>
+              </a:defRPr>
+            </a:lvl9pPr>
+          </a:lstStyle>
+          <a:p>
+            <a:r>
+              <a:rPr lang="en-US"/>
+              <a:t>2-level Categorical variable as predictors</a:t>
+            </a:r>
+            <a:endParaRPr lang="en-US" dirty="0"/>
+          </a:p>
+        </p:txBody>
+      </p:sp>
+      <p:sp>
+        <p:nvSpPr>
+          <p:cNvPr id="5" name="TextBox 4">
+            <a:extLst>
+              <a:ext uri="{FF2B5EF4-FFF2-40B4-BE49-F238E27FC236}">
+                <a16:creationId xmlns:a16="http://schemas.microsoft.com/office/drawing/2014/main" id="{2907EF87-BCF5-6550-6E80-B25243304602}"/>
+              </a:ext>
+            </a:extLst>
+          </p:cNvPr>
+          <p:cNvSpPr txBox="1"/>
+          <p:nvPr/>
+        </p:nvSpPr>
+        <p:spPr>
+          <a:xfrm>
+            <a:off x="727363" y="4326578"/>
+            <a:ext cx="10979728" cy="2283702"/>
+          </a:xfrm>
+          <a:prstGeom prst="rect">
+            <a:avLst/>
+          </a:prstGeom>
+          <a:noFill/>
+        </p:spPr>
+        <p:txBody>
+          <a:bodyPr wrap="square">
+            <a:spAutoFit/>
+          </a:bodyPr>
+          <a:lstStyle/>
+          <a:p>
+            <a:pPr marL="306000" marR="0" indent="-306000">
+              <a:spcBef>
+                <a:spcPct val="20000"/>
+              </a:spcBef>
+              <a:spcAft>
+                <a:spcPts val="600"/>
+              </a:spcAft>
+              <a:buClr>
+                <a:schemeClr val="accent1"/>
+              </a:buClr>
+              <a:buSzPct val="92000"/>
+              <a:buFont typeface="Wingdings 2" panose="05020102010507070707" pitchFamily="18" charset="2"/>
+              <a:buChar char=""/>
+            </a:pPr>
+            <a:r>
+              <a:rPr lang="en-US" b="1" dirty="0">
+                <a:solidFill>
+                  <a:schemeClr val="tx1">
+                    <a:lumMod val="75000"/>
+                    <a:lumOff val="25000"/>
+                  </a:schemeClr>
+                </a:solidFill>
+                <a:sym typeface="Rambla"/>
+              </a:rPr>
+              <a:t>Intercept: </a:t>
+            </a:r>
+            <a:r>
+              <a:rPr lang="en-US" dirty="0">
+                <a:solidFill>
+                  <a:schemeClr val="tx1">
+                    <a:lumMod val="75000"/>
+                    <a:lumOff val="25000"/>
+                  </a:schemeClr>
+                </a:solidFill>
+                <a:sym typeface="Rambla"/>
+              </a:rPr>
+              <a:t>The estimated average interest rate for borrower without a </a:t>
+            </a:r>
+            <a:r>
+              <a:rPr lang="en-US" b="0" dirty="0">
+                <a:solidFill>
+                  <a:schemeClr val="tx1"/>
+                </a:solidFill>
+              </a:rPr>
+              <a:t>bankruptcy record is</a:t>
+            </a:r>
+            <a:r>
+              <a:rPr lang="en-US" dirty="0">
+                <a:solidFill>
+                  <a:schemeClr val="tx1">
+                    <a:lumMod val="75000"/>
+                    <a:lumOff val="25000"/>
+                  </a:schemeClr>
+                </a:solidFill>
+                <a:sym typeface="Rambla"/>
+              </a:rPr>
+              <a:t> 12.332</a:t>
+            </a:r>
+          </a:p>
+          <a:p>
+            <a:pPr lvl="1">
+              <a:spcBef>
+                <a:spcPct val="20000"/>
+              </a:spcBef>
+              <a:spcAft>
+                <a:spcPts val="600"/>
+              </a:spcAft>
+              <a:buClr>
+                <a:schemeClr val="accent1"/>
+              </a:buClr>
+              <a:buSzPct val="92000"/>
+            </a:pPr>
+            <a:r>
+              <a:rPr lang="en-US" dirty="0">
+                <a:solidFill>
+                  <a:schemeClr val="tx1">
+                    <a:lumMod val="75000"/>
+                    <a:lumOff val="25000"/>
+                  </a:schemeClr>
+                </a:solidFill>
+                <a:sym typeface="Rambla"/>
+              </a:rPr>
+              <a:t>This is the value we get if we plug in 0 for the explanatory variable</a:t>
+            </a:r>
+          </a:p>
+          <a:p>
+            <a:pPr marL="306000" marR="0" indent="-306000">
+              <a:spcBef>
+                <a:spcPct val="20000"/>
+              </a:spcBef>
+              <a:spcAft>
+                <a:spcPts val="600"/>
+              </a:spcAft>
+              <a:buClr>
+                <a:schemeClr val="accent1"/>
+              </a:buClr>
+              <a:buSzPct val="92000"/>
+              <a:buFont typeface="Wingdings 2" panose="05020102010507070707" pitchFamily="18" charset="2"/>
+              <a:buChar char=""/>
+            </a:pPr>
+            <a:r>
+              <a:rPr lang="en-US" b="1" dirty="0">
+                <a:solidFill>
+                  <a:schemeClr val="tx1">
+                    <a:lumMod val="75000"/>
+                    <a:lumOff val="25000"/>
+                  </a:schemeClr>
+                </a:solidFill>
+                <a:sym typeface="Rambla"/>
+              </a:rPr>
+              <a:t>Slope: </a:t>
+            </a:r>
+            <a:r>
+              <a:rPr lang="en-US" dirty="0">
+                <a:solidFill>
+                  <a:schemeClr val="tx1">
+                    <a:lumMod val="75000"/>
+                    <a:lumOff val="25000"/>
+                  </a:schemeClr>
+                </a:solidFill>
+                <a:sym typeface="Rambla"/>
+              </a:rPr>
+              <a:t>The estimated average interest rate for borrower with a </a:t>
+            </a:r>
+            <a:r>
+              <a:rPr lang="en-US" b="0" dirty="0">
+                <a:solidFill>
+                  <a:schemeClr val="tx1"/>
+                </a:solidFill>
+              </a:rPr>
+              <a:t>bankruptcy record is </a:t>
+            </a:r>
+            <a:r>
+              <a:rPr lang="en-US" dirty="0">
+                <a:solidFill>
+                  <a:schemeClr val="tx1">
+                    <a:lumMod val="75000"/>
+                    <a:lumOff val="25000"/>
+                  </a:schemeClr>
+                </a:solidFill>
+                <a:sym typeface="Rambla"/>
+              </a:rPr>
+              <a:t>0.735 higher than borrower without a </a:t>
+            </a:r>
+            <a:r>
+              <a:rPr lang="en-US" b="0" dirty="0">
+                <a:solidFill>
+                  <a:schemeClr val="tx1"/>
+                </a:solidFill>
+              </a:rPr>
+              <a:t>bankruptcy record </a:t>
+            </a:r>
+          </a:p>
+          <a:p>
+            <a:pPr marR="0">
+              <a:spcBef>
+                <a:spcPct val="20000"/>
+              </a:spcBef>
+              <a:spcAft>
+                <a:spcPts val="600"/>
+              </a:spcAft>
+              <a:buClr>
+                <a:schemeClr val="accent1"/>
+              </a:buClr>
+              <a:buSzPct val="92000"/>
+            </a:pPr>
+            <a:r>
+              <a:rPr lang="en-US" dirty="0">
+                <a:sym typeface="Rambla"/>
+              </a:rPr>
+              <a:t>	</a:t>
+            </a:r>
+            <a:r>
+              <a:rPr lang="en-US" dirty="0">
+                <a:solidFill>
+                  <a:schemeClr val="tx1">
+                    <a:lumMod val="75000"/>
+                    <a:lumOff val="25000"/>
+                  </a:schemeClr>
+                </a:solidFill>
+                <a:sym typeface="Rambla"/>
+              </a:rPr>
+              <a:t>Then, the estimated average interest rate for borrower with a </a:t>
+            </a:r>
+            <a:r>
+              <a:rPr lang="en-US" b="0" dirty="0">
+                <a:solidFill>
+                  <a:schemeClr val="tx1"/>
+                </a:solidFill>
+              </a:rPr>
+              <a:t>bankruptcy record </a:t>
+            </a:r>
+            <a:r>
+              <a:rPr lang="en-US" dirty="0">
+                <a:solidFill>
+                  <a:schemeClr val="tx1">
+                    <a:lumMod val="75000"/>
+                    <a:lumOff val="25000"/>
+                  </a:schemeClr>
+                </a:solidFill>
+                <a:sym typeface="Rambla"/>
+              </a:rPr>
+              <a:t>is 12.332 + 0.735= 13.067</a:t>
+            </a:r>
+          </a:p>
+          <a:p>
+            <a:pPr marR="0">
+              <a:spcBef>
+                <a:spcPct val="20000"/>
+              </a:spcBef>
+              <a:spcAft>
+                <a:spcPts val="600"/>
+              </a:spcAft>
+              <a:buClr>
+                <a:schemeClr val="accent1"/>
+              </a:buClr>
+              <a:buSzPct val="92000"/>
+            </a:pPr>
+            <a:r>
+              <a:rPr lang="en-US" dirty="0">
+                <a:solidFill>
+                  <a:schemeClr val="tx1">
+                    <a:lumMod val="75000"/>
+                    <a:lumOff val="25000"/>
+                  </a:schemeClr>
+                </a:solidFill>
+                <a:sym typeface="Rambla"/>
+              </a:rPr>
+              <a:t>	This is the value we get if we plug in 1 for the explanatory variable</a:t>
+            </a:r>
+          </a:p>
+        </p:txBody>
+      </p:sp>
+      <p:pic>
+        <p:nvPicPr>
+          <p:cNvPr id="6" name="Picture 5">
+            <a:extLst>
+              <a:ext uri="{FF2B5EF4-FFF2-40B4-BE49-F238E27FC236}">
+                <a16:creationId xmlns:a16="http://schemas.microsoft.com/office/drawing/2014/main" id="{776D9D21-06B7-20D9-0C0F-1D05101289A3}"/>
+              </a:ext>
+            </a:extLst>
+          </p:cNvPr>
+          <p:cNvPicPr>
+            <a:picLocks noChangeAspect="1"/>
+          </p:cNvPicPr>
+          <p:nvPr/>
+        </p:nvPicPr>
+        <p:blipFill>
+          <a:blip r:embed="rId2"/>
+          <a:stretch>
+            <a:fillRect/>
+          </a:stretch>
+        </p:blipFill>
+        <p:spPr>
+          <a:xfrm>
+            <a:off x="2479963" y="1253836"/>
+            <a:ext cx="7017328" cy="3024250"/>
+          </a:xfrm>
+          <a:prstGeom prst="rect">
+            <a:avLst/>
+          </a:prstGeom>
+        </p:spPr>
+      </p:pic>
+    </p:spTree>
+    <p:extLst>
+      <p:ext uri="{BB962C8B-B14F-4D97-AF65-F5344CB8AC3E}">
+        <p14:creationId xmlns:p14="http://schemas.microsoft.com/office/powerpoint/2010/main" val="2617738258"/>
+      </p:ext>
+    </p:extLst>
+  </p:cSld>
+  <p:clrMapOvr>
+    <a:masterClrMapping/>
+  </p:clrMapOvr>
+</p:sld>
+</file>
+
+<file path=ppt/slides/slide8.xml><?xml version="1.0" encoding="utf-8"?>
+<p:sld xmlns:a="http://schemas.openxmlformats.org/drawingml/2006/main" xmlns:r="http://schemas.openxmlformats.org/officeDocument/2006/relationships" xmlns:p="http://schemas.openxmlformats.org/presentationml/2006/main">
+  <p:cSld>
+    <p:spTree>
+      <p:nvGrpSpPr>
+        <p:cNvPr id="1" name=""/>
+        <p:cNvGrpSpPr/>
+        <p:nvPr/>
+      </p:nvGrpSpPr>
+      <p:grpSpPr>
+        <a:xfrm>
+          <a:off x="0" y="0"/>
+          <a:ext cx="0" cy="0"/>
+          <a:chOff x="0" y="0"/>
+          <a:chExt cx="0" cy="0"/>
+        </a:xfrm>
+      </p:grpSpPr>
+      <p:sp>
+        <p:nvSpPr>
+          <p:cNvPr id="2" name="Title 1">
+            <a:extLst>
+              <a:ext uri="{FF2B5EF4-FFF2-40B4-BE49-F238E27FC236}">
+                <a16:creationId xmlns:a16="http://schemas.microsoft.com/office/drawing/2014/main" id="{A41A79E5-4993-85F2-A470-4A70E605ED48}"/>
+              </a:ext>
+            </a:extLst>
+          </p:cNvPr>
+          <p:cNvSpPr>
+            <a:spLocks noGrp="1"/>
+          </p:cNvSpPr>
+          <p:nvPr>
+            <p:ph type="title"/>
+          </p:nvPr>
+        </p:nvSpPr>
+        <p:spPr>
+          <a:xfrm>
+            <a:off x="581192" y="702156"/>
+            <a:ext cx="11029616" cy="565535"/>
+          </a:xfrm>
+        </p:spPr>
+        <p:txBody>
+          <a:bodyPr/>
+          <a:lstStyle/>
+          <a:p>
+            <a:r>
+              <a:rPr lang="en-US" dirty="0"/>
+              <a:t>regression model</a:t>
+            </a:r>
+          </a:p>
+        </p:txBody>
+      </p:sp>
+      <p:sp>
+        <p:nvSpPr>
+          <p:cNvPr id="3" name="Content Placeholder 2">
+            <a:extLst>
+              <a:ext uri="{FF2B5EF4-FFF2-40B4-BE49-F238E27FC236}">
+                <a16:creationId xmlns:a16="http://schemas.microsoft.com/office/drawing/2014/main" id="{0E8804FA-CA37-FE77-A44A-9CFFA18A7DEF}"/>
+              </a:ext>
+            </a:extLst>
+          </p:cNvPr>
           <p:cNvSpPr>
             <a:spLocks noGrp="1"/>
           </p:cNvSpPr>
@@ -9927,17 +15313,614 @@
         </p:nvSpPr>
         <p:spPr>
           <a:xfrm>
-            <a:off x="581193" y="1347334"/>
-            <a:ext cx="11029615" cy="877121"/>
+            <a:off x="581192" y="2340864"/>
+            <a:ext cx="4281753" cy="1649245"/>
           </a:xfrm>
         </p:spPr>
         <p:txBody>
           <a:bodyPr/>
           <a:lstStyle/>
           <a:p>
+            <a:pPr marL="342900" indent="-342900">
+              <a:buFont typeface="+mj-lt"/>
+              <a:buAutoNum type="arabicPeriod"/>
+            </a:pPr>
             <a:r>
               <a:rPr lang="en-US" dirty="0"/>
-              <a:t>week04_Demo</a:t>
+              <a:t>Borrower with bankruptcy record</a:t>
+            </a:r>
+          </a:p>
+          <a:p>
+            <a:pPr marL="342900" indent="-342900">
+              <a:buFont typeface="+mj-lt"/>
+              <a:buAutoNum type="arabicPeriod"/>
+            </a:pPr>
+            <a:endParaRPr lang="en-US" dirty="0"/>
+          </a:p>
+          <a:p>
+            <a:pPr marL="342900" indent="-342900">
+              <a:buFont typeface="+mj-lt"/>
+              <a:buAutoNum type="arabicPeriod"/>
+            </a:pPr>
+            <a:r>
+              <a:rPr lang="en-US" dirty="0"/>
+              <a:t>Borrower without bankruptcy record</a:t>
+            </a:r>
+          </a:p>
+        </p:txBody>
+      </p:sp>
+      <mc:AlternateContent xmlns:mc="http://schemas.openxmlformats.org/markup-compatibility/2006">
+        <mc:Choice xmlns:a14="http://schemas.microsoft.com/office/drawing/2010/main" Requires="a14">
+          <p:sp>
+            <p:nvSpPr>
+              <p:cNvPr id="4" name="Content Placeholder 2">
+                <a:extLst>
+                  <a:ext uri="{FF2B5EF4-FFF2-40B4-BE49-F238E27FC236}">
+                    <a16:creationId xmlns:a16="http://schemas.microsoft.com/office/drawing/2014/main" id="{AF392153-AC61-2446-70F6-471135BD1861}"/>
+                  </a:ext>
+                </a:extLst>
+              </p:cNvPr>
+              <p:cNvSpPr txBox="1">
+                <a:spLocks/>
+              </p:cNvSpPr>
+              <p:nvPr/>
+            </p:nvSpPr>
+            <p:spPr>
+              <a:xfrm>
+                <a:off x="6656410" y="2527900"/>
+                <a:ext cx="4281753" cy="1649245"/>
+              </a:xfrm>
+              <a:prstGeom prst="rect">
+                <a:avLst/>
+              </a:prstGeom>
+            </p:spPr>
+            <p:txBody>
+              <a:bodyPr vert="horz" lIns="91440" tIns="45720" rIns="91440" bIns="45720" rtlCol="0" anchor="ctr">
+                <a:normAutofit/>
+              </a:bodyPr>
+              <a:lstStyle>
+                <a:lvl1pPr marL="306000" indent="-306000" algn="l" defTabSz="457200" rtl="0" eaLnBrk="1" latinLnBrk="0" hangingPunct="1">
+                  <a:lnSpc>
+                    <a:spcPct val="100000"/>
+                  </a:lnSpc>
+                  <a:spcBef>
+                    <a:spcPct val="20000"/>
+                  </a:spcBef>
+                  <a:spcAft>
+                    <a:spcPts val="600"/>
+                  </a:spcAft>
+                  <a:buClr>
+                    <a:schemeClr val="accent1"/>
+                  </a:buClr>
+                  <a:buSzPct val="92000"/>
+                  <a:buFont typeface="Wingdings 2" panose="05020102010507070707" pitchFamily="18" charset="2"/>
+                  <a:buChar char=""/>
+                  <a:defRPr sz="1800" kern="1200">
+                    <a:solidFill>
+                      <a:schemeClr val="tx1">
+                        <a:lumMod val="75000"/>
+                        <a:lumOff val="25000"/>
+                      </a:schemeClr>
+                    </a:solidFill>
+                    <a:latin typeface="+mn-lt"/>
+                    <a:ea typeface="+mn-ea"/>
+                    <a:cs typeface="+mn-cs"/>
+                  </a:defRPr>
+                </a:lvl1pPr>
+                <a:lvl2pPr marL="630000" indent="-306000" algn="l" defTabSz="457200" rtl="0" eaLnBrk="1" latinLnBrk="0" hangingPunct="1">
+                  <a:lnSpc>
+                    <a:spcPct val="100000"/>
+                  </a:lnSpc>
+                  <a:spcBef>
+                    <a:spcPct val="20000"/>
+                  </a:spcBef>
+                  <a:spcAft>
+                    <a:spcPts val="600"/>
+                  </a:spcAft>
+                  <a:buClr>
+                    <a:schemeClr val="accent1"/>
+                  </a:buClr>
+                  <a:buSzPct val="92000"/>
+                  <a:buFont typeface="Wingdings 2" panose="05020102010507070707" pitchFamily="18" charset="2"/>
+                  <a:buChar char=""/>
+                  <a:defRPr sz="1600" kern="1200">
+                    <a:solidFill>
+                      <a:schemeClr val="tx1">
+                        <a:lumMod val="75000"/>
+                        <a:lumOff val="25000"/>
+                      </a:schemeClr>
+                    </a:solidFill>
+                    <a:latin typeface="+mn-lt"/>
+                    <a:ea typeface="+mn-ea"/>
+                    <a:cs typeface="+mn-cs"/>
+                  </a:defRPr>
+                </a:lvl2pPr>
+                <a:lvl3pPr marL="900000" indent="-270000" algn="l" defTabSz="457200" rtl="0" eaLnBrk="1" latinLnBrk="0" hangingPunct="1">
+                  <a:lnSpc>
+                    <a:spcPct val="100000"/>
+                  </a:lnSpc>
+                  <a:spcBef>
+                    <a:spcPct val="20000"/>
+                  </a:spcBef>
+                  <a:spcAft>
+                    <a:spcPts val="600"/>
+                  </a:spcAft>
+                  <a:buClr>
+                    <a:schemeClr val="accent1"/>
+                  </a:buClr>
+                  <a:buSzPct val="92000"/>
+                  <a:buFont typeface="Wingdings 2" panose="05020102010507070707" pitchFamily="18" charset="2"/>
+                  <a:buChar char=""/>
+                  <a:defRPr sz="1400" kern="1200">
+                    <a:solidFill>
+                      <a:schemeClr val="tx1">
+                        <a:lumMod val="75000"/>
+                        <a:lumOff val="25000"/>
+                      </a:schemeClr>
+                    </a:solidFill>
+                    <a:latin typeface="+mn-lt"/>
+                    <a:ea typeface="+mn-ea"/>
+                    <a:cs typeface="+mn-cs"/>
+                  </a:defRPr>
+                </a:lvl3pPr>
+                <a:lvl4pPr marL="1242000" indent="-234000" algn="l" defTabSz="457200" rtl="0" eaLnBrk="1" latinLnBrk="0" hangingPunct="1">
+                  <a:lnSpc>
+                    <a:spcPct val="100000"/>
+                  </a:lnSpc>
+                  <a:spcBef>
+                    <a:spcPct val="20000"/>
+                  </a:spcBef>
+                  <a:spcAft>
+                    <a:spcPts val="600"/>
+                  </a:spcAft>
+                  <a:buClr>
+                    <a:schemeClr val="accent1"/>
+                  </a:buClr>
+                  <a:buSzPct val="92000"/>
+                  <a:buFont typeface="Wingdings 2" panose="05020102010507070707" pitchFamily="18" charset="2"/>
+                  <a:buChar char=""/>
+                  <a:defRPr sz="1200" kern="1200">
+                    <a:solidFill>
+                      <a:schemeClr val="tx1">
+                        <a:lumMod val="75000"/>
+                        <a:lumOff val="25000"/>
+                      </a:schemeClr>
+                    </a:solidFill>
+                    <a:latin typeface="+mn-lt"/>
+                    <a:ea typeface="+mn-ea"/>
+                    <a:cs typeface="+mn-cs"/>
+                  </a:defRPr>
+                </a:lvl4pPr>
+                <a:lvl5pPr marL="1602000" indent="-234000" algn="l" defTabSz="457200" rtl="0" eaLnBrk="1" latinLnBrk="0" hangingPunct="1">
+                  <a:lnSpc>
+                    <a:spcPct val="100000"/>
+                  </a:lnSpc>
+                  <a:spcBef>
+                    <a:spcPct val="20000"/>
+                  </a:spcBef>
+                  <a:spcAft>
+                    <a:spcPts val="600"/>
+                  </a:spcAft>
+                  <a:buClr>
+                    <a:schemeClr val="accent1"/>
+                  </a:buClr>
+                  <a:buSzPct val="92000"/>
+                  <a:buFont typeface="Wingdings 2" panose="05020102010507070707" pitchFamily="18" charset="2"/>
+                  <a:buChar char=""/>
+                  <a:defRPr sz="1200" kern="1200">
+                    <a:solidFill>
+                      <a:schemeClr val="tx1">
+                        <a:lumMod val="75000"/>
+                        <a:lumOff val="25000"/>
+                      </a:schemeClr>
+                    </a:solidFill>
+                    <a:latin typeface="+mn-lt"/>
+                    <a:ea typeface="+mn-ea"/>
+                    <a:cs typeface="+mn-cs"/>
+                  </a:defRPr>
+                </a:lvl5pPr>
+                <a:lvl6pPr marL="1900000" indent="-228600" algn="l" defTabSz="457200" rtl="0" eaLnBrk="1" latinLnBrk="0" hangingPunct="1">
+                  <a:spcBef>
+                    <a:spcPct val="20000"/>
+                  </a:spcBef>
+                  <a:spcAft>
+                    <a:spcPts val="600"/>
+                  </a:spcAft>
+                  <a:buClr>
+                    <a:schemeClr val="accent2"/>
+                  </a:buClr>
+                  <a:buSzPct val="92000"/>
+                  <a:buFont typeface="Wingdings 2" panose="05020102010507070707" pitchFamily="18" charset="2"/>
+                  <a:buChar char=""/>
+                  <a:defRPr sz="1200" kern="1200">
+                    <a:solidFill>
+                      <a:schemeClr val="tx2"/>
+                    </a:solidFill>
+                    <a:latin typeface="+mn-lt"/>
+                    <a:ea typeface="+mn-ea"/>
+                    <a:cs typeface="+mn-cs"/>
+                  </a:defRPr>
+                </a:lvl6pPr>
+                <a:lvl7pPr marL="2200000" indent="-228600" algn="l" defTabSz="457200" rtl="0" eaLnBrk="1" latinLnBrk="0" hangingPunct="1">
+                  <a:spcBef>
+                    <a:spcPct val="20000"/>
+                  </a:spcBef>
+                  <a:spcAft>
+                    <a:spcPts val="600"/>
+                  </a:spcAft>
+                  <a:buClr>
+                    <a:schemeClr val="accent2"/>
+                  </a:buClr>
+                  <a:buSzPct val="92000"/>
+                  <a:buFont typeface="Wingdings 2" panose="05020102010507070707" pitchFamily="18" charset="2"/>
+                  <a:buChar char=""/>
+                  <a:defRPr sz="1200" kern="1200">
+                    <a:solidFill>
+                      <a:schemeClr val="tx2"/>
+                    </a:solidFill>
+                    <a:latin typeface="+mn-lt"/>
+                    <a:ea typeface="+mn-ea"/>
+                    <a:cs typeface="+mn-cs"/>
+                  </a:defRPr>
+                </a:lvl7pPr>
+                <a:lvl8pPr marL="2500000" indent="-228600" algn="l" defTabSz="457200" rtl="0" eaLnBrk="1" latinLnBrk="0" hangingPunct="1">
+                  <a:spcBef>
+                    <a:spcPct val="20000"/>
+                  </a:spcBef>
+                  <a:spcAft>
+                    <a:spcPts val="600"/>
+                  </a:spcAft>
+                  <a:buClr>
+                    <a:schemeClr val="accent2"/>
+                  </a:buClr>
+                  <a:buSzPct val="92000"/>
+                  <a:buFont typeface="Wingdings 2" panose="05020102010507070707" pitchFamily="18" charset="2"/>
+                  <a:buChar char=""/>
+                  <a:defRPr sz="1200" kern="1200">
+                    <a:solidFill>
+                      <a:schemeClr val="tx2"/>
+                    </a:solidFill>
+                    <a:latin typeface="+mn-lt"/>
+                    <a:ea typeface="+mn-ea"/>
+                    <a:cs typeface="+mn-cs"/>
+                  </a:defRPr>
+                </a:lvl8pPr>
+                <a:lvl9pPr marL="2800000" indent="-228600" algn="l" defTabSz="457200" rtl="0" eaLnBrk="1" latinLnBrk="0" hangingPunct="1">
+                  <a:spcBef>
+                    <a:spcPct val="20000"/>
+                  </a:spcBef>
+                  <a:spcAft>
+                    <a:spcPts val="600"/>
+                  </a:spcAft>
+                  <a:buClr>
+                    <a:schemeClr val="accent2"/>
+                  </a:buClr>
+                  <a:buSzPct val="92000"/>
+                  <a:buFont typeface="Wingdings 2" panose="05020102010507070707" pitchFamily="18" charset="2"/>
+                  <a:buChar char=""/>
+                  <a:defRPr sz="1200" kern="1200">
+                    <a:solidFill>
+                      <a:schemeClr val="tx2"/>
+                    </a:solidFill>
+                    <a:latin typeface="+mn-lt"/>
+                    <a:ea typeface="+mn-ea"/>
+                    <a:cs typeface="+mn-cs"/>
+                  </a:defRPr>
+                </a:lvl9pPr>
+              </a:lstStyle>
+              <a:p>
+                <a:pPr marL="342900" indent="-342900">
+                  <a:buFont typeface="+mj-lt"/>
+                  <a:buAutoNum type="alphaUcPeriod"/>
+                </a:pPr>
+                <a14:m>
+                  <m:oMath xmlns:m="http://schemas.openxmlformats.org/officeDocument/2006/math">
+                    <m:acc>
+                      <m:accPr>
+                        <m:chr m:val="̂"/>
+                        <m:ctrlPr>
+                          <a:rPr lang="en-US" b="0" i="1" smtClean="0">
+                            <a:latin typeface="Cambria Math" panose="02040503050406030204" pitchFamily="18" charset="0"/>
+                          </a:rPr>
+                        </m:ctrlPr>
+                      </m:accPr>
+                      <m:e>
+                        <m:r>
+                          <a:rPr lang="en-US" b="0" i="1" smtClean="0">
+                            <a:latin typeface="Cambria Math" panose="02040503050406030204" pitchFamily="18" charset="0"/>
+                          </a:rPr>
+                          <m:t>𝑟𝑎𝑡𝑒</m:t>
+                        </m:r>
+                      </m:e>
+                    </m:acc>
+                    <m:r>
+                      <a:rPr lang="en-US" b="0" i="1" smtClean="0">
+                        <a:latin typeface="Cambria Math" panose="02040503050406030204" pitchFamily="18" charset="0"/>
+                      </a:rPr>
+                      <m:t>=12.332+0.735∗</m:t>
+                    </m:r>
+                    <m:r>
+                      <a:rPr lang="en-US" b="0" i="1" smtClean="0">
+                        <a:latin typeface="Cambria Math" panose="02040503050406030204" pitchFamily="18" charset="0"/>
+                      </a:rPr>
+                      <m:t>0</m:t>
+                    </m:r>
+                  </m:oMath>
+                </a14:m>
+                <a:endParaRPr lang="en-US" b="0" dirty="0"/>
+              </a:p>
+              <a:p>
+                <a:pPr marL="342900" indent="-342900">
+                  <a:buFont typeface="+mj-lt"/>
+                  <a:buAutoNum type="alphaUcPeriod"/>
+                </a:pPr>
+                <a:endParaRPr lang="en-US" b="0" dirty="0"/>
+              </a:p>
+              <a:p>
+                <a:pPr marL="342900" indent="-342900">
+                  <a:buFont typeface="+mj-lt"/>
+                  <a:buAutoNum type="alphaUcPeriod"/>
+                </a:pPr>
+                <a14:m>
+                  <m:oMath xmlns:m="http://schemas.openxmlformats.org/officeDocument/2006/math">
+                    <m:acc>
+                      <m:accPr>
+                        <m:chr m:val="̂"/>
+                        <m:ctrlPr>
+                          <a:rPr lang="en-US" b="0" i="1" smtClean="0">
+                            <a:latin typeface="Cambria Math" panose="02040503050406030204" pitchFamily="18" charset="0"/>
+                          </a:rPr>
+                        </m:ctrlPr>
+                      </m:accPr>
+                      <m:e>
+                        <m:r>
+                          <a:rPr lang="en-US" b="0" i="1" smtClean="0">
+                            <a:latin typeface="Cambria Math" panose="02040503050406030204" pitchFamily="18" charset="0"/>
+                          </a:rPr>
+                          <m:t>𝑟𝑎𝑡𝑒</m:t>
+                        </m:r>
+                      </m:e>
+                    </m:acc>
+                    <m:r>
+                      <a:rPr lang="en-US" b="0" i="1" smtClean="0">
+                        <a:latin typeface="Cambria Math" panose="02040503050406030204" pitchFamily="18" charset="0"/>
+                      </a:rPr>
+                      <m:t>=12.332+0.735∗1</m:t>
+                    </m:r>
+                  </m:oMath>
+                </a14:m>
+                <a:endParaRPr lang="en-US" b="0" dirty="0"/>
+              </a:p>
+              <a:p>
+                <a:pPr marL="342900" indent="-342900">
+                  <a:buFont typeface="+mj-lt"/>
+                  <a:buAutoNum type="alphaUcPeriod"/>
+                </a:pPr>
+                <a:endParaRPr lang="en-US" dirty="0"/>
+              </a:p>
+            </p:txBody>
+          </p:sp>
+        </mc:Choice>
+        <mc:Fallback>
+          <p:sp>
+            <p:nvSpPr>
+              <p:cNvPr id="4" name="Content Placeholder 2">
+                <a:extLst>
+                  <a:ext uri="{FF2B5EF4-FFF2-40B4-BE49-F238E27FC236}">
+                    <a16:creationId xmlns:a16="http://schemas.microsoft.com/office/drawing/2014/main" id="{AF392153-AC61-2446-70F6-471135BD1861}"/>
+                  </a:ext>
+                </a:extLst>
+              </p:cNvPr>
+              <p:cNvSpPr txBox="1">
+                <a:spLocks noRot="1" noChangeAspect="1" noMove="1" noResize="1" noEditPoints="1" noAdjustHandles="1" noChangeArrowheads="1" noChangeShapeType="1" noTextEdit="1"/>
+              </p:cNvSpPr>
+              <p:nvPr/>
+            </p:nvSpPr>
+            <p:spPr>
+              <a:xfrm>
+                <a:off x="6656410" y="2527900"/>
+                <a:ext cx="4281753" cy="1649245"/>
+              </a:xfrm>
+              <a:prstGeom prst="rect">
+                <a:avLst/>
+              </a:prstGeom>
+              <a:blipFill>
+                <a:blip r:embed="rId2"/>
+                <a:stretch>
+                  <a:fillRect l="-855" t="-1111"/>
+                </a:stretch>
+              </a:blipFill>
+            </p:spPr>
+            <p:txBody>
+              <a:bodyPr/>
+              <a:lstStyle/>
+              <a:p>
+                <a:r>
+                  <a:rPr lang="en-US">
+                    <a:noFill/>
+                  </a:rPr>
+                  <a:t> </a:t>
+                </a:r>
+              </a:p>
+            </p:txBody>
+          </p:sp>
+        </mc:Fallback>
+      </mc:AlternateContent>
+      <mc:AlternateContent xmlns:mc="http://schemas.openxmlformats.org/markup-compatibility/2006">
+        <mc:Choice xmlns:a14="http://schemas.microsoft.com/office/drawing/2010/main" Requires="a14">
+          <p:sp>
+            <p:nvSpPr>
+              <p:cNvPr id="5" name="TextBox 4">
+                <a:extLst>
+                  <a:ext uri="{FF2B5EF4-FFF2-40B4-BE49-F238E27FC236}">
+                    <a16:creationId xmlns:a16="http://schemas.microsoft.com/office/drawing/2014/main" id="{752EC1D4-DAFD-7790-E929-B13E3C02C620}"/>
+                  </a:ext>
+                </a:extLst>
+              </p:cNvPr>
+              <p:cNvSpPr txBox="1"/>
+              <p:nvPr/>
+            </p:nvSpPr>
+            <p:spPr>
+              <a:xfrm>
+                <a:off x="3117270" y="1607044"/>
+                <a:ext cx="5063838" cy="394467"/>
+              </a:xfrm>
+              <a:prstGeom prst="rect">
+                <a:avLst/>
+              </a:prstGeom>
+              <a:noFill/>
+            </p:spPr>
+            <p:txBody>
+              <a:bodyPr wrap="square" rtlCol="0">
+                <a:spAutoFit/>
+              </a:bodyPr>
+              <a:lstStyle/>
+              <a:p>
+                <a14:m>
+                  <m:oMathPara xmlns:m="http://schemas.openxmlformats.org/officeDocument/2006/math">
+                    <m:oMathParaPr>
+                      <m:jc m:val="centerGroup"/>
+                    </m:oMathParaPr>
+                    <m:oMath xmlns:m="http://schemas.openxmlformats.org/officeDocument/2006/math">
+                      <m:acc>
+                        <m:accPr>
+                          <m:chr m:val="̂"/>
+                          <m:ctrlPr>
+                            <a:rPr lang="en-US" b="0" i="1" smtClean="0">
+                              <a:latin typeface="Cambria Math" panose="02040503050406030204" pitchFamily="18" charset="0"/>
+                            </a:rPr>
+                          </m:ctrlPr>
+                        </m:accPr>
+                        <m:e>
+                          <m:r>
+                            <a:rPr lang="en-US" b="0" i="1" smtClean="0">
+                              <a:latin typeface="Cambria Math" panose="02040503050406030204" pitchFamily="18" charset="0"/>
+                            </a:rPr>
+                            <m:t>𝑟𝑎𝑡𝑒</m:t>
+                          </m:r>
+                        </m:e>
+                      </m:acc>
+                      <m:r>
+                        <a:rPr lang="en-US" b="0" i="1" smtClean="0">
+                          <a:latin typeface="Cambria Math" panose="02040503050406030204" pitchFamily="18" charset="0"/>
+                        </a:rPr>
+                        <m:t>=12.332+0.735∗</m:t>
+                      </m:r>
+                      <m:r>
+                        <a:rPr lang="en-US" b="0" i="1" smtClean="0">
+                          <a:latin typeface="Cambria Math" panose="02040503050406030204" pitchFamily="18" charset="0"/>
+                        </a:rPr>
+                        <m:t>𝑏𝑎𝑐𝑘𝑟𝑢𝑝𝑡𝑐</m:t>
+                      </m:r>
+                      <m:sSub>
+                        <m:sSubPr>
+                          <m:ctrlPr>
+                            <a:rPr lang="en-US" b="0" i="1" smtClean="0">
+                              <a:latin typeface="Cambria Math" panose="02040503050406030204" pitchFamily="18" charset="0"/>
+                            </a:rPr>
+                          </m:ctrlPr>
+                        </m:sSubPr>
+                        <m:e>
+                          <m:r>
+                            <a:rPr lang="en-US" b="0" i="1" smtClean="0">
+                              <a:latin typeface="Cambria Math" panose="02040503050406030204" pitchFamily="18" charset="0"/>
+                            </a:rPr>
+                            <m:t>𝑦</m:t>
+                          </m:r>
+                        </m:e>
+                        <m:sub>
+                          <m:r>
+                            <a:rPr lang="en-US" b="0" i="1" smtClean="0">
+                              <a:latin typeface="Cambria Math" panose="02040503050406030204" pitchFamily="18" charset="0"/>
+                            </a:rPr>
+                            <m:t>𝑦𝑒𝑠</m:t>
+                          </m:r>
+                        </m:sub>
+                      </m:sSub>
+                    </m:oMath>
+                  </m:oMathPara>
+                </a14:m>
+                <a:endParaRPr lang="en-US" dirty="0"/>
+              </a:p>
+            </p:txBody>
+          </p:sp>
+        </mc:Choice>
+        <mc:Fallback>
+          <p:sp>
+            <p:nvSpPr>
+              <p:cNvPr id="5" name="TextBox 4">
+                <a:extLst>
+                  <a:ext uri="{FF2B5EF4-FFF2-40B4-BE49-F238E27FC236}">
+                    <a16:creationId xmlns:a16="http://schemas.microsoft.com/office/drawing/2014/main" id="{752EC1D4-DAFD-7790-E929-B13E3C02C620}"/>
+                  </a:ext>
+                </a:extLst>
+              </p:cNvPr>
+              <p:cNvSpPr txBox="1">
+                <a:spLocks noRot="1" noChangeAspect="1" noMove="1" noResize="1" noEditPoints="1" noAdjustHandles="1" noChangeArrowheads="1" noChangeShapeType="1" noTextEdit="1"/>
+              </p:cNvSpPr>
+              <p:nvPr/>
+            </p:nvSpPr>
+            <p:spPr>
+              <a:xfrm>
+                <a:off x="3117270" y="1607044"/>
+                <a:ext cx="5063838" cy="394467"/>
+              </a:xfrm>
+              <a:prstGeom prst="rect">
+                <a:avLst/>
+              </a:prstGeom>
+              <a:blipFill>
+                <a:blip r:embed="rId3"/>
+                <a:stretch>
+                  <a:fillRect t="-10938" b="-7813"/>
+                </a:stretch>
+              </a:blipFill>
+            </p:spPr>
+            <p:txBody>
+              <a:bodyPr/>
+              <a:lstStyle/>
+              <a:p>
+                <a:r>
+                  <a:rPr lang="en-US">
+                    <a:noFill/>
+                  </a:rPr>
+                  <a:t> </a:t>
+                </a:r>
+              </a:p>
+            </p:txBody>
+          </p:sp>
+        </mc:Fallback>
+      </mc:AlternateContent>
+      <p:sp>
+        <p:nvSpPr>
+          <p:cNvPr id="6" name="TextBox 5">
+            <a:extLst>
+              <a:ext uri="{FF2B5EF4-FFF2-40B4-BE49-F238E27FC236}">
+                <a16:creationId xmlns:a16="http://schemas.microsoft.com/office/drawing/2014/main" id="{B28F5A1D-F964-FDCC-0D9B-5C3258571724}"/>
+              </a:ext>
+            </a:extLst>
+          </p:cNvPr>
+          <p:cNvSpPr txBox="1"/>
+          <p:nvPr/>
+        </p:nvSpPr>
+        <p:spPr>
+          <a:xfrm>
+            <a:off x="1595437" y="4329462"/>
+            <a:ext cx="9001125" cy="400110"/>
+          </a:xfrm>
+          <a:prstGeom prst="rect">
+            <a:avLst/>
+          </a:prstGeom>
+          <a:noFill/>
+        </p:spPr>
+        <p:txBody>
+          <a:bodyPr wrap="square" rtlCol="0">
+            <a:spAutoFit/>
+          </a:bodyPr>
+          <a:lstStyle/>
+          <a:p>
+            <a:r>
+              <a:rPr lang="en-US" sz="2000" dirty="0"/>
+              <a:t>Which value (with bankruptcy or without bankruptcy) has the higher interest rate?</a:t>
             </a:r>
           </a:p>
         </p:txBody>
@@ -9945,7 +15928,350 @@
     </p:spTree>
     <p:extLst>
       <p:ext uri="{BB962C8B-B14F-4D97-AF65-F5344CB8AC3E}">
-        <p14:creationId xmlns:p14="http://schemas.microsoft.com/office/powerpoint/2010/main" val="3234459669"/>
+        <p14:creationId xmlns:p14="http://schemas.microsoft.com/office/powerpoint/2010/main" val="3914053508"/>
+      </p:ext>
+    </p:extLst>
+  </p:cSld>
+  <p:clrMapOvr>
+    <a:masterClrMapping/>
+  </p:clrMapOvr>
+</p:sld>
+</file>
+
+<file path=ppt/slides/slide9.xml><?xml version="1.0" encoding="utf-8"?>
+<p:sld xmlns:a="http://schemas.openxmlformats.org/drawingml/2006/main" xmlns:r="http://schemas.openxmlformats.org/officeDocument/2006/relationships" xmlns:p="http://schemas.openxmlformats.org/presentationml/2006/main">
+  <p:cSld>
+    <p:spTree>
+      <p:nvGrpSpPr>
+        <p:cNvPr id="1" name="">
+          <a:extLst>
+            <a:ext uri="{FF2B5EF4-FFF2-40B4-BE49-F238E27FC236}">
+              <a16:creationId xmlns:a16="http://schemas.microsoft.com/office/drawing/2014/main" id="{11FCE0E1-8878-51EF-0892-00C3CECDEBFF}"/>
+            </a:ext>
+          </a:extLst>
+        </p:cNvPr>
+        <p:cNvGrpSpPr/>
+        <p:nvPr/>
+      </p:nvGrpSpPr>
+      <p:grpSpPr>
+        <a:xfrm>
+          <a:off x="0" y="0"/>
+          <a:ext cx="0" cy="0"/>
+          <a:chOff x="0" y="0"/>
+          <a:chExt cx="0" cy="0"/>
+        </a:xfrm>
+      </p:grpSpPr>
+      <p:sp>
+        <p:nvSpPr>
+          <p:cNvPr id="2" name="Title 1">
+            <a:extLst>
+              <a:ext uri="{FF2B5EF4-FFF2-40B4-BE49-F238E27FC236}">
+                <a16:creationId xmlns:a16="http://schemas.microsoft.com/office/drawing/2014/main" id="{EB14CDFE-D38F-98A7-A75A-E380A534E3BA}"/>
+              </a:ext>
+            </a:extLst>
+          </p:cNvPr>
+          <p:cNvSpPr>
+            <a:spLocks noGrp="1"/>
+          </p:cNvSpPr>
+          <p:nvPr>
+            <p:ph type="title"/>
+          </p:nvPr>
+        </p:nvSpPr>
+        <p:spPr>
+          <a:xfrm>
+            <a:off x="581192" y="702156"/>
+            <a:ext cx="11029616" cy="551680"/>
+          </a:xfrm>
+        </p:spPr>
+        <p:txBody>
+          <a:bodyPr/>
+          <a:lstStyle/>
+          <a:p>
+            <a:r>
+              <a:rPr lang="en-US" dirty="0"/>
+              <a:t>3-level Categorical variable as predictors</a:t>
+            </a:r>
+          </a:p>
+        </p:txBody>
+      </p:sp>
+      <mc:AlternateContent xmlns:mc="http://schemas.openxmlformats.org/markup-compatibility/2006">
+        <mc:Choice xmlns:a14="http://schemas.microsoft.com/office/drawing/2010/main" Requires="a14">
+          <p:sp>
+            <p:nvSpPr>
+              <p:cNvPr id="9" name="TextBox 8">
+                <a:extLst>
+                  <a:ext uri="{FF2B5EF4-FFF2-40B4-BE49-F238E27FC236}">
+                    <a16:creationId xmlns:a16="http://schemas.microsoft.com/office/drawing/2014/main" id="{747919BF-44E1-829D-1F2F-3D3C84A100B6}"/>
+                  </a:ext>
+                </a:extLst>
+              </p:cNvPr>
+              <p:cNvSpPr txBox="1"/>
+              <p:nvPr/>
+            </p:nvSpPr>
+            <p:spPr>
+              <a:xfrm>
+                <a:off x="630382" y="4889044"/>
+                <a:ext cx="7003472" cy="407419"/>
+              </a:xfrm>
+              <a:prstGeom prst="rect">
+                <a:avLst/>
+              </a:prstGeom>
+              <a:noFill/>
+            </p:spPr>
+            <p:txBody>
+              <a:bodyPr wrap="square" rtlCol="0">
+                <a:spAutoFit/>
+              </a:bodyPr>
+              <a:lstStyle/>
+              <a:p>
+                <a14:m>
+                  <m:oMathPara xmlns:m="http://schemas.openxmlformats.org/officeDocument/2006/math">
+                    <m:oMathParaPr>
+                      <m:jc m:val="centerGroup"/>
+                    </m:oMathParaPr>
+                    <m:oMath xmlns:m="http://schemas.openxmlformats.org/officeDocument/2006/math">
+                      <m:acc>
+                        <m:accPr>
+                          <m:chr m:val="̂"/>
+                          <m:ctrlPr>
+                            <a:rPr lang="en-US" b="0" i="1" smtClean="0">
+                              <a:latin typeface="Cambria Math" panose="02040503050406030204" pitchFamily="18" charset="0"/>
+                            </a:rPr>
+                          </m:ctrlPr>
+                        </m:accPr>
+                        <m:e>
+                          <m:r>
+                            <a:rPr lang="en-US" b="0" i="1" smtClean="0">
+                              <a:latin typeface="Cambria Math" panose="02040503050406030204" pitchFamily="18" charset="0"/>
+                            </a:rPr>
+                            <m:t>𝑟𝑎𝑡𝑒</m:t>
+                          </m:r>
+                        </m:e>
+                      </m:acc>
+                      <m:r>
+                        <a:rPr lang="en-US" b="0" i="1" smtClean="0">
+                          <a:latin typeface="Cambria Math" panose="02040503050406030204" pitchFamily="18" charset="0"/>
+                        </a:rPr>
+                        <m:t>=11.075+1.44∗</m:t>
+                      </m:r>
+                      <m:r>
+                        <a:rPr lang="en-US" b="0" i="1" smtClean="0">
+                          <a:latin typeface="Cambria Math" panose="02040503050406030204" pitchFamily="18" charset="0"/>
+                        </a:rPr>
+                        <m:t>𝑖𝑛𝑐𝑜𝑚</m:t>
+                      </m:r>
+                      <m:sSub>
+                        <m:sSubPr>
+                          <m:ctrlPr>
+                            <a:rPr lang="en-US" b="0" i="1" smtClean="0">
+                              <a:latin typeface="Cambria Math" panose="02040503050406030204" pitchFamily="18" charset="0"/>
+                            </a:rPr>
+                          </m:ctrlPr>
+                        </m:sSubPr>
+                        <m:e>
+                          <m:r>
+                            <a:rPr lang="en-US" b="0" i="1" smtClean="0">
+                              <a:latin typeface="Cambria Math" panose="02040503050406030204" pitchFamily="18" charset="0"/>
+                            </a:rPr>
+                            <m:t>𝑒</m:t>
+                          </m:r>
+                        </m:e>
+                        <m:sub>
+                          <m:r>
+                            <a:rPr lang="en-US" b="0" i="1" smtClean="0">
+                              <a:latin typeface="Cambria Math" panose="02040503050406030204" pitchFamily="18" charset="0"/>
+                            </a:rPr>
+                            <m:t>𝑠𝑜𝑢𝑟𝑐𝑒𝑉𝑒𝑟</m:t>
+                          </m:r>
+                        </m:sub>
+                      </m:sSub>
+                      <m:r>
+                        <a:rPr lang="en-US" b="0" i="1" smtClean="0">
+                          <a:latin typeface="Cambria Math" panose="02040503050406030204" pitchFamily="18" charset="0"/>
+                        </a:rPr>
+                        <m:t>+2.282∗</m:t>
+                      </m:r>
+                      <m:r>
+                        <a:rPr lang="en-US" b="0" i="1" smtClean="0">
+                          <a:latin typeface="Cambria Math" panose="02040503050406030204" pitchFamily="18" charset="0"/>
+                        </a:rPr>
+                        <m:t>𝑖𝑛𝑐𝑜𝑚</m:t>
+                      </m:r>
+                      <m:sSub>
+                        <m:sSubPr>
+                          <m:ctrlPr>
+                            <a:rPr lang="en-US" b="0" i="1" smtClean="0">
+                              <a:latin typeface="Cambria Math" panose="02040503050406030204" pitchFamily="18" charset="0"/>
+                            </a:rPr>
+                          </m:ctrlPr>
+                        </m:sSubPr>
+                        <m:e>
+                          <m:r>
+                            <a:rPr lang="en-US" b="0" i="1" smtClean="0">
+                              <a:latin typeface="Cambria Math" panose="02040503050406030204" pitchFamily="18" charset="0"/>
+                            </a:rPr>
+                            <m:t>𝑒</m:t>
+                          </m:r>
+                        </m:e>
+                        <m:sub>
+                          <m:r>
+                            <a:rPr lang="en-US" b="0" i="1" smtClean="0">
+                              <a:latin typeface="Cambria Math" panose="02040503050406030204" pitchFamily="18" charset="0"/>
+                            </a:rPr>
+                            <m:t>𝑣𝑒𝑟𝑖𝑓𝑖𝑒𝑑</m:t>
+                          </m:r>
+                          <m:r>
+                            <a:rPr lang="en-US" b="0" i="1" smtClean="0">
+                              <a:latin typeface="Cambria Math" panose="02040503050406030204" pitchFamily="18" charset="0"/>
+                            </a:rPr>
+                            <m:t> </m:t>
+                          </m:r>
+                        </m:sub>
+                      </m:sSub>
+                    </m:oMath>
+                  </m:oMathPara>
+                </a14:m>
+                <a:endParaRPr lang="en-US" dirty="0"/>
+              </a:p>
+            </p:txBody>
+          </p:sp>
+        </mc:Choice>
+        <mc:Fallback>
+          <p:sp>
+            <p:nvSpPr>
+              <p:cNvPr id="9" name="TextBox 8">
+                <a:extLst>
+                  <a:ext uri="{FF2B5EF4-FFF2-40B4-BE49-F238E27FC236}">
+                    <a16:creationId xmlns:a16="http://schemas.microsoft.com/office/drawing/2014/main" id="{747919BF-44E1-829D-1F2F-3D3C84A100B6}"/>
+                  </a:ext>
+                </a:extLst>
+              </p:cNvPr>
+              <p:cNvSpPr txBox="1">
+                <a:spLocks noRot="1" noChangeAspect="1" noMove="1" noResize="1" noEditPoints="1" noAdjustHandles="1" noChangeArrowheads="1" noChangeShapeType="1" noTextEdit="1"/>
+              </p:cNvSpPr>
+              <p:nvPr/>
+            </p:nvSpPr>
+            <p:spPr>
+              <a:xfrm>
+                <a:off x="630382" y="4889044"/>
+                <a:ext cx="7003472" cy="407419"/>
+              </a:xfrm>
+              <a:prstGeom prst="rect">
+                <a:avLst/>
+              </a:prstGeom>
+              <a:blipFill>
+                <a:blip r:embed="rId2"/>
+                <a:stretch>
+                  <a:fillRect t="-10448" b="-5970"/>
+                </a:stretch>
+              </a:blipFill>
+            </p:spPr>
+            <p:txBody>
+              <a:bodyPr/>
+              <a:lstStyle/>
+              <a:p>
+                <a:r>
+                  <a:rPr lang="en-US">
+                    <a:noFill/>
+                  </a:rPr>
+                  <a:t> </a:t>
+                </a:r>
+              </a:p>
+            </p:txBody>
+          </p:sp>
+        </mc:Fallback>
+      </mc:AlternateContent>
+      <p:pic>
+        <p:nvPicPr>
+          <p:cNvPr id="7" name="Picture 6">
+            <a:extLst>
+              <a:ext uri="{FF2B5EF4-FFF2-40B4-BE49-F238E27FC236}">
+                <a16:creationId xmlns:a16="http://schemas.microsoft.com/office/drawing/2014/main" id="{20A6E6B6-E188-B743-F634-4F161831828F}"/>
+              </a:ext>
+            </a:extLst>
+          </p:cNvPr>
+          <p:cNvPicPr>
+            <a:picLocks noChangeAspect="1"/>
+          </p:cNvPicPr>
+          <p:nvPr/>
+        </p:nvPicPr>
+        <p:blipFill>
+          <a:blip r:embed="rId3"/>
+          <a:stretch>
+            <a:fillRect/>
+          </a:stretch>
+        </p:blipFill>
+        <p:spPr>
+          <a:xfrm>
+            <a:off x="5782542" y="1253836"/>
+            <a:ext cx="5536622" cy="2673397"/>
+          </a:xfrm>
+          <a:prstGeom prst="rect">
+            <a:avLst/>
+          </a:prstGeom>
+        </p:spPr>
+      </p:pic>
+      <p:sp>
+        <p:nvSpPr>
+          <p:cNvPr id="10" name="TextBox 9">
+            <a:extLst>
+              <a:ext uri="{FF2B5EF4-FFF2-40B4-BE49-F238E27FC236}">
+                <a16:creationId xmlns:a16="http://schemas.microsoft.com/office/drawing/2014/main" id="{B1455880-FD11-7CCA-590D-FBCF8322FFDE}"/>
+              </a:ext>
+            </a:extLst>
+          </p:cNvPr>
+          <p:cNvSpPr txBox="1"/>
+          <p:nvPr/>
+        </p:nvSpPr>
+        <p:spPr>
+          <a:xfrm>
+            <a:off x="796636" y="4294247"/>
+            <a:ext cx="8700655" cy="369332"/>
+          </a:xfrm>
+          <a:prstGeom prst="rect">
+            <a:avLst/>
+          </a:prstGeom>
+          <a:noFill/>
+        </p:spPr>
+        <p:txBody>
+          <a:bodyPr wrap="square" rtlCol="0">
+            <a:spAutoFit/>
+          </a:bodyPr>
+          <a:lstStyle/>
+          <a:p>
+            <a:pPr marL="0" marR="0" lvl="0" indent="0" algn="l" rtl="0">
+              <a:lnSpc>
+                <a:spcPct val="100000"/>
+              </a:lnSpc>
+              <a:spcBef>
+                <a:spcPts val="1000"/>
+              </a:spcBef>
+              <a:spcAft>
+                <a:spcPts val="0"/>
+              </a:spcAft>
+              <a:buNone/>
+            </a:pPr>
+            <a:r>
+              <a:rPr lang="en-US" sz="1800" dirty="0">
+                <a:solidFill>
+                  <a:srgbClr val="22373A"/>
+                </a:solidFill>
+              </a:rPr>
+              <a:t>Which income verification (Source verified, verified, Non verified) is the reference level?</a:t>
+            </a:r>
+            <a:endParaRPr lang="en-US" sz="1900" dirty="0">
+              <a:latin typeface="Rambla"/>
+              <a:ea typeface="Rambla"/>
+              <a:cs typeface="Rambla"/>
+              <a:sym typeface="Rambla"/>
+            </a:endParaRPr>
+          </a:p>
+        </p:txBody>
+      </p:sp>
+    </p:spTree>
+    <p:extLst>
+      <p:ext uri="{BB962C8B-B14F-4D97-AF65-F5344CB8AC3E}">
+        <p14:creationId xmlns:p14="http://schemas.microsoft.com/office/powerpoint/2010/main" val="2374521933"/>
       </p:ext>
     </p:extLst>
   </p:cSld>

--- a/docs/Lectures/Week05/Week05_MultipleRegression.pptx
+++ b/docs/Lectures/Week05/Week05_MultipleRegression.pptx
@@ -15,8 +15,8 @@
     <p:sldId id="905" r:id="rId6"/>
     <p:sldId id="909" r:id="rId7"/>
     <p:sldId id="906" r:id="rId8"/>
-    <p:sldId id="918" r:id="rId9"/>
-    <p:sldId id="910" r:id="rId10"/>
+    <p:sldId id="910" r:id="rId9"/>
+    <p:sldId id="918" r:id="rId10"/>
     <p:sldId id="908" r:id="rId11"/>
     <p:sldId id="907" r:id="rId12"/>
     <p:sldId id="911" r:id="rId13"/>
@@ -216,7 +216,7 @@
           <a:p>
             <a:fld id="{B696F2DA-24C0-4B85-B3DC-FA6F4BB684E2}" type="datetimeFigureOut">
               <a:rPr lang="en-US" smtClean="0"/>
-              <a:t>2/12/2025</a:t>
+              <a:t>2/13/2025</a:t>
             </a:fld>
             <a:endParaRPr lang="en-US"/>
           </a:p>
@@ -721,7 +721,7 @@
           <a:p>
             <a:fld id="{ED291B17-9318-49DB-B28B-6E5994AE9581}" type="datetime1">
               <a:rPr lang="en-US" smtClean="0"/>
-              <a:t>2/12/2025</a:t>
+              <a:t>2/13/2025</a:t>
             </a:fld>
             <a:endParaRPr lang="en-US" dirty="0"/>
           </a:p>
@@ -924,7 +924,7 @@
           <a:p>
             <a:fld id="{2CED4963-E985-44C4-B8C4-FDD613B7C2F8}" type="datetime1">
               <a:rPr lang="en-US" smtClean="0"/>
-              <a:t>2/12/2025</a:t>
+              <a:t>2/13/2025</a:t>
             </a:fld>
             <a:endParaRPr lang="en-US" dirty="0"/>
           </a:p>
@@ -1286,7 +1286,7 @@
           <a:p>
             <a:fld id="{ED291B17-9318-49DB-B28B-6E5994AE9581}" type="datetime1">
               <a:rPr lang="en-US" smtClean="0"/>
-              <a:t>2/12/2025</a:t>
+              <a:t>2/13/2025</a:t>
             </a:fld>
             <a:endParaRPr lang="en-US" dirty="0"/>
           </a:p>
@@ -1596,7 +1596,7 @@
           <a:p>
             <a:fld id="{ED291B17-9318-49DB-B28B-6E5994AE9581}" type="datetime1">
               <a:rPr lang="en-US" smtClean="0"/>
-              <a:t>2/12/2025</a:t>
+              <a:t>2/13/2025</a:t>
             </a:fld>
             <a:endParaRPr lang="en-US" dirty="0"/>
           </a:p>
@@ -1793,7 +1793,7 @@
           <a:p>
             <a:fld id="{78DD82B9-B8EE-4375-B6FF-88FA6ABB15D9}" type="datetime1">
               <a:rPr lang="en-US" smtClean="0"/>
-              <a:t>2/12/2025</a:t>
+              <a:t>2/13/2025</a:t>
             </a:fld>
             <a:endParaRPr lang="en-US" dirty="0"/>
           </a:p>
@@ -2104,7 +2104,7 @@
           <a:p>
             <a:fld id="{B2497495-0637-405E-AE64-5CC7506D51F5}" type="datetime1">
               <a:rPr lang="en-US" smtClean="0"/>
-              <a:t>2/12/2025</a:t>
+              <a:t>2/13/2025</a:t>
             </a:fld>
             <a:endParaRPr lang="en-US" dirty="0"/>
           </a:p>
@@ -2357,7 +2357,7 @@
           <a:p>
             <a:fld id="{7BFFD690-9426-415D-8B65-26881E07B2D4}" type="datetime1">
               <a:rPr lang="en-US" smtClean="0"/>
-              <a:t>2/12/2025</a:t>
+              <a:t>2/13/2025</a:t>
             </a:fld>
             <a:endParaRPr lang="en-US" dirty="0"/>
           </a:p>
@@ -2779,7 +2779,7 @@
           <a:p>
             <a:fld id="{04C4989A-474C-40DE-95B9-011C28B71673}" type="datetime1">
               <a:rPr lang="en-US" smtClean="0"/>
-              <a:t>2/12/2025</a:t>
+              <a:t>2/13/2025</a:t>
             </a:fld>
             <a:endParaRPr lang="en-US" dirty="0"/>
           </a:p>
@@ -2902,7 +2902,7 @@
           <a:p>
             <a:fld id="{5DB4ED54-5B5E-4A04-93D3-5772E3CE3818}" type="datetime1">
               <a:rPr lang="en-US" smtClean="0"/>
-              <a:t>2/12/2025</a:t>
+              <a:t>2/13/2025</a:t>
             </a:fld>
             <a:endParaRPr lang="en-US" dirty="0"/>
           </a:p>
@@ -2997,7 +2997,7 @@
           <a:p>
             <a:fld id="{4EDE50D6-574B-40AF-946F-D52A04ADE379}" type="datetime1">
               <a:rPr lang="en-US" smtClean="0"/>
-              <a:t>2/12/2025</a:t>
+              <a:t>2/13/2025</a:t>
             </a:fld>
             <a:endParaRPr lang="en-US" dirty="0"/>
           </a:p>
@@ -3373,7 +3373,7 @@
           <a:p>
             <a:fld id="{D82884F1-FFEA-405F-9602-3DCA865EDA4E}" type="datetime1">
               <a:rPr lang="en-US" smtClean="0"/>
-              <a:t>2/12/2025</a:t>
+              <a:t>2/13/2025</a:t>
             </a:fld>
             <a:endParaRPr lang="en-US" dirty="0"/>
           </a:p>
@@ -3580,7 +3580,7 @@
           <a:p>
             <a:fld id="{78DD82B9-B8EE-4375-B6FF-88FA6ABB15D9}" type="datetime1">
               <a:rPr lang="en-US" smtClean="0"/>
-              <a:t>2/12/2025</a:t>
+              <a:t>2/13/2025</a:t>
             </a:fld>
             <a:endParaRPr lang="en-US" dirty="0"/>
           </a:p>
@@ -3862,7 +3862,7 @@
           <a:p>
             <a:fld id="{7E18DB4A-8810-4A10-AD5C-D5E2C667F5B3}" type="datetime1">
               <a:rPr lang="en-US" smtClean="0"/>
-              <a:t>2/12/2025</a:t>
+              <a:t>2/13/2025</a:t>
             </a:fld>
             <a:endParaRPr lang="en-US" dirty="0"/>
           </a:p>
@@ -4054,7 +4054,7 @@
           <a:p>
             <a:fld id="{2CED4963-E985-44C4-B8C4-FDD613B7C2F8}" type="datetime1">
               <a:rPr lang="en-US" smtClean="0"/>
-              <a:t>2/12/2025</a:t>
+              <a:t>2/13/2025</a:t>
             </a:fld>
             <a:endParaRPr lang="en-US" dirty="0"/>
           </a:p>
@@ -4415,7 +4415,7 @@
           <a:p>
             <a:fld id="{ED291B17-9318-49DB-B28B-6E5994AE9581}" type="datetime1">
               <a:rPr lang="en-US" smtClean="0"/>
-              <a:t>2/12/2025</a:t>
+              <a:t>2/13/2025</a:t>
             </a:fld>
             <a:endParaRPr lang="en-US" dirty="0"/>
           </a:p>
@@ -4891,7 +4891,7 @@
           <a:p>
             <a:fld id="{B2497495-0637-405E-AE64-5CC7506D51F5}" type="datetime1">
               <a:rPr lang="en-US" smtClean="0"/>
-              <a:t>2/12/2025</a:t>
+              <a:t>2/13/2025</a:t>
             </a:fld>
             <a:endParaRPr lang="en-US" dirty="0"/>
           </a:p>
@@ -5142,7 +5142,7 @@
           <a:p>
             <a:fld id="{7BFFD690-9426-415D-8B65-26881E07B2D4}" type="datetime1">
               <a:rPr lang="en-US" smtClean="0"/>
-              <a:t>2/12/2025</a:t>
+              <a:t>2/13/2025</a:t>
             </a:fld>
             <a:endParaRPr lang="en-US" dirty="0"/>
           </a:p>
@@ -5562,7 +5562,7 @@
           <a:p>
             <a:fld id="{04C4989A-474C-40DE-95B9-011C28B71673}" type="datetime1">
               <a:rPr lang="en-US" smtClean="0"/>
-              <a:t>2/12/2025</a:t>
+              <a:t>2/13/2025</a:t>
             </a:fld>
             <a:endParaRPr lang="en-US" dirty="0"/>
           </a:p>
@@ -5685,7 +5685,7 @@
           <a:p>
             <a:fld id="{5DB4ED54-5B5E-4A04-93D3-5772E3CE3818}" type="datetime1">
               <a:rPr lang="en-US" smtClean="0"/>
-              <a:t>2/12/2025</a:t>
+              <a:t>2/13/2025</a:t>
             </a:fld>
             <a:endParaRPr lang="en-US" dirty="0"/>
           </a:p>
@@ -5780,7 +5780,7 @@
           <a:p>
             <a:fld id="{4EDE50D6-574B-40AF-946F-D52A04ADE379}" type="datetime1">
               <a:rPr lang="en-US" smtClean="0"/>
-              <a:t>2/12/2025</a:t>
+              <a:t>2/13/2025</a:t>
             </a:fld>
             <a:endParaRPr lang="en-US" dirty="0"/>
           </a:p>
@@ -6156,7 +6156,7 @@
           <a:p>
             <a:fld id="{D82884F1-FFEA-405F-9602-3DCA865EDA4E}" type="datetime1">
               <a:rPr lang="en-US" smtClean="0"/>
-              <a:t>2/12/2025</a:t>
+              <a:t>2/13/2025</a:t>
             </a:fld>
             <a:endParaRPr lang="en-US" dirty="0"/>
           </a:p>
@@ -6449,7 +6449,7 @@
           <a:p>
             <a:fld id="{7E18DB4A-8810-4A10-AD5C-D5E2C667F5B3}" type="datetime1">
               <a:rPr lang="en-US" smtClean="0"/>
-              <a:t>2/12/2025</a:t>
+              <a:t>2/13/2025</a:t>
             </a:fld>
             <a:endParaRPr lang="en-US" dirty="0"/>
           </a:p>
@@ -6664,7 +6664,7 @@
           <a:p>
             <a:fld id="{ED291B17-9318-49DB-B28B-6E5994AE9581}" type="datetime1">
               <a:rPr lang="en-US" smtClean="0"/>
-              <a:t>2/12/2025</a:t>
+              <a:t>2/13/2025</a:t>
             </a:fld>
             <a:endParaRPr lang="en-US" dirty="0"/>
           </a:p>
@@ -7443,7 +7443,7 @@
           <a:p>
             <a:fld id="{ED291B17-9318-49DB-B28B-6E5994AE9581}" type="datetime1">
               <a:rPr lang="en-US" smtClean="0"/>
-              <a:t>2/12/2025</a:t>
+              <a:t>2/13/2025</a:t>
             </a:fld>
             <a:endParaRPr lang="en-US" dirty="0"/>
           </a:p>
@@ -8484,8 +8484,8 @@
           <a:chExt cx="0" cy="0"/>
         </a:xfrm>
       </p:grpSpPr>
-      <mc:AlternateContent xmlns:mc="http://schemas.openxmlformats.org/markup-compatibility/2006">
-        <mc:Choice xmlns:a14="http://schemas.microsoft.com/office/drawing/2010/main" Requires="a14">
+      <mc:AlternateContent xmlns:mc="http://schemas.openxmlformats.org/markup-compatibility/2006" xmlns:a14="http://schemas.microsoft.com/office/drawing/2010/main">
+        <mc:Choice Requires="a14">
           <p:sp>
             <p:nvSpPr>
               <p:cNvPr id="3" name="Content Placeholder 2">
@@ -8624,7 +8624,7 @@
             </p:txBody>
           </p:sp>
         </mc:Choice>
-        <mc:Fallback>
+        <mc:Fallback xmlns="">
           <p:sp>
             <p:nvSpPr>
               <p:cNvPr id="3" name="Content Placeholder 2">
@@ -8782,8 +8782,8 @@
           </a:p>
         </p:txBody>
       </p:sp>
-      <mc:AlternateContent xmlns:mc="http://schemas.openxmlformats.org/markup-compatibility/2006">
-        <mc:Choice xmlns:a14="http://schemas.microsoft.com/office/drawing/2010/main" Requires="a14">
+      <mc:AlternateContent xmlns:mc="http://schemas.openxmlformats.org/markup-compatibility/2006" xmlns:a14="http://schemas.microsoft.com/office/drawing/2010/main">
+        <mc:Choice Requires="a14">
           <p:sp>
             <p:nvSpPr>
               <p:cNvPr id="5" name="TextBox 4">
@@ -8812,6 +8812,7 @@
               </a:bodyPr>
               <a:lstStyle/>
               <a:p>
+                <a:pPr/>
                 <a14:m>
                   <m:oMathPara xmlns:m="http://schemas.openxmlformats.org/officeDocument/2006/math">
                     <m:oMathParaPr>
@@ -8924,7 +8925,7 @@
             </p:txBody>
           </p:sp>
         </mc:Choice>
-        <mc:Fallback>
+        <mc:Fallback xmlns="">
           <p:sp>
             <p:nvSpPr>
               <p:cNvPr id="5" name="TextBox 4">
@@ -8969,8 +8970,8 @@
           </p:sp>
         </mc:Fallback>
       </mc:AlternateContent>
-      <mc:AlternateContent xmlns:mc="http://schemas.openxmlformats.org/markup-compatibility/2006">
-        <mc:Choice xmlns:a14="http://schemas.microsoft.com/office/drawing/2010/main" Requires="a14">
+      <mc:AlternateContent xmlns:mc="http://schemas.openxmlformats.org/markup-compatibility/2006" xmlns:a14="http://schemas.microsoft.com/office/drawing/2010/main">
+        <mc:Choice Requires="a14">
           <p:sp>
             <p:nvSpPr>
               <p:cNvPr id="6" name="TextBox 5">
@@ -9120,6 +9121,7 @@
                                 <a:lumOff val="25000"/>
                               </a:schemeClr>
                             </a:solidFill>
+                            <a:latin typeface="Cambria Math" panose="02040503050406030204" pitchFamily="18" charset="0"/>
                           </a:rPr>
                         </m:ctrlPr>
                       </m:accPr>
@@ -9132,6 +9134,7 @@
                                 <a:lumOff val="25000"/>
                               </a:schemeClr>
                             </a:solidFill>
+                            <a:latin typeface="Cambria Math" panose="02040503050406030204" pitchFamily="18" charset="0"/>
                           </a:rPr>
                           <m:t>𝑟𝑎𝑡𝑒</m:t>
                         </m:r>
@@ -9145,6 +9148,7 @@
                             <a:lumOff val="25000"/>
                           </a:schemeClr>
                         </a:solidFill>
+                        <a:latin typeface="Cambria Math" panose="02040503050406030204" pitchFamily="18" charset="0"/>
                       </a:rPr>
                       <m:t>=11.075+1.44∗1+2.282</m:t>
                     </m:r>
@@ -9223,6 +9227,7 @@
                                 <a:lumOff val="25000"/>
                               </a:schemeClr>
                             </a:solidFill>
+                            <a:latin typeface="Cambria Math" panose="02040503050406030204" pitchFamily="18" charset="0"/>
                           </a:rPr>
                         </m:ctrlPr>
                       </m:accPr>
@@ -9235,6 +9240,7 @@
                                 <a:lumOff val="25000"/>
                               </a:schemeClr>
                             </a:solidFill>
+                            <a:latin typeface="Cambria Math" panose="02040503050406030204" pitchFamily="18" charset="0"/>
                           </a:rPr>
                           <m:t>𝑟𝑎𝑡𝑒</m:t>
                         </m:r>
@@ -9248,6 +9254,7 @@
                             <a:lumOff val="25000"/>
                           </a:schemeClr>
                         </a:solidFill>
+                        <a:latin typeface="Cambria Math" panose="02040503050406030204" pitchFamily="18" charset="0"/>
                       </a:rPr>
                       <m:t>=11.075+1.44∗0+2.282∗1</m:t>
                     </m:r>
@@ -9270,7 +9277,7 @@
             </p:txBody>
           </p:sp>
         </mc:Choice>
-        <mc:Fallback>
+        <mc:Fallback xmlns="">
           <p:sp>
             <p:nvSpPr>
               <p:cNvPr id="6" name="TextBox 5">
@@ -9420,8 +9427,8 @@
           <a:chExt cx="0" cy="0"/>
         </a:xfrm>
       </p:grpSpPr>
-      <mc:AlternateContent xmlns:mc="http://schemas.openxmlformats.org/markup-compatibility/2006">
-        <mc:Choice xmlns:a14="http://schemas.microsoft.com/office/drawing/2010/main" Requires="a14">
+      <mc:AlternateContent xmlns:mc="http://schemas.openxmlformats.org/markup-compatibility/2006" xmlns:a14="http://schemas.microsoft.com/office/drawing/2010/main">
+        <mc:Choice Requires="a14">
           <p:sp>
             <p:nvSpPr>
               <p:cNvPr id="2" name="Title 1">
@@ -9489,7 +9496,7 @@
             </p:txBody>
           </p:sp>
         </mc:Choice>
-        <mc:Fallback>
+        <mc:Fallback xmlns="">
           <p:sp>
             <p:nvSpPr>
               <p:cNvPr id="2" name="Title 1">
@@ -9727,8 +9734,8 @@
           </a:p>
         </p:txBody>
       </p:sp>
-      <mc:AlternateContent xmlns:mc="http://schemas.openxmlformats.org/markup-compatibility/2006">
-        <mc:Choice xmlns:a14="http://schemas.microsoft.com/office/drawing/2010/main" Requires="a14">
+      <mc:AlternateContent xmlns:mc="http://schemas.openxmlformats.org/markup-compatibility/2006" xmlns:a14="http://schemas.microsoft.com/office/drawing/2010/main">
+        <mc:Choice Requires="a14">
           <p:sp>
             <p:nvSpPr>
               <p:cNvPr id="5" name="TextBox 4">
@@ -9790,6 +9797,7 @@
                 </a:endParaRPr>
               </a:p>
               <a:p>
+                <a:pPr/>
                 <a14:m>
                   <m:oMathPara xmlns:m="http://schemas.openxmlformats.org/officeDocument/2006/math">
                     <m:oMathParaPr>
@@ -10009,7 +10017,7 @@
             </p:txBody>
           </p:sp>
         </mc:Choice>
-        <mc:Fallback>
+        <mc:Fallback xmlns="">
           <p:sp>
             <p:nvSpPr>
               <p:cNvPr id="5" name="TextBox 4">
@@ -10182,8 +10190,8 @@
           </a:p>
         </p:txBody>
       </p:sp>
-      <mc:AlternateContent xmlns:mc="http://schemas.openxmlformats.org/markup-compatibility/2006">
-        <mc:Choice xmlns:a14="http://schemas.microsoft.com/office/drawing/2010/main" Requires="a14">
+      <mc:AlternateContent xmlns:mc="http://schemas.openxmlformats.org/markup-compatibility/2006" xmlns:a14="http://schemas.microsoft.com/office/drawing/2010/main">
+        <mc:Choice Requires="a14">
           <p:sp>
             <p:nvSpPr>
               <p:cNvPr id="11" name="TextBox 10">
@@ -10284,7 +10292,7 @@
             </p:txBody>
           </p:sp>
         </mc:Choice>
-        <mc:Fallback>
+        <mc:Fallback xmlns="">
           <p:sp>
             <p:nvSpPr>
               <p:cNvPr id="11" name="TextBox 10">
@@ -10329,8 +10337,8 @@
           </p:sp>
         </mc:Fallback>
       </mc:AlternateContent>
-      <mc:AlternateContent xmlns:mc="http://schemas.openxmlformats.org/markup-compatibility/2006">
-        <mc:Choice xmlns:a14="http://schemas.microsoft.com/office/drawing/2010/main" Requires="a14">
+      <mc:AlternateContent xmlns:mc="http://schemas.openxmlformats.org/markup-compatibility/2006" xmlns:a14="http://schemas.microsoft.com/office/drawing/2010/main">
+        <mc:Choice Requires="a14">
           <p:sp>
             <p:nvSpPr>
               <p:cNvPr id="12" name="TextBox 11">
@@ -10359,6 +10367,7 @@
               </a:bodyPr>
               <a:lstStyle/>
               <a:p>
+                <a:pPr/>
                 <a14:m>
                   <m:oMathPara xmlns:m="http://schemas.openxmlformats.org/officeDocument/2006/math">
                     <m:oMathParaPr>
@@ -10459,7 +10468,7 @@
             </p:txBody>
           </p:sp>
         </mc:Choice>
-        <mc:Fallback>
+        <mc:Fallback xmlns="">
           <p:sp>
             <p:nvSpPr>
               <p:cNvPr id="12" name="TextBox 11">
@@ -10792,8 +10801,8 @@
           <a:chExt cx="0" cy="0"/>
         </a:xfrm>
       </p:grpSpPr>
-      <mc:AlternateContent xmlns:mc="http://schemas.openxmlformats.org/markup-compatibility/2006">
-        <mc:Choice xmlns:a14="http://schemas.microsoft.com/office/drawing/2010/main" Requires="a14">
+      <mc:AlternateContent xmlns:mc="http://schemas.openxmlformats.org/markup-compatibility/2006" xmlns:a14="http://schemas.microsoft.com/office/drawing/2010/main">
+        <mc:Choice Requires="a14">
           <p:sp>
             <p:nvSpPr>
               <p:cNvPr id="2" name="Title 1">
@@ -10893,7 +10902,7 @@
             </p:txBody>
           </p:sp>
         </mc:Choice>
-        <mc:Fallback>
+        <mc:Fallback xmlns="">
           <p:sp>
             <p:nvSpPr>
               <p:cNvPr id="2" name="Title 1">
@@ -10970,8 +10979,8 @@
           </a:ln>
         </p:spPr>
       </p:pic>
-      <mc:AlternateContent xmlns:mc="http://schemas.openxmlformats.org/markup-compatibility/2006">
-        <mc:Choice xmlns:a14="http://schemas.microsoft.com/office/drawing/2010/main" Requires="a14">
+      <mc:AlternateContent xmlns:mc="http://schemas.openxmlformats.org/markup-compatibility/2006" xmlns:a14="http://schemas.microsoft.com/office/drawing/2010/main">
+        <mc:Choice Requires="a14">
           <p:sp>
             <p:nvSpPr>
               <p:cNvPr id="5" name="TextBox 4">
@@ -11000,6 +11009,7 @@
               </a:bodyPr>
               <a:lstStyle/>
               <a:p>
+                <a:pPr/>
                 <a14:m>
                   <m:oMathPara xmlns:m="http://schemas.openxmlformats.org/officeDocument/2006/math">
                     <m:oMathParaPr>
@@ -11094,7 +11104,7 @@
             </p:txBody>
           </p:sp>
         </mc:Choice>
-        <mc:Fallback>
+        <mc:Fallback xmlns="">
           <p:sp>
             <p:nvSpPr>
               <p:cNvPr id="5" name="TextBox 4">
@@ -11169,8 +11179,8 @@
           <a:chExt cx="0" cy="0"/>
         </a:xfrm>
       </p:grpSpPr>
-      <mc:AlternateContent xmlns:mc="http://schemas.openxmlformats.org/markup-compatibility/2006">
-        <mc:Choice xmlns:a14="http://schemas.microsoft.com/office/drawing/2010/main" Requires="a14">
+      <mc:AlternateContent xmlns:mc="http://schemas.openxmlformats.org/markup-compatibility/2006" xmlns:a14="http://schemas.microsoft.com/office/drawing/2010/main">
+        <mc:Choice Requires="a14">
           <p:sp>
             <p:nvSpPr>
               <p:cNvPr id="2" name="Title 1">
@@ -11270,7 +11280,7 @@
             </p:txBody>
           </p:sp>
         </mc:Choice>
-        <mc:Fallback>
+        <mc:Fallback xmlns="">
           <p:sp>
             <p:nvSpPr>
               <p:cNvPr id="2" name="Title 1">
@@ -11588,8 +11598,8 @@
           </a:p>
         </p:txBody>
       </p:sp>
-      <mc:AlternateContent xmlns:mc="http://schemas.openxmlformats.org/markup-compatibility/2006">
-        <mc:Choice xmlns:a14="http://schemas.microsoft.com/office/drawing/2010/main" Requires="a14">
+      <mc:AlternateContent xmlns:mc="http://schemas.openxmlformats.org/markup-compatibility/2006" xmlns:a14="http://schemas.microsoft.com/office/drawing/2010/main">
+        <mc:Choice Requires="a14">
           <p:sp>
             <p:nvSpPr>
               <p:cNvPr id="3" name="Content Placeholder 2">
@@ -11791,7 +11801,7 @@
             </p:txBody>
           </p:sp>
         </mc:Choice>
-        <mc:Fallback>
+        <mc:Fallback xmlns="">
           <p:sp>
             <p:nvSpPr>
               <p:cNvPr id="3" name="Content Placeholder 2">
@@ -11835,8 +11845,8 @@
           </p:sp>
         </mc:Fallback>
       </mc:AlternateContent>
-      <mc:AlternateContent xmlns:mc="http://schemas.openxmlformats.org/markup-compatibility/2006">
-        <mc:Choice xmlns:a14="http://schemas.microsoft.com/office/drawing/2010/main" Requires="a14">
+      <mc:AlternateContent xmlns:mc="http://schemas.openxmlformats.org/markup-compatibility/2006" xmlns:a14="http://schemas.microsoft.com/office/drawing/2010/main">
+        <mc:Choice Requires="a14">
           <p:sp>
             <p:nvSpPr>
               <p:cNvPr id="6" name="TextBox 5">
@@ -11865,7 +11875,6 @@
               </a:bodyPr>
               <a:lstStyle/>
               <a:p>
-                <a:pPr/>
                 <a:r>
                   <a:rPr lang="en-US" dirty="0"/>
                   <a:t>Step 1: </a:t>
@@ -12119,7 +12128,6 @@
                 </a:r>
               </a:p>
               <a:p>
-                <a:pPr/>
                 <a:endParaRPr lang="en-US" dirty="0">
                   <a:solidFill>
                     <a:srgbClr val="000000"/>
@@ -12128,7 +12136,6 @@
                 </a:endParaRPr>
               </a:p>
               <a:p>
-                <a:pPr/>
                 <a:r>
                   <a:rPr lang="en-US" dirty="0">
                     <a:solidFill>
@@ -12201,7 +12208,7 @@
             </p:txBody>
           </p:sp>
         </mc:Choice>
-        <mc:Fallback>
+        <mc:Fallback xmlns="">
           <p:sp>
             <p:nvSpPr>
               <p:cNvPr id="6" name="TextBox 5">
@@ -12276,8 +12283,8 @@
           <a:chExt cx="0" cy="0"/>
         </a:xfrm>
       </p:grpSpPr>
-      <mc:AlternateContent xmlns:mc="http://schemas.openxmlformats.org/markup-compatibility/2006">
-        <mc:Choice xmlns:a14="http://schemas.microsoft.com/office/drawing/2010/main" Requires="a14">
+      <mc:AlternateContent xmlns:mc="http://schemas.openxmlformats.org/markup-compatibility/2006" xmlns:a14="http://schemas.microsoft.com/office/drawing/2010/main">
+        <mc:Choice Requires="a14">
           <p:sp>
             <p:nvSpPr>
               <p:cNvPr id="3" name="Content Placeholder 2">
@@ -12307,11 +12314,15 @@
                 <a14:m>
                   <m:oMath xmlns:m="http://schemas.openxmlformats.org/officeDocument/2006/math">
                     <m:r>
-                      <a:rPr lang="en-US" b="0" i="1" smtClean="0"/>
+                      <a:rPr lang="en-US" b="0" i="1" smtClean="0">
+                        <a:latin typeface="Cambria Math" panose="02040503050406030204" pitchFamily="18" charset="0"/>
+                      </a:rPr>
                       <m:t>𝑉𝐼𝐹</m:t>
                     </m:r>
                     <m:r>
-                      <a:rPr lang="en-US" b="0" i="1" smtClean="0"/>
+                      <a:rPr lang="en-US" b="0" i="1" smtClean="0">
+                        <a:latin typeface="Cambria Math" panose="02040503050406030204" pitchFamily="18" charset="0"/>
+                      </a:rPr>
                       <m:t>&gt;5</m:t>
                     </m:r>
                   </m:oMath>
@@ -12329,7 +12340,9 @@
                 <a14:m>
                   <m:oMath xmlns:m="http://schemas.openxmlformats.org/officeDocument/2006/math">
                     <m:r>
-                      <a:rPr lang="en-US" b="0" i="1" smtClean="0"/>
+                      <a:rPr lang="en-US" b="0" i="1" smtClean="0">
+                        <a:latin typeface="Cambria Math" panose="02040503050406030204" pitchFamily="18" charset="0"/>
+                      </a:rPr>
                       <m:t>𝑉𝐼𝐹</m:t>
                     </m:r>
                   </m:oMath>
@@ -12346,7 +12359,7 @@
             </p:txBody>
           </p:sp>
         </mc:Choice>
-        <mc:Fallback>
+        <mc:Fallback xmlns="">
           <p:sp>
             <p:nvSpPr>
               <p:cNvPr id="3" name="Content Placeholder 2">
@@ -13934,8 +13947,8 @@
           </a:p>
         </p:txBody>
       </p:sp>
-      <mc:AlternateContent xmlns:mc="http://schemas.openxmlformats.org/markup-compatibility/2006">
-        <mc:Choice xmlns:a14="http://schemas.microsoft.com/office/drawing/2010/main" Requires="a14">
+      <mc:AlternateContent xmlns:mc="http://schemas.openxmlformats.org/markup-compatibility/2006" xmlns:a14="http://schemas.microsoft.com/office/drawing/2010/main">
+        <mc:Choice Requires="a14">
           <p:sp>
             <p:nvSpPr>
               <p:cNvPr id="3" name="Content Placeholder 2">
@@ -14128,7 +14141,7 @@
             </p:txBody>
           </p:sp>
         </mc:Choice>
-        <mc:Fallback>
+        <mc:Fallback xmlns="">
           <p:sp>
             <p:nvSpPr>
               <p:cNvPr id="3" name="Content Placeholder 2">
@@ -14627,8 +14640,8 @@
           </a:prstGeom>
         </p:spPr>
       </p:pic>
-      <mc:AlternateContent xmlns:mc="http://schemas.openxmlformats.org/markup-compatibility/2006">
-        <mc:Choice xmlns:a14="http://schemas.microsoft.com/office/drawing/2010/main" Requires="a14">
+      <mc:AlternateContent xmlns:mc="http://schemas.openxmlformats.org/markup-compatibility/2006" xmlns:a14="http://schemas.microsoft.com/office/drawing/2010/main">
+        <mc:Choice Requires="a14">
           <p:sp>
             <p:nvSpPr>
               <p:cNvPr id="15" name="TextBox 14">
@@ -14752,7 +14765,7 @@
             </p:txBody>
           </p:sp>
         </mc:Choice>
-        <mc:Fallback>
+        <mc:Fallback xmlns="">
           <p:sp>
             <p:nvSpPr>
               <p:cNvPr id="15" name="TextBox 14">
@@ -14829,441 +14842,6 @@
       </p:grpSpPr>
       <p:sp>
         <p:nvSpPr>
-          <p:cNvPr id="4" name="Title 1">
-            <a:extLst>
-              <a:ext uri="{FF2B5EF4-FFF2-40B4-BE49-F238E27FC236}">
-                <a16:creationId xmlns:a16="http://schemas.microsoft.com/office/drawing/2014/main" id="{D787F118-7CDF-90F2-C770-85E59D1B7022}"/>
-              </a:ext>
-            </a:extLst>
-          </p:cNvPr>
-          <p:cNvSpPr txBox="1">
-            <a:spLocks/>
-          </p:cNvSpPr>
-          <p:nvPr/>
-        </p:nvSpPr>
-        <p:spPr>
-          <a:xfrm>
-            <a:off x="581192" y="702156"/>
-            <a:ext cx="11029616" cy="551680"/>
-          </a:xfrm>
-          <a:prstGeom prst="rect">
-            <a:avLst/>
-          </a:prstGeom>
-        </p:spPr>
-        <p:txBody>
-          <a:bodyPr vert="horz" lIns="91440" tIns="45720" rIns="91440" bIns="45720" rtlCol="0" anchor="b">
-            <a:normAutofit/>
-          </a:bodyPr>
-          <a:lstStyle>
-            <a:lvl1pPr algn="l" defTabSz="457200" rtl="0" eaLnBrk="1" latinLnBrk="0" hangingPunct="1">
-              <a:lnSpc>
-                <a:spcPct val="100000"/>
-              </a:lnSpc>
-              <a:spcBef>
-                <a:spcPct val="0"/>
-              </a:spcBef>
-              <a:buNone/>
-              <a:defRPr sz="2800" b="0" kern="1200" cap="all">
-                <a:solidFill>
-                  <a:schemeClr val="tx1">
-                    <a:lumMod val="75000"/>
-                    <a:lumOff val="25000"/>
-                  </a:schemeClr>
-                </a:solidFill>
-                <a:latin typeface="+mj-lt"/>
-                <a:ea typeface="+mj-ea"/>
-                <a:cs typeface="+mj-cs"/>
-              </a:defRPr>
-            </a:lvl1pPr>
-            <a:lvl2pPr eaLnBrk="1" hangingPunct="1">
-              <a:defRPr>
-                <a:solidFill>
-                  <a:schemeClr val="tx2"/>
-                </a:solidFill>
-              </a:defRPr>
-            </a:lvl2pPr>
-            <a:lvl3pPr eaLnBrk="1" hangingPunct="1">
-              <a:defRPr>
-                <a:solidFill>
-                  <a:schemeClr val="tx2"/>
-                </a:solidFill>
-              </a:defRPr>
-            </a:lvl3pPr>
-            <a:lvl4pPr eaLnBrk="1" hangingPunct="1">
-              <a:defRPr>
-                <a:solidFill>
-                  <a:schemeClr val="tx2"/>
-                </a:solidFill>
-              </a:defRPr>
-            </a:lvl4pPr>
-            <a:lvl5pPr eaLnBrk="1" hangingPunct="1">
-              <a:defRPr>
-                <a:solidFill>
-                  <a:schemeClr val="tx2"/>
-                </a:solidFill>
-              </a:defRPr>
-            </a:lvl5pPr>
-            <a:lvl6pPr eaLnBrk="1" hangingPunct="1">
-              <a:defRPr>
-                <a:solidFill>
-                  <a:schemeClr val="tx2"/>
-                </a:solidFill>
-              </a:defRPr>
-            </a:lvl6pPr>
-            <a:lvl7pPr eaLnBrk="1" hangingPunct="1">
-              <a:defRPr>
-                <a:solidFill>
-                  <a:schemeClr val="tx2"/>
-                </a:solidFill>
-              </a:defRPr>
-            </a:lvl7pPr>
-            <a:lvl8pPr eaLnBrk="1" hangingPunct="1">
-              <a:defRPr>
-                <a:solidFill>
-                  <a:schemeClr val="tx2"/>
-                </a:solidFill>
-              </a:defRPr>
-            </a:lvl8pPr>
-            <a:lvl9pPr eaLnBrk="1" hangingPunct="1">
-              <a:defRPr>
-                <a:solidFill>
-                  <a:schemeClr val="tx2"/>
-                </a:solidFill>
-              </a:defRPr>
-            </a:lvl9pPr>
-          </a:lstStyle>
-          <a:p>
-            <a:r>
-              <a:rPr lang="en-US"/>
-              <a:t>2-level Categorical variable as predictors</a:t>
-            </a:r>
-            <a:endParaRPr lang="en-US" dirty="0"/>
-          </a:p>
-        </p:txBody>
-      </p:sp>
-      <p:sp>
-        <p:nvSpPr>
-          <p:cNvPr id="5" name="TextBox 4">
-            <a:extLst>
-              <a:ext uri="{FF2B5EF4-FFF2-40B4-BE49-F238E27FC236}">
-                <a16:creationId xmlns:a16="http://schemas.microsoft.com/office/drawing/2014/main" id="{2907EF87-BCF5-6550-6E80-B25243304602}"/>
-              </a:ext>
-            </a:extLst>
-          </p:cNvPr>
-          <p:cNvSpPr txBox="1"/>
-          <p:nvPr/>
-        </p:nvSpPr>
-        <p:spPr>
-          <a:xfrm>
-            <a:off x="727363" y="4326578"/>
-            <a:ext cx="10979728" cy="2283702"/>
-          </a:xfrm>
-          <a:prstGeom prst="rect">
-            <a:avLst/>
-          </a:prstGeom>
-          <a:noFill/>
-        </p:spPr>
-        <p:txBody>
-          <a:bodyPr wrap="square">
-            <a:spAutoFit/>
-          </a:bodyPr>
-          <a:lstStyle/>
-          <a:p>
-            <a:pPr marL="306000" marR="0" indent="-306000">
-              <a:spcBef>
-                <a:spcPct val="20000"/>
-              </a:spcBef>
-              <a:spcAft>
-                <a:spcPts val="600"/>
-              </a:spcAft>
-              <a:buClr>
-                <a:schemeClr val="accent1"/>
-              </a:buClr>
-              <a:buSzPct val="92000"/>
-              <a:buFont typeface="Wingdings 2" panose="05020102010507070707" pitchFamily="18" charset="2"/>
-              <a:buChar char=""/>
-            </a:pPr>
-            <a:r>
-              <a:rPr lang="en-US" b="1" dirty="0">
-                <a:solidFill>
-                  <a:schemeClr val="tx1">
-                    <a:lumMod val="75000"/>
-                    <a:lumOff val="25000"/>
-                  </a:schemeClr>
-                </a:solidFill>
-                <a:sym typeface="Rambla"/>
-              </a:rPr>
-              <a:t>Intercept: </a:t>
-            </a:r>
-            <a:r>
-              <a:rPr lang="en-US" dirty="0">
-                <a:solidFill>
-                  <a:schemeClr val="tx1">
-                    <a:lumMod val="75000"/>
-                    <a:lumOff val="25000"/>
-                  </a:schemeClr>
-                </a:solidFill>
-                <a:sym typeface="Rambla"/>
-              </a:rPr>
-              <a:t>The estimated average interest rate for borrower without a </a:t>
-            </a:r>
-            <a:r>
-              <a:rPr lang="en-US" b="0" dirty="0">
-                <a:solidFill>
-                  <a:schemeClr val="tx1"/>
-                </a:solidFill>
-              </a:rPr>
-              <a:t>bankruptcy record is</a:t>
-            </a:r>
-            <a:r>
-              <a:rPr lang="en-US" dirty="0">
-                <a:solidFill>
-                  <a:schemeClr val="tx1">
-                    <a:lumMod val="75000"/>
-                    <a:lumOff val="25000"/>
-                  </a:schemeClr>
-                </a:solidFill>
-                <a:sym typeface="Rambla"/>
-              </a:rPr>
-              <a:t> 12.332</a:t>
-            </a:r>
-          </a:p>
-          <a:p>
-            <a:pPr lvl="1">
-              <a:spcBef>
-                <a:spcPct val="20000"/>
-              </a:spcBef>
-              <a:spcAft>
-                <a:spcPts val="600"/>
-              </a:spcAft>
-              <a:buClr>
-                <a:schemeClr val="accent1"/>
-              </a:buClr>
-              <a:buSzPct val="92000"/>
-            </a:pPr>
-            <a:r>
-              <a:rPr lang="en-US" dirty="0">
-                <a:solidFill>
-                  <a:schemeClr val="tx1">
-                    <a:lumMod val="75000"/>
-                    <a:lumOff val="25000"/>
-                  </a:schemeClr>
-                </a:solidFill>
-                <a:sym typeface="Rambla"/>
-              </a:rPr>
-              <a:t>This is the value we get if we plug in 0 for the explanatory variable</a:t>
-            </a:r>
-          </a:p>
-          <a:p>
-            <a:pPr marL="306000" marR="0" indent="-306000">
-              <a:spcBef>
-                <a:spcPct val="20000"/>
-              </a:spcBef>
-              <a:spcAft>
-                <a:spcPts val="600"/>
-              </a:spcAft>
-              <a:buClr>
-                <a:schemeClr val="accent1"/>
-              </a:buClr>
-              <a:buSzPct val="92000"/>
-              <a:buFont typeface="Wingdings 2" panose="05020102010507070707" pitchFamily="18" charset="2"/>
-              <a:buChar char=""/>
-            </a:pPr>
-            <a:r>
-              <a:rPr lang="en-US" b="1" dirty="0">
-                <a:solidFill>
-                  <a:schemeClr val="tx1">
-                    <a:lumMod val="75000"/>
-                    <a:lumOff val="25000"/>
-                  </a:schemeClr>
-                </a:solidFill>
-                <a:sym typeface="Rambla"/>
-              </a:rPr>
-              <a:t>Slope: </a:t>
-            </a:r>
-            <a:r>
-              <a:rPr lang="en-US" dirty="0">
-                <a:solidFill>
-                  <a:schemeClr val="tx1">
-                    <a:lumMod val="75000"/>
-                    <a:lumOff val="25000"/>
-                  </a:schemeClr>
-                </a:solidFill>
-                <a:sym typeface="Rambla"/>
-              </a:rPr>
-              <a:t>The estimated average interest rate for borrower with a </a:t>
-            </a:r>
-            <a:r>
-              <a:rPr lang="en-US" b="0" dirty="0">
-                <a:solidFill>
-                  <a:schemeClr val="tx1"/>
-                </a:solidFill>
-              </a:rPr>
-              <a:t>bankruptcy record is </a:t>
-            </a:r>
-            <a:r>
-              <a:rPr lang="en-US" dirty="0">
-                <a:solidFill>
-                  <a:schemeClr val="tx1">
-                    <a:lumMod val="75000"/>
-                    <a:lumOff val="25000"/>
-                  </a:schemeClr>
-                </a:solidFill>
-                <a:sym typeface="Rambla"/>
-              </a:rPr>
-              <a:t>0.735 higher than borrower without a </a:t>
-            </a:r>
-            <a:r>
-              <a:rPr lang="en-US" b="0" dirty="0">
-                <a:solidFill>
-                  <a:schemeClr val="tx1"/>
-                </a:solidFill>
-              </a:rPr>
-              <a:t>bankruptcy record </a:t>
-            </a:r>
-          </a:p>
-          <a:p>
-            <a:pPr marR="0">
-              <a:spcBef>
-                <a:spcPct val="20000"/>
-              </a:spcBef>
-              <a:spcAft>
-                <a:spcPts val="600"/>
-              </a:spcAft>
-              <a:buClr>
-                <a:schemeClr val="accent1"/>
-              </a:buClr>
-              <a:buSzPct val="92000"/>
-            </a:pPr>
-            <a:r>
-              <a:rPr lang="en-US" dirty="0">
-                <a:sym typeface="Rambla"/>
-              </a:rPr>
-              <a:t>	</a:t>
-            </a:r>
-            <a:r>
-              <a:rPr lang="en-US" dirty="0">
-                <a:solidFill>
-                  <a:schemeClr val="tx1">
-                    <a:lumMod val="75000"/>
-                    <a:lumOff val="25000"/>
-                  </a:schemeClr>
-                </a:solidFill>
-                <a:sym typeface="Rambla"/>
-              </a:rPr>
-              <a:t>Then, the estimated average interest rate for borrower with a </a:t>
-            </a:r>
-            <a:r>
-              <a:rPr lang="en-US" b="0" dirty="0">
-                <a:solidFill>
-                  <a:schemeClr val="tx1"/>
-                </a:solidFill>
-              </a:rPr>
-              <a:t>bankruptcy record </a:t>
-            </a:r>
-            <a:r>
-              <a:rPr lang="en-US" dirty="0">
-                <a:solidFill>
-                  <a:schemeClr val="tx1">
-                    <a:lumMod val="75000"/>
-                    <a:lumOff val="25000"/>
-                  </a:schemeClr>
-                </a:solidFill>
-                <a:sym typeface="Rambla"/>
-              </a:rPr>
-              <a:t>is 12.332 + 0.735= 13.067</a:t>
-            </a:r>
-          </a:p>
-          <a:p>
-            <a:pPr marR="0">
-              <a:spcBef>
-                <a:spcPct val="20000"/>
-              </a:spcBef>
-              <a:spcAft>
-                <a:spcPts val="600"/>
-              </a:spcAft>
-              <a:buClr>
-                <a:schemeClr val="accent1"/>
-              </a:buClr>
-              <a:buSzPct val="92000"/>
-            </a:pPr>
-            <a:r>
-              <a:rPr lang="en-US" dirty="0">
-                <a:solidFill>
-                  <a:schemeClr val="tx1">
-                    <a:lumMod val="75000"/>
-                    <a:lumOff val="25000"/>
-                  </a:schemeClr>
-                </a:solidFill>
-                <a:sym typeface="Rambla"/>
-              </a:rPr>
-              <a:t>	This is the value we get if we plug in 1 for the explanatory variable</a:t>
-            </a:r>
-          </a:p>
-        </p:txBody>
-      </p:sp>
-      <p:pic>
-        <p:nvPicPr>
-          <p:cNvPr id="6" name="Picture 5">
-            <a:extLst>
-              <a:ext uri="{FF2B5EF4-FFF2-40B4-BE49-F238E27FC236}">
-                <a16:creationId xmlns:a16="http://schemas.microsoft.com/office/drawing/2014/main" id="{776D9D21-06B7-20D9-0C0F-1D05101289A3}"/>
-              </a:ext>
-            </a:extLst>
-          </p:cNvPr>
-          <p:cNvPicPr>
-            <a:picLocks noChangeAspect="1"/>
-          </p:cNvPicPr>
-          <p:nvPr/>
-        </p:nvPicPr>
-        <p:blipFill>
-          <a:blip r:embed="rId2"/>
-          <a:stretch>
-            <a:fillRect/>
-          </a:stretch>
-        </p:blipFill>
-        <p:spPr>
-          <a:xfrm>
-            <a:off x="2479963" y="1253836"/>
-            <a:ext cx="7017328" cy="3024250"/>
-          </a:xfrm>
-          <a:prstGeom prst="rect">
-            <a:avLst/>
-          </a:prstGeom>
-        </p:spPr>
-      </p:pic>
-    </p:spTree>
-    <p:extLst>
-      <p:ext uri="{BB962C8B-B14F-4D97-AF65-F5344CB8AC3E}">
-        <p14:creationId xmlns:p14="http://schemas.microsoft.com/office/powerpoint/2010/main" val="2617738258"/>
-      </p:ext>
-    </p:extLst>
-  </p:cSld>
-  <p:clrMapOvr>
-    <a:masterClrMapping/>
-  </p:clrMapOvr>
-</p:sld>
-</file>
-
-<file path=ppt/slides/slide8.xml><?xml version="1.0" encoding="utf-8"?>
-<p:sld xmlns:a="http://schemas.openxmlformats.org/drawingml/2006/main" xmlns:r="http://schemas.openxmlformats.org/officeDocument/2006/relationships" xmlns:p="http://schemas.openxmlformats.org/presentationml/2006/main">
-  <p:cSld>
-    <p:spTree>
-      <p:nvGrpSpPr>
-        <p:cNvPr id="1" name=""/>
-        <p:cNvGrpSpPr/>
-        <p:nvPr/>
-      </p:nvGrpSpPr>
-      <p:grpSpPr>
-        <a:xfrm>
-          <a:off x="0" y="0"/>
-          <a:ext cx="0" cy="0"/>
-          <a:chOff x="0" y="0"/>
-          <a:chExt cx="0" cy="0"/>
-        </a:xfrm>
-      </p:grpSpPr>
-      <p:sp>
-        <p:nvSpPr>
           <p:cNvPr id="2" name="Title 1">
             <a:extLst>
               <a:ext uri="{FF2B5EF4-FFF2-40B4-BE49-F238E27FC236}">
@@ -15349,8 +14927,8 @@
           </a:p>
         </p:txBody>
       </p:sp>
-      <mc:AlternateContent xmlns:mc="http://schemas.openxmlformats.org/markup-compatibility/2006">
-        <mc:Choice xmlns:a14="http://schemas.microsoft.com/office/drawing/2010/main" Requires="a14">
+      <mc:AlternateContent xmlns:mc="http://schemas.openxmlformats.org/markup-compatibility/2006" xmlns:a14="http://schemas.microsoft.com/office/drawing/2010/main">
+        <mc:Choice Requires="a14">
           <p:sp>
             <p:nvSpPr>
               <p:cNvPr id="4" name="Content Placeholder 2">
@@ -15637,13 +15215,7 @@
                       <a:rPr lang="en-US" b="0" i="1" smtClean="0">
                         <a:latin typeface="Cambria Math" panose="02040503050406030204" pitchFamily="18" charset="0"/>
                       </a:rPr>
-                      <m:t>=12.332+0.735∗</m:t>
-                    </m:r>
-                    <m:r>
-                      <a:rPr lang="en-US" b="0" i="1" smtClean="0">
-                        <a:latin typeface="Cambria Math" panose="02040503050406030204" pitchFamily="18" charset="0"/>
-                      </a:rPr>
-                      <m:t>0</m:t>
+                      <m:t>=12.332+0.735∗0</m:t>
                     </m:r>
                   </m:oMath>
                 </a14:m>
@@ -15701,7 +15273,7 @@
             </p:txBody>
           </p:sp>
         </mc:Choice>
-        <mc:Fallback>
+        <mc:Fallback xmlns="">
           <p:sp>
             <p:nvSpPr>
               <p:cNvPr id="4" name="Content Placeholder 2">
@@ -15746,8 +15318,8 @@
           </p:sp>
         </mc:Fallback>
       </mc:AlternateContent>
-      <mc:AlternateContent xmlns:mc="http://schemas.openxmlformats.org/markup-compatibility/2006">
-        <mc:Choice xmlns:a14="http://schemas.microsoft.com/office/drawing/2010/main" Requires="a14">
+      <mc:AlternateContent xmlns:mc="http://schemas.openxmlformats.org/markup-compatibility/2006" xmlns:a14="http://schemas.microsoft.com/office/drawing/2010/main">
+        <mc:Choice Requires="a14">
           <p:sp>
             <p:nvSpPr>
               <p:cNvPr id="5" name="TextBox 4">
@@ -15776,6 +15348,7 @@
               </a:bodyPr>
               <a:lstStyle/>
               <a:p>
+                <a:pPr/>
                 <a14:m>
                   <m:oMathPara xmlns:m="http://schemas.openxmlformats.org/officeDocument/2006/math">
                     <m:oMathParaPr>
@@ -15845,7 +15418,7 @@
             </p:txBody>
           </p:sp>
         </mc:Choice>
-        <mc:Fallback>
+        <mc:Fallback xmlns="">
           <p:sp>
             <p:nvSpPr>
               <p:cNvPr id="5" name="TextBox 4">
@@ -15938,6 +15511,441 @@
 </p:sld>
 </file>
 
+<file path=ppt/slides/slide8.xml><?xml version="1.0" encoding="utf-8"?>
+<p:sld xmlns:a="http://schemas.openxmlformats.org/drawingml/2006/main" xmlns:r="http://schemas.openxmlformats.org/officeDocument/2006/relationships" xmlns:p="http://schemas.openxmlformats.org/presentationml/2006/main">
+  <p:cSld>
+    <p:spTree>
+      <p:nvGrpSpPr>
+        <p:cNvPr id="1" name=""/>
+        <p:cNvGrpSpPr/>
+        <p:nvPr/>
+      </p:nvGrpSpPr>
+      <p:grpSpPr>
+        <a:xfrm>
+          <a:off x="0" y="0"/>
+          <a:ext cx="0" cy="0"/>
+          <a:chOff x="0" y="0"/>
+          <a:chExt cx="0" cy="0"/>
+        </a:xfrm>
+      </p:grpSpPr>
+      <p:sp>
+        <p:nvSpPr>
+          <p:cNvPr id="4" name="Title 1">
+            <a:extLst>
+              <a:ext uri="{FF2B5EF4-FFF2-40B4-BE49-F238E27FC236}">
+                <a16:creationId xmlns:a16="http://schemas.microsoft.com/office/drawing/2014/main" id="{D787F118-7CDF-90F2-C770-85E59D1B7022}"/>
+              </a:ext>
+            </a:extLst>
+          </p:cNvPr>
+          <p:cNvSpPr txBox="1">
+            <a:spLocks/>
+          </p:cNvSpPr>
+          <p:nvPr/>
+        </p:nvSpPr>
+        <p:spPr>
+          <a:xfrm>
+            <a:off x="581192" y="702156"/>
+            <a:ext cx="11029616" cy="551680"/>
+          </a:xfrm>
+          <a:prstGeom prst="rect">
+            <a:avLst/>
+          </a:prstGeom>
+        </p:spPr>
+        <p:txBody>
+          <a:bodyPr vert="horz" lIns="91440" tIns="45720" rIns="91440" bIns="45720" rtlCol="0" anchor="b">
+            <a:normAutofit/>
+          </a:bodyPr>
+          <a:lstStyle>
+            <a:lvl1pPr algn="l" defTabSz="457200" rtl="0" eaLnBrk="1" latinLnBrk="0" hangingPunct="1">
+              <a:lnSpc>
+                <a:spcPct val="100000"/>
+              </a:lnSpc>
+              <a:spcBef>
+                <a:spcPct val="0"/>
+              </a:spcBef>
+              <a:buNone/>
+              <a:defRPr sz="2800" b="0" kern="1200" cap="all">
+                <a:solidFill>
+                  <a:schemeClr val="tx1">
+                    <a:lumMod val="75000"/>
+                    <a:lumOff val="25000"/>
+                  </a:schemeClr>
+                </a:solidFill>
+                <a:latin typeface="+mj-lt"/>
+                <a:ea typeface="+mj-ea"/>
+                <a:cs typeface="+mj-cs"/>
+              </a:defRPr>
+            </a:lvl1pPr>
+            <a:lvl2pPr eaLnBrk="1" hangingPunct="1">
+              <a:defRPr>
+                <a:solidFill>
+                  <a:schemeClr val="tx2"/>
+                </a:solidFill>
+              </a:defRPr>
+            </a:lvl2pPr>
+            <a:lvl3pPr eaLnBrk="1" hangingPunct="1">
+              <a:defRPr>
+                <a:solidFill>
+                  <a:schemeClr val="tx2"/>
+                </a:solidFill>
+              </a:defRPr>
+            </a:lvl3pPr>
+            <a:lvl4pPr eaLnBrk="1" hangingPunct="1">
+              <a:defRPr>
+                <a:solidFill>
+                  <a:schemeClr val="tx2"/>
+                </a:solidFill>
+              </a:defRPr>
+            </a:lvl4pPr>
+            <a:lvl5pPr eaLnBrk="1" hangingPunct="1">
+              <a:defRPr>
+                <a:solidFill>
+                  <a:schemeClr val="tx2"/>
+                </a:solidFill>
+              </a:defRPr>
+            </a:lvl5pPr>
+            <a:lvl6pPr eaLnBrk="1" hangingPunct="1">
+              <a:defRPr>
+                <a:solidFill>
+                  <a:schemeClr val="tx2"/>
+                </a:solidFill>
+              </a:defRPr>
+            </a:lvl6pPr>
+            <a:lvl7pPr eaLnBrk="1" hangingPunct="1">
+              <a:defRPr>
+                <a:solidFill>
+                  <a:schemeClr val="tx2"/>
+                </a:solidFill>
+              </a:defRPr>
+            </a:lvl7pPr>
+            <a:lvl8pPr eaLnBrk="1" hangingPunct="1">
+              <a:defRPr>
+                <a:solidFill>
+                  <a:schemeClr val="tx2"/>
+                </a:solidFill>
+              </a:defRPr>
+            </a:lvl8pPr>
+            <a:lvl9pPr eaLnBrk="1" hangingPunct="1">
+              <a:defRPr>
+                <a:solidFill>
+                  <a:schemeClr val="tx2"/>
+                </a:solidFill>
+              </a:defRPr>
+            </a:lvl9pPr>
+          </a:lstStyle>
+          <a:p>
+            <a:r>
+              <a:rPr lang="en-US"/>
+              <a:t>2-level Categorical variable as predictors</a:t>
+            </a:r>
+            <a:endParaRPr lang="en-US" dirty="0"/>
+          </a:p>
+        </p:txBody>
+      </p:sp>
+      <p:sp>
+        <p:nvSpPr>
+          <p:cNvPr id="5" name="TextBox 4">
+            <a:extLst>
+              <a:ext uri="{FF2B5EF4-FFF2-40B4-BE49-F238E27FC236}">
+                <a16:creationId xmlns:a16="http://schemas.microsoft.com/office/drawing/2014/main" id="{2907EF87-BCF5-6550-6E80-B25243304602}"/>
+              </a:ext>
+            </a:extLst>
+          </p:cNvPr>
+          <p:cNvSpPr txBox="1"/>
+          <p:nvPr/>
+        </p:nvSpPr>
+        <p:spPr>
+          <a:xfrm>
+            <a:off x="727363" y="4326578"/>
+            <a:ext cx="10979728" cy="2283702"/>
+          </a:xfrm>
+          <a:prstGeom prst="rect">
+            <a:avLst/>
+          </a:prstGeom>
+          <a:noFill/>
+        </p:spPr>
+        <p:txBody>
+          <a:bodyPr wrap="square">
+            <a:spAutoFit/>
+          </a:bodyPr>
+          <a:lstStyle/>
+          <a:p>
+            <a:pPr marL="306000" marR="0" indent="-306000">
+              <a:spcBef>
+                <a:spcPct val="20000"/>
+              </a:spcBef>
+              <a:spcAft>
+                <a:spcPts val="600"/>
+              </a:spcAft>
+              <a:buClr>
+                <a:schemeClr val="accent1"/>
+              </a:buClr>
+              <a:buSzPct val="92000"/>
+              <a:buFont typeface="Wingdings 2" panose="05020102010507070707" pitchFamily="18" charset="2"/>
+              <a:buChar char=""/>
+            </a:pPr>
+            <a:r>
+              <a:rPr lang="en-US" b="1" dirty="0">
+                <a:solidFill>
+                  <a:schemeClr val="tx1">
+                    <a:lumMod val="75000"/>
+                    <a:lumOff val="25000"/>
+                  </a:schemeClr>
+                </a:solidFill>
+                <a:sym typeface="Rambla"/>
+              </a:rPr>
+              <a:t>Intercept: </a:t>
+            </a:r>
+            <a:r>
+              <a:rPr lang="en-US" dirty="0">
+                <a:solidFill>
+                  <a:schemeClr val="tx1">
+                    <a:lumMod val="75000"/>
+                    <a:lumOff val="25000"/>
+                  </a:schemeClr>
+                </a:solidFill>
+                <a:sym typeface="Rambla"/>
+              </a:rPr>
+              <a:t>The estimated average interest rate for borrower without a </a:t>
+            </a:r>
+            <a:r>
+              <a:rPr lang="en-US" b="0" dirty="0">
+                <a:solidFill>
+                  <a:schemeClr val="tx1"/>
+                </a:solidFill>
+              </a:rPr>
+              <a:t>bankruptcy record is</a:t>
+            </a:r>
+            <a:r>
+              <a:rPr lang="en-US" dirty="0">
+                <a:solidFill>
+                  <a:schemeClr val="tx1">
+                    <a:lumMod val="75000"/>
+                    <a:lumOff val="25000"/>
+                  </a:schemeClr>
+                </a:solidFill>
+                <a:sym typeface="Rambla"/>
+              </a:rPr>
+              <a:t> 12.332</a:t>
+            </a:r>
+          </a:p>
+          <a:p>
+            <a:pPr lvl="1">
+              <a:spcBef>
+                <a:spcPct val="20000"/>
+              </a:spcBef>
+              <a:spcAft>
+                <a:spcPts val="600"/>
+              </a:spcAft>
+              <a:buClr>
+                <a:schemeClr val="accent1"/>
+              </a:buClr>
+              <a:buSzPct val="92000"/>
+            </a:pPr>
+            <a:r>
+              <a:rPr lang="en-US" dirty="0">
+                <a:solidFill>
+                  <a:schemeClr val="tx1">
+                    <a:lumMod val="75000"/>
+                    <a:lumOff val="25000"/>
+                  </a:schemeClr>
+                </a:solidFill>
+                <a:sym typeface="Rambla"/>
+              </a:rPr>
+              <a:t>This is the value we get if we plug in 0 for the explanatory variable</a:t>
+            </a:r>
+          </a:p>
+          <a:p>
+            <a:pPr marL="306000" marR="0" indent="-306000">
+              <a:spcBef>
+                <a:spcPct val="20000"/>
+              </a:spcBef>
+              <a:spcAft>
+                <a:spcPts val="600"/>
+              </a:spcAft>
+              <a:buClr>
+                <a:schemeClr val="accent1"/>
+              </a:buClr>
+              <a:buSzPct val="92000"/>
+              <a:buFont typeface="Wingdings 2" panose="05020102010507070707" pitchFamily="18" charset="2"/>
+              <a:buChar char=""/>
+            </a:pPr>
+            <a:r>
+              <a:rPr lang="en-US" b="1" dirty="0">
+                <a:solidFill>
+                  <a:schemeClr val="tx1">
+                    <a:lumMod val="75000"/>
+                    <a:lumOff val="25000"/>
+                  </a:schemeClr>
+                </a:solidFill>
+                <a:sym typeface="Rambla"/>
+              </a:rPr>
+              <a:t>Slope: </a:t>
+            </a:r>
+            <a:r>
+              <a:rPr lang="en-US" dirty="0">
+                <a:solidFill>
+                  <a:schemeClr val="tx1">
+                    <a:lumMod val="75000"/>
+                    <a:lumOff val="25000"/>
+                  </a:schemeClr>
+                </a:solidFill>
+                <a:sym typeface="Rambla"/>
+              </a:rPr>
+              <a:t>The estimated average interest rate for borrower with a </a:t>
+            </a:r>
+            <a:r>
+              <a:rPr lang="en-US" b="0" dirty="0">
+                <a:solidFill>
+                  <a:schemeClr val="tx1"/>
+                </a:solidFill>
+              </a:rPr>
+              <a:t>bankruptcy record is </a:t>
+            </a:r>
+            <a:r>
+              <a:rPr lang="en-US" dirty="0">
+                <a:solidFill>
+                  <a:schemeClr val="tx1">
+                    <a:lumMod val="75000"/>
+                    <a:lumOff val="25000"/>
+                  </a:schemeClr>
+                </a:solidFill>
+                <a:sym typeface="Rambla"/>
+              </a:rPr>
+              <a:t>0.735 higher than borrower without a </a:t>
+            </a:r>
+            <a:r>
+              <a:rPr lang="en-US" b="0" dirty="0">
+                <a:solidFill>
+                  <a:schemeClr val="tx1"/>
+                </a:solidFill>
+              </a:rPr>
+              <a:t>bankruptcy record </a:t>
+            </a:r>
+          </a:p>
+          <a:p>
+            <a:pPr marR="0">
+              <a:spcBef>
+                <a:spcPct val="20000"/>
+              </a:spcBef>
+              <a:spcAft>
+                <a:spcPts val="600"/>
+              </a:spcAft>
+              <a:buClr>
+                <a:schemeClr val="accent1"/>
+              </a:buClr>
+              <a:buSzPct val="92000"/>
+            </a:pPr>
+            <a:r>
+              <a:rPr lang="en-US" dirty="0">
+                <a:sym typeface="Rambla"/>
+              </a:rPr>
+              <a:t>	</a:t>
+            </a:r>
+            <a:r>
+              <a:rPr lang="en-US" dirty="0">
+                <a:solidFill>
+                  <a:schemeClr val="tx1">
+                    <a:lumMod val="75000"/>
+                    <a:lumOff val="25000"/>
+                  </a:schemeClr>
+                </a:solidFill>
+                <a:sym typeface="Rambla"/>
+              </a:rPr>
+              <a:t>Then, the estimated average interest rate for borrower with a </a:t>
+            </a:r>
+            <a:r>
+              <a:rPr lang="en-US" b="0" dirty="0">
+                <a:solidFill>
+                  <a:schemeClr val="tx1"/>
+                </a:solidFill>
+              </a:rPr>
+              <a:t>bankruptcy record </a:t>
+            </a:r>
+            <a:r>
+              <a:rPr lang="en-US" dirty="0">
+                <a:solidFill>
+                  <a:schemeClr val="tx1">
+                    <a:lumMod val="75000"/>
+                    <a:lumOff val="25000"/>
+                  </a:schemeClr>
+                </a:solidFill>
+                <a:sym typeface="Rambla"/>
+              </a:rPr>
+              <a:t>is 12.332 + 0.735= 13.067</a:t>
+            </a:r>
+          </a:p>
+          <a:p>
+            <a:pPr marR="0">
+              <a:spcBef>
+                <a:spcPct val="20000"/>
+              </a:spcBef>
+              <a:spcAft>
+                <a:spcPts val="600"/>
+              </a:spcAft>
+              <a:buClr>
+                <a:schemeClr val="accent1"/>
+              </a:buClr>
+              <a:buSzPct val="92000"/>
+            </a:pPr>
+            <a:r>
+              <a:rPr lang="en-US" dirty="0">
+                <a:solidFill>
+                  <a:schemeClr val="tx1">
+                    <a:lumMod val="75000"/>
+                    <a:lumOff val="25000"/>
+                  </a:schemeClr>
+                </a:solidFill>
+                <a:sym typeface="Rambla"/>
+              </a:rPr>
+              <a:t>	This is the value we get if we plug in 1 for the explanatory variable</a:t>
+            </a:r>
+          </a:p>
+        </p:txBody>
+      </p:sp>
+      <p:pic>
+        <p:nvPicPr>
+          <p:cNvPr id="6" name="Picture 5">
+            <a:extLst>
+              <a:ext uri="{FF2B5EF4-FFF2-40B4-BE49-F238E27FC236}">
+                <a16:creationId xmlns:a16="http://schemas.microsoft.com/office/drawing/2014/main" id="{776D9D21-06B7-20D9-0C0F-1D05101289A3}"/>
+              </a:ext>
+            </a:extLst>
+          </p:cNvPr>
+          <p:cNvPicPr>
+            <a:picLocks noChangeAspect="1"/>
+          </p:cNvPicPr>
+          <p:nvPr/>
+        </p:nvPicPr>
+        <p:blipFill>
+          <a:blip r:embed="rId2"/>
+          <a:stretch>
+            <a:fillRect/>
+          </a:stretch>
+        </p:blipFill>
+        <p:spPr>
+          <a:xfrm>
+            <a:off x="2479963" y="1253836"/>
+            <a:ext cx="7017328" cy="3024250"/>
+          </a:xfrm>
+          <a:prstGeom prst="rect">
+            <a:avLst/>
+          </a:prstGeom>
+        </p:spPr>
+      </p:pic>
+    </p:spTree>
+    <p:extLst>
+      <p:ext uri="{BB962C8B-B14F-4D97-AF65-F5344CB8AC3E}">
+        <p14:creationId xmlns:p14="http://schemas.microsoft.com/office/powerpoint/2010/main" val="2617738258"/>
+      </p:ext>
+    </p:extLst>
+  </p:cSld>
+  <p:clrMapOvr>
+    <a:masterClrMapping/>
+  </p:clrMapOvr>
+</p:sld>
+</file>
+
 <file path=ppt/slides/slide9.xml><?xml version="1.0" encoding="utf-8"?>
 <p:sld xmlns:a="http://schemas.openxmlformats.org/drawingml/2006/main" xmlns:r="http://schemas.openxmlformats.org/officeDocument/2006/relationships" xmlns:p="http://schemas.openxmlformats.org/presentationml/2006/main">
   <p:cSld>
@@ -15994,8 +16002,8 @@
           </a:p>
         </p:txBody>
       </p:sp>
-      <mc:AlternateContent xmlns:mc="http://schemas.openxmlformats.org/markup-compatibility/2006">
-        <mc:Choice xmlns:a14="http://schemas.microsoft.com/office/drawing/2010/main" Requires="a14">
+      <mc:AlternateContent xmlns:mc="http://schemas.openxmlformats.org/markup-compatibility/2006" xmlns:a14="http://schemas.microsoft.com/office/drawing/2010/main">
+        <mc:Choice Requires="a14">
           <p:sp>
             <p:nvSpPr>
               <p:cNvPr id="9" name="TextBox 8">
@@ -16024,6 +16032,7 @@
               </a:bodyPr>
               <a:lstStyle/>
               <a:p>
+                <a:pPr/>
                 <a14:m>
                   <m:oMathPara xmlns:m="http://schemas.openxmlformats.org/officeDocument/2006/math">
                     <m:oMathParaPr>
@@ -16136,7 +16145,7 @@
             </p:txBody>
           </p:sp>
         </mc:Choice>
-        <mc:Fallback>
+        <mc:Fallback xmlns="">
           <p:sp>
             <p:nvSpPr>
               <p:cNvPr id="9" name="TextBox 8">
